--- a/docs/DRI website.pptx
+++ b/docs/DRI website.pptx
@@ -7,6 +7,11 @@
   <p:sldIdLst>
     <p:sldId id="256" r:id="rId2"/>
     <p:sldId id="257" r:id="rId3"/>
+    <p:sldId id="259" r:id="rId4"/>
+    <p:sldId id="260" r:id="rId5"/>
+    <p:sldId id="261" r:id="rId6"/>
+    <p:sldId id="262" r:id="rId7"/>
+    <p:sldId id="263" r:id="rId8"/>
   </p:sldIdLst>
   <p:sldSz cx="6858000" cy="9144000" type="screen4x3"/>
   <p:notesSz cx="6858000" cy="9144000"/>
@@ -105,6 +110,22 @@
       </a:defRPr>
     </a:lvl9pPr>
   </p:defaultTextStyle>
+  <p:extLst>
+    <p:ext uri="{EFAFB233-063F-42B5-8137-9DF3F51BA10A}">
+      <p15:sldGuideLst xmlns:p15="http://schemas.microsoft.com/office/powerpoint/2012/main">
+        <p15:guide id="1" orient="horz" pos="2880">
+          <p15:clr>
+            <a:srgbClr val="A4A3A4"/>
+          </p15:clr>
+        </p15:guide>
+        <p15:guide id="2" pos="2160">
+          <p15:clr>
+            <a:srgbClr val="A4A3A4"/>
+          </p15:clr>
+        </p15:guide>
+      </p15:sldGuideLst>
+    </p:ext>
+  </p:extLst>
 </p:presentation>
 </file>
 
@@ -146,10 +167,9 @@
           <a:lstStyle/>
           <a:p>
             <a:r>
-              <a:rPr lang="en-US" smtClean="0"/>
+              <a:rPr lang="en-US"/>
               <a:t>Click to edit Master title style</a:t>
             </a:r>
-            <a:endParaRPr lang="en-US"/>
           </a:p>
         </p:txBody>
       </p:sp>
@@ -265,10 +285,9 @@
           </a:lstStyle>
           <a:p>
             <a:r>
-              <a:rPr lang="en-US" smtClean="0"/>
+              <a:rPr lang="en-US"/>
               <a:t>Click to edit Master subtitle style</a:t>
             </a:r>
-            <a:endParaRPr lang="en-US"/>
           </a:p>
         </p:txBody>
       </p:sp>
@@ -289,7 +308,7 @@
           <a:p>
             <a:fld id="{97F129F8-1E0A-470D-A6C5-5E14D3F29AAF}" type="datetimeFigureOut">
               <a:rPr lang="en-US" smtClean="0"/>
-              <a:t>2/23/2019</a:t>
+              <a:t>3/5/2019</a:t>
             </a:fld>
             <a:endParaRPr lang="en-US"/>
           </a:p>
@@ -378,10 +397,9 @@
           <a:lstStyle/>
           <a:p>
             <a:r>
-              <a:rPr lang="en-US" smtClean="0"/>
+              <a:rPr lang="en-US"/>
               <a:t>Click to edit Master title style</a:t>
             </a:r>
-            <a:endParaRPr lang="en-US"/>
           </a:p>
         </p:txBody>
       </p:sp>
@@ -402,38 +420,37 @@
           <a:p>
             <a:pPr lvl="0"/>
             <a:r>
-              <a:rPr lang="en-US" smtClean="0"/>
+              <a:rPr lang="en-US"/>
               <a:t>Click to edit Master text styles</a:t>
             </a:r>
           </a:p>
           <a:p>
             <a:pPr lvl="1"/>
             <a:r>
-              <a:rPr lang="en-US" smtClean="0"/>
+              <a:rPr lang="en-US"/>
               <a:t>Second level</a:t>
             </a:r>
           </a:p>
           <a:p>
             <a:pPr lvl="2"/>
             <a:r>
-              <a:rPr lang="en-US" smtClean="0"/>
+              <a:rPr lang="en-US"/>
               <a:t>Third level</a:t>
             </a:r>
           </a:p>
           <a:p>
             <a:pPr lvl="3"/>
             <a:r>
-              <a:rPr lang="en-US" smtClean="0"/>
+              <a:rPr lang="en-US"/>
               <a:t>Fourth level</a:t>
             </a:r>
           </a:p>
           <a:p>
             <a:pPr lvl="4"/>
             <a:r>
-              <a:rPr lang="en-US" smtClean="0"/>
+              <a:rPr lang="en-US"/>
               <a:t>Fifth level</a:t>
             </a:r>
-            <a:endParaRPr lang="en-US"/>
           </a:p>
         </p:txBody>
       </p:sp>
@@ -454,7 +471,7 @@
           <a:p>
             <a:fld id="{97F129F8-1E0A-470D-A6C5-5E14D3F29AAF}" type="datetimeFigureOut">
               <a:rPr lang="en-US" smtClean="0"/>
-              <a:t>2/23/2019</a:t>
+              <a:t>3/5/2019</a:t>
             </a:fld>
             <a:endParaRPr lang="en-US"/>
           </a:p>
@@ -548,10 +565,9 @@
           <a:lstStyle/>
           <a:p>
             <a:r>
-              <a:rPr lang="en-US" smtClean="0"/>
+              <a:rPr lang="en-US"/>
               <a:t>Click to edit Master title style</a:t>
             </a:r>
-            <a:endParaRPr lang="en-US"/>
           </a:p>
         </p:txBody>
       </p:sp>
@@ -577,38 +593,37 @@
           <a:p>
             <a:pPr lvl="0"/>
             <a:r>
-              <a:rPr lang="en-US" smtClean="0"/>
+              <a:rPr lang="en-US"/>
               <a:t>Click to edit Master text styles</a:t>
             </a:r>
           </a:p>
           <a:p>
             <a:pPr lvl="1"/>
             <a:r>
-              <a:rPr lang="en-US" smtClean="0"/>
+              <a:rPr lang="en-US"/>
               <a:t>Second level</a:t>
             </a:r>
           </a:p>
           <a:p>
             <a:pPr lvl="2"/>
             <a:r>
-              <a:rPr lang="en-US" smtClean="0"/>
+              <a:rPr lang="en-US"/>
               <a:t>Third level</a:t>
             </a:r>
           </a:p>
           <a:p>
             <a:pPr lvl="3"/>
             <a:r>
-              <a:rPr lang="en-US" smtClean="0"/>
+              <a:rPr lang="en-US"/>
               <a:t>Fourth level</a:t>
             </a:r>
           </a:p>
           <a:p>
             <a:pPr lvl="4"/>
             <a:r>
-              <a:rPr lang="en-US" smtClean="0"/>
+              <a:rPr lang="en-US"/>
               <a:t>Fifth level</a:t>
             </a:r>
-            <a:endParaRPr lang="en-US"/>
           </a:p>
         </p:txBody>
       </p:sp>
@@ -629,7 +644,7 @@
           <a:p>
             <a:fld id="{97F129F8-1E0A-470D-A6C5-5E14D3F29AAF}" type="datetimeFigureOut">
               <a:rPr lang="en-US" smtClean="0"/>
-              <a:t>2/23/2019</a:t>
+              <a:t>3/5/2019</a:t>
             </a:fld>
             <a:endParaRPr lang="en-US"/>
           </a:p>
@@ -718,10 +733,9 @@
           <a:lstStyle/>
           <a:p>
             <a:r>
-              <a:rPr lang="en-US" smtClean="0"/>
+              <a:rPr lang="en-US"/>
               <a:t>Click to edit Master title style</a:t>
             </a:r>
-            <a:endParaRPr lang="en-US"/>
           </a:p>
         </p:txBody>
       </p:sp>
@@ -742,38 +756,37 @@
           <a:p>
             <a:pPr lvl="0"/>
             <a:r>
-              <a:rPr lang="en-US" smtClean="0"/>
+              <a:rPr lang="en-US"/>
               <a:t>Click to edit Master text styles</a:t>
             </a:r>
           </a:p>
           <a:p>
             <a:pPr lvl="1"/>
             <a:r>
-              <a:rPr lang="en-US" smtClean="0"/>
+              <a:rPr lang="en-US"/>
               <a:t>Second level</a:t>
             </a:r>
           </a:p>
           <a:p>
             <a:pPr lvl="2"/>
             <a:r>
-              <a:rPr lang="en-US" smtClean="0"/>
+              <a:rPr lang="en-US"/>
               <a:t>Third level</a:t>
             </a:r>
           </a:p>
           <a:p>
             <a:pPr lvl="3"/>
             <a:r>
-              <a:rPr lang="en-US" smtClean="0"/>
+              <a:rPr lang="en-US"/>
               <a:t>Fourth level</a:t>
             </a:r>
           </a:p>
           <a:p>
             <a:pPr lvl="4"/>
             <a:r>
-              <a:rPr lang="en-US" smtClean="0"/>
+              <a:rPr lang="en-US"/>
               <a:t>Fifth level</a:t>
             </a:r>
-            <a:endParaRPr lang="en-US"/>
           </a:p>
         </p:txBody>
       </p:sp>
@@ -794,7 +807,7 @@
           <a:p>
             <a:fld id="{97F129F8-1E0A-470D-A6C5-5E14D3F29AAF}" type="datetimeFigureOut">
               <a:rPr lang="en-US" smtClean="0"/>
-              <a:t>2/23/2019</a:t>
+              <a:t>3/5/2019</a:t>
             </a:fld>
             <a:endParaRPr lang="en-US"/>
           </a:p>
@@ -892,10 +905,9 @@
           </a:lstStyle>
           <a:p>
             <a:r>
-              <a:rPr lang="en-US" smtClean="0"/>
+              <a:rPr lang="en-US"/>
               <a:t>Click to edit Master title style</a:t>
             </a:r>
-            <a:endParaRPr lang="en-US"/>
           </a:p>
         </p:txBody>
       </p:sp>
@@ -1012,7 +1024,7 @@
           <a:p>
             <a:pPr lvl="0"/>
             <a:r>
-              <a:rPr lang="en-US" smtClean="0"/>
+              <a:rPr lang="en-US"/>
               <a:t>Click to edit Master text styles</a:t>
             </a:r>
           </a:p>
@@ -1035,7 +1047,7 @@
           <a:p>
             <a:fld id="{97F129F8-1E0A-470D-A6C5-5E14D3F29AAF}" type="datetimeFigureOut">
               <a:rPr lang="en-US" smtClean="0"/>
-              <a:t>2/23/2019</a:t>
+              <a:t>3/5/2019</a:t>
             </a:fld>
             <a:endParaRPr lang="en-US"/>
           </a:p>
@@ -1124,10 +1136,9 @@
           <a:lstStyle/>
           <a:p>
             <a:r>
-              <a:rPr lang="en-US" smtClean="0"/>
+              <a:rPr lang="en-US"/>
               <a:t>Click to edit Master title style</a:t>
             </a:r>
-            <a:endParaRPr lang="en-US"/>
           </a:p>
         </p:txBody>
       </p:sp>
@@ -1181,38 +1192,37 @@
           <a:p>
             <a:pPr lvl="0"/>
             <a:r>
-              <a:rPr lang="en-US" smtClean="0"/>
+              <a:rPr lang="en-US"/>
               <a:t>Click to edit Master text styles</a:t>
             </a:r>
           </a:p>
           <a:p>
             <a:pPr lvl="1"/>
             <a:r>
-              <a:rPr lang="en-US" smtClean="0"/>
+              <a:rPr lang="en-US"/>
               <a:t>Second level</a:t>
             </a:r>
           </a:p>
           <a:p>
             <a:pPr lvl="2"/>
             <a:r>
-              <a:rPr lang="en-US" smtClean="0"/>
+              <a:rPr lang="en-US"/>
               <a:t>Third level</a:t>
             </a:r>
           </a:p>
           <a:p>
             <a:pPr lvl="3"/>
             <a:r>
-              <a:rPr lang="en-US" smtClean="0"/>
+              <a:rPr lang="en-US"/>
               <a:t>Fourth level</a:t>
             </a:r>
           </a:p>
           <a:p>
             <a:pPr lvl="4"/>
             <a:r>
-              <a:rPr lang="en-US" smtClean="0"/>
+              <a:rPr lang="en-US"/>
               <a:t>Fifth level</a:t>
             </a:r>
-            <a:endParaRPr lang="en-US"/>
           </a:p>
         </p:txBody>
       </p:sp>
@@ -1266,38 +1276,37 @@
           <a:p>
             <a:pPr lvl="0"/>
             <a:r>
-              <a:rPr lang="en-US" smtClean="0"/>
+              <a:rPr lang="en-US"/>
               <a:t>Click to edit Master text styles</a:t>
             </a:r>
           </a:p>
           <a:p>
             <a:pPr lvl="1"/>
             <a:r>
-              <a:rPr lang="en-US" smtClean="0"/>
+              <a:rPr lang="en-US"/>
               <a:t>Second level</a:t>
             </a:r>
           </a:p>
           <a:p>
             <a:pPr lvl="2"/>
             <a:r>
-              <a:rPr lang="en-US" smtClean="0"/>
+              <a:rPr lang="en-US"/>
               <a:t>Third level</a:t>
             </a:r>
           </a:p>
           <a:p>
             <a:pPr lvl="3"/>
             <a:r>
-              <a:rPr lang="en-US" smtClean="0"/>
+              <a:rPr lang="en-US"/>
               <a:t>Fourth level</a:t>
             </a:r>
           </a:p>
           <a:p>
             <a:pPr lvl="4"/>
             <a:r>
-              <a:rPr lang="en-US" smtClean="0"/>
+              <a:rPr lang="en-US"/>
               <a:t>Fifth level</a:t>
             </a:r>
-            <a:endParaRPr lang="en-US"/>
           </a:p>
         </p:txBody>
       </p:sp>
@@ -1318,7 +1327,7 @@
           <a:p>
             <a:fld id="{97F129F8-1E0A-470D-A6C5-5E14D3F29AAF}" type="datetimeFigureOut">
               <a:rPr lang="en-US" smtClean="0"/>
-              <a:t>2/23/2019</a:t>
+              <a:t>3/5/2019</a:t>
             </a:fld>
             <a:endParaRPr lang="en-US"/>
           </a:p>
@@ -1411,10 +1420,9 @@
           </a:lstStyle>
           <a:p>
             <a:r>
-              <a:rPr lang="en-US" smtClean="0"/>
+              <a:rPr lang="en-US"/>
               <a:t>Click to edit Master title style</a:t>
             </a:r>
-            <a:endParaRPr lang="en-US"/>
           </a:p>
         </p:txBody>
       </p:sp>
@@ -1477,7 +1485,7 @@
           <a:p>
             <a:pPr lvl="0"/>
             <a:r>
-              <a:rPr lang="en-US" smtClean="0"/>
+              <a:rPr lang="en-US"/>
               <a:t>Click to edit Master text styles</a:t>
             </a:r>
           </a:p>
@@ -1533,38 +1541,37 @@
           <a:p>
             <a:pPr lvl="0"/>
             <a:r>
-              <a:rPr lang="en-US" smtClean="0"/>
+              <a:rPr lang="en-US"/>
               <a:t>Click to edit Master text styles</a:t>
             </a:r>
           </a:p>
           <a:p>
             <a:pPr lvl="1"/>
             <a:r>
-              <a:rPr lang="en-US" smtClean="0"/>
+              <a:rPr lang="en-US"/>
               <a:t>Second level</a:t>
             </a:r>
           </a:p>
           <a:p>
             <a:pPr lvl="2"/>
             <a:r>
-              <a:rPr lang="en-US" smtClean="0"/>
+              <a:rPr lang="en-US"/>
               <a:t>Third level</a:t>
             </a:r>
           </a:p>
           <a:p>
             <a:pPr lvl="3"/>
             <a:r>
-              <a:rPr lang="en-US" smtClean="0"/>
+              <a:rPr lang="en-US"/>
               <a:t>Fourth level</a:t>
             </a:r>
           </a:p>
           <a:p>
             <a:pPr lvl="4"/>
             <a:r>
-              <a:rPr lang="en-US" smtClean="0"/>
+              <a:rPr lang="en-US"/>
               <a:t>Fifth level</a:t>
             </a:r>
-            <a:endParaRPr lang="en-US"/>
           </a:p>
         </p:txBody>
       </p:sp>
@@ -1627,7 +1634,7 @@
           <a:p>
             <a:pPr lvl="0"/>
             <a:r>
-              <a:rPr lang="en-US" smtClean="0"/>
+              <a:rPr lang="en-US"/>
               <a:t>Click to edit Master text styles</a:t>
             </a:r>
           </a:p>
@@ -1683,38 +1690,37 @@
           <a:p>
             <a:pPr lvl="0"/>
             <a:r>
-              <a:rPr lang="en-US" smtClean="0"/>
+              <a:rPr lang="en-US"/>
               <a:t>Click to edit Master text styles</a:t>
             </a:r>
           </a:p>
           <a:p>
             <a:pPr lvl="1"/>
             <a:r>
-              <a:rPr lang="en-US" smtClean="0"/>
+              <a:rPr lang="en-US"/>
               <a:t>Second level</a:t>
             </a:r>
           </a:p>
           <a:p>
             <a:pPr lvl="2"/>
             <a:r>
-              <a:rPr lang="en-US" smtClean="0"/>
+              <a:rPr lang="en-US"/>
               <a:t>Third level</a:t>
             </a:r>
           </a:p>
           <a:p>
             <a:pPr lvl="3"/>
             <a:r>
-              <a:rPr lang="en-US" smtClean="0"/>
+              <a:rPr lang="en-US"/>
               <a:t>Fourth level</a:t>
             </a:r>
           </a:p>
           <a:p>
             <a:pPr lvl="4"/>
             <a:r>
-              <a:rPr lang="en-US" smtClean="0"/>
+              <a:rPr lang="en-US"/>
               <a:t>Fifth level</a:t>
             </a:r>
-            <a:endParaRPr lang="en-US"/>
           </a:p>
         </p:txBody>
       </p:sp>
@@ -1735,7 +1741,7 @@
           <a:p>
             <a:fld id="{97F129F8-1E0A-470D-A6C5-5E14D3F29AAF}" type="datetimeFigureOut">
               <a:rPr lang="en-US" smtClean="0"/>
-              <a:t>2/23/2019</a:t>
+              <a:t>3/5/2019</a:t>
             </a:fld>
             <a:endParaRPr lang="en-US"/>
           </a:p>
@@ -1824,10 +1830,9 @@
           <a:lstStyle/>
           <a:p>
             <a:r>
-              <a:rPr lang="en-US" smtClean="0"/>
+              <a:rPr lang="en-US"/>
               <a:t>Click to edit Master title style</a:t>
             </a:r>
-            <a:endParaRPr lang="en-US"/>
           </a:p>
         </p:txBody>
       </p:sp>
@@ -1848,7 +1853,7 @@
           <a:p>
             <a:fld id="{97F129F8-1E0A-470D-A6C5-5E14D3F29AAF}" type="datetimeFigureOut">
               <a:rPr lang="en-US" smtClean="0"/>
-              <a:t>2/23/2019</a:t>
+              <a:t>3/5/2019</a:t>
             </a:fld>
             <a:endParaRPr lang="en-US"/>
           </a:p>
@@ -1938,7 +1943,7 @@
           <a:p>
             <a:fld id="{97F129F8-1E0A-470D-A6C5-5E14D3F29AAF}" type="datetimeFigureOut">
               <a:rPr lang="en-US" smtClean="0"/>
-              <a:t>2/23/2019</a:t>
+              <a:t>3/5/2019</a:t>
             </a:fld>
             <a:endParaRPr lang="en-US"/>
           </a:p>
@@ -2036,10 +2041,9 @@
           </a:lstStyle>
           <a:p>
             <a:r>
-              <a:rPr lang="en-US" smtClean="0"/>
+              <a:rPr lang="en-US"/>
               <a:t>Click to edit Master title style</a:t>
             </a:r>
-            <a:endParaRPr lang="en-US"/>
           </a:p>
         </p:txBody>
       </p:sp>
@@ -2093,38 +2097,37 @@
           <a:p>
             <a:pPr lvl="0"/>
             <a:r>
-              <a:rPr lang="en-US" smtClean="0"/>
+              <a:rPr lang="en-US"/>
               <a:t>Click to edit Master text styles</a:t>
             </a:r>
           </a:p>
           <a:p>
             <a:pPr lvl="1"/>
             <a:r>
-              <a:rPr lang="en-US" smtClean="0"/>
+              <a:rPr lang="en-US"/>
               <a:t>Second level</a:t>
             </a:r>
           </a:p>
           <a:p>
             <a:pPr lvl="2"/>
             <a:r>
-              <a:rPr lang="en-US" smtClean="0"/>
+              <a:rPr lang="en-US"/>
               <a:t>Third level</a:t>
             </a:r>
           </a:p>
           <a:p>
             <a:pPr lvl="3"/>
             <a:r>
-              <a:rPr lang="en-US" smtClean="0"/>
+              <a:rPr lang="en-US"/>
               <a:t>Fourth level</a:t>
             </a:r>
           </a:p>
           <a:p>
             <a:pPr lvl="4"/>
             <a:r>
-              <a:rPr lang="en-US" smtClean="0"/>
+              <a:rPr lang="en-US"/>
               <a:t>Fifth level</a:t>
             </a:r>
-            <a:endParaRPr lang="en-US"/>
           </a:p>
         </p:txBody>
       </p:sp>
@@ -2187,7 +2190,7 @@
           <a:p>
             <a:pPr lvl="0"/>
             <a:r>
-              <a:rPr lang="en-US" smtClean="0"/>
+              <a:rPr lang="en-US"/>
               <a:t>Click to edit Master text styles</a:t>
             </a:r>
           </a:p>
@@ -2210,7 +2213,7 @@
           <a:p>
             <a:fld id="{97F129F8-1E0A-470D-A6C5-5E14D3F29AAF}" type="datetimeFigureOut">
               <a:rPr lang="en-US" smtClean="0"/>
-              <a:t>2/23/2019</a:t>
+              <a:t>3/5/2019</a:t>
             </a:fld>
             <a:endParaRPr lang="en-US"/>
           </a:p>
@@ -2308,10 +2311,9 @@
           </a:lstStyle>
           <a:p>
             <a:r>
-              <a:rPr lang="en-US" smtClean="0"/>
+              <a:rPr lang="en-US"/>
               <a:t>Click to edit Master title style</a:t>
             </a:r>
-            <a:endParaRPr lang="en-US"/>
           </a:p>
         </p:txBody>
       </p:sp>
@@ -2435,7 +2437,7 @@
           <a:p>
             <a:pPr lvl="0"/>
             <a:r>
-              <a:rPr lang="en-US" smtClean="0"/>
+              <a:rPr lang="en-US"/>
               <a:t>Click to edit Master text styles</a:t>
             </a:r>
           </a:p>
@@ -2458,7 +2460,7 @@
           <a:p>
             <a:fld id="{97F129F8-1E0A-470D-A6C5-5E14D3F29AAF}" type="datetimeFigureOut">
               <a:rPr lang="en-US" smtClean="0"/>
-              <a:t>2/23/2019</a:t>
+              <a:t>3/5/2019</a:t>
             </a:fld>
             <a:endParaRPr lang="en-US"/>
           </a:p>
@@ -2562,10 +2564,9 @@
           <a:lstStyle/>
           <a:p>
             <a:r>
-              <a:rPr lang="en-US" smtClean="0"/>
+              <a:rPr lang="en-US"/>
               <a:t>Click to edit Master title style</a:t>
             </a:r>
-            <a:endParaRPr lang="en-US"/>
           </a:p>
         </p:txBody>
       </p:sp>
@@ -2596,38 +2597,37 @@
           <a:p>
             <a:pPr lvl="0"/>
             <a:r>
-              <a:rPr lang="en-US" smtClean="0"/>
+              <a:rPr lang="en-US"/>
               <a:t>Click to edit Master text styles</a:t>
             </a:r>
           </a:p>
           <a:p>
             <a:pPr lvl="1"/>
             <a:r>
-              <a:rPr lang="en-US" smtClean="0"/>
+              <a:rPr lang="en-US"/>
               <a:t>Second level</a:t>
             </a:r>
           </a:p>
           <a:p>
             <a:pPr lvl="2"/>
             <a:r>
-              <a:rPr lang="en-US" smtClean="0"/>
+              <a:rPr lang="en-US"/>
               <a:t>Third level</a:t>
             </a:r>
           </a:p>
           <a:p>
             <a:pPr lvl="3"/>
             <a:r>
-              <a:rPr lang="en-US" smtClean="0"/>
+              <a:rPr lang="en-US"/>
               <a:t>Fourth level</a:t>
             </a:r>
           </a:p>
           <a:p>
             <a:pPr lvl="4"/>
             <a:r>
-              <a:rPr lang="en-US" smtClean="0"/>
+              <a:rPr lang="en-US"/>
               <a:t>Fifth level</a:t>
             </a:r>
-            <a:endParaRPr lang="en-US"/>
           </a:p>
         </p:txBody>
       </p:sp>
@@ -2666,7 +2666,7 @@
           <a:p>
             <a:fld id="{97F129F8-1E0A-470D-A6C5-5E14D3F29AAF}" type="datetimeFigureOut">
               <a:rPr lang="en-US" smtClean="0"/>
-              <a:t>2/23/2019</a:t>
+              <a:t>3/5/2019</a:t>
             </a:fld>
             <a:endParaRPr lang="en-US"/>
           </a:p>
@@ -3115,7 +3115,7 @@
               <a:tabLst/>
             </a:pPr>
             <a:r>
-              <a:rPr kumimoji="0" lang="en-US" altLang="ja-JP" sz="1100" b="1" i="0" u="none" strike="noStrike" cap="none" normalizeH="0" baseline="0" dirty="0" smtClean="0">
+              <a:rPr kumimoji="0" lang="en-US" altLang="ja-JP" sz="1100" b="1" i="0" u="none" strike="noStrike" cap="none" normalizeH="0" baseline="0" dirty="0">
                 <a:ln>
                   <a:noFill/>
                 </a:ln>
@@ -3138,21 +3138,10 @@
                 <a:ea typeface="MS Mincho" pitchFamily="49" charset="-128"/>
                 <a:cs typeface="Arial" pitchFamily="34" charset="0"/>
               </a:rPr>
-              <a:t> </a:t>
-            </a:r>
-            <a:r>
-              <a:rPr lang="en-US" altLang="ja-JP" sz="1100" b="1" dirty="0" smtClean="0">
-                <a:solidFill>
-                  <a:srgbClr val="FFFFFF"/>
-                </a:solidFill>
-                <a:latin typeface="Times New Roman" pitchFamily="18" charset="0"/>
-                <a:ea typeface="MS Mincho" pitchFamily="49" charset="-128"/>
-                <a:cs typeface="Arial" pitchFamily="34" charset="0"/>
-              </a:rPr>
-              <a:t>   </a:t>
-            </a:r>
-            <a:r>
-              <a:rPr kumimoji="0" lang="en-US" altLang="ja-JP" sz="1100" b="1" i="0" u="none" strike="noStrike" cap="none" normalizeH="0" baseline="0" dirty="0" smtClean="0">
+              <a:t>    </a:t>
+            </a:r>
+            <a:r>
+              <a:rPr kumimoji="0" lang="en-US" altLang="ja-JP" sz="1100" b="1" i="0" u="none" strike="noStrike" cap="none" normalizeH="0" baseline="0" dirty="0">
                 <a:ln>
                   <a:noFill/>
                 </a:ln>
@@ -3175,21 +3164,10 @@
                 <a:ea typeface="MS Mincho" pitchFamily="49" charset="-128"/>
                 <a:cs typeface="Arial" pitchFamily="34" charset="0"/>
               </a:rPr>
-              <a:t> </a:t>
-            </a:r>
-            <a:r>
-              <a:rPr lang="en-US" altLang="ja-JP" sz="1100" b="1" dirty="0" smtClean="0">
-                <a:solidFill>
-                  <a:srgbClr val="FFFFFF"/>
-                </a:solidFill>
-                <a:latin typeface="Calibri" pitchFamily="34" charset="0"/>
-                <a:ea typeface="MS Mincho" pitchFamily="49" charset="-128"/>
-                <a:cs typeface="Arial" pitchFamily="34" charset="0"/>
-              </a:rPr>
-              <a:t>       </a:t>
-            </a:r>
-            <a:r>
-              <a:rPr kumimoji="0" lang="en-US" altLang="ja-JP" sz="1100" b="1" i="0" u="none" strike="noStrike" cap="none" normalizeH="0" baseline="0" dirty="0" smtClean="0">
+              <a:t>        </a:t>
+            </a:r>
+            <a:r>
+              <a:rPr kumimoji="0" lang="en-US" altLang="ja-JP" sz="1100" b="1" i="0" u="none" strike="noStrike" cap="none" normalizeH="0" baseline="0" dirty="0">
                 <a:ln>
                   <a:noFill/>
                 </a:ln>
@@ -3212,21 +3190,10 @@
                 <a:ea typeface="MS Mincho" pitchFamily="49" charset="-128"/>
                 <a:cs typeface="Arial" pitchFamily="34" charset="0"/>
               </a:rPr>
-              <a:t> </a:t>
-            </a:r>
-            <a:r>
-              <a:rPr lang="en-US" altLang="ja-JP" sz="1100" b="1" dirty="0" smtClean="0">
-                <a:solidFill>
-                  <a:srgbClr val="FFFFFF"/>
-                </a:solidFill>
-                <a:latin typeface="Calibri" pitchFamily="34" charset="0"/>
-                <a:ea typeface="MS Mincho" pitchFamily="49" charset="-128"/>
-                <a:cs typeface="Arial" pitchFamily="34" charset="0"/>
-              </a:rPr>
-              <a:t>        </a:t>
-            </a:r>
-            <a:r>
-              <a:rPr kumimoji="0" lang="en-US" altLang="ja-JP" sz="1100" b="1" i="0" u="none" strike="noStrike" cap="none" normalizeH="0" baseline="0" dirty="0" smtClean="0">
+              <a:t>         </a:t>
+            </a:r>
+            <a:r>
+              <a:rPr kumimoji="0" lang="en-US" altLang="ja-JP" sz="1100" b="1" i="0" u="none" strike="noStrike" cap="none" normalizeH="0" baseline="0" dirty="0">
                 <a:ln>
                   <a:noFill/>
                 </a:ln>
@@ -3240,7 +3207,7 @@
               </a:rPr>
               <a:t>CONTACT</a:t>
             </a:r>
-            <a:endParaRPr kumimoji="0" lang="en-US" sz="1800" b="0" i="0" u="none" strike="noStrike" cap="none" normalizeH="0" baseline="0" dirty="0" smtClean="0">
+            <a:endParaRPr kumimoji="0" lang="en-US" sz="1800" b="0" i="0" u="none" strike="noStrike" cap="none" normalizeH="0" baseline="0" dirty="0">
               <a:ln>
                 <a:noFill/>
               </a:ln>
@@ -3310,7 +3277,7 @@
           <a:blip r:embed="rId3" cstate="print">
             <a:extLst>
               <a:ext uri="{28A0092B-C50C-407E-A947-70E740481C1C}">
-                <a14:useLocalDpi xmlns="" xmlns:wpc="http://schemas.microsoft.com/office/word/2010/wordprocessingCanvas" xmlns:cx="http://schemas.microsoft.com/office/drawing/2014/chartex" xmlns:cx1="http://schemas.microsoft.com/office/drawing/2015/9/8/chartex" xmlns:cx2="http://schemas.microsoft.com/office/drawing/2015/10/21/chartex" xmlns:cx3="http://schemas.microsoft.com/office/drawing/2016/5/9/chartex" xmlns:cx4="http://schemas.microsoft.com/office/drawing/2016/5/10/chartex" xmlns:cx5="http://schemas.microsoft.com/office/drawing/2016/5/11/chartex" xmlns:cx6="http://schemas.microsoft.com/office/drawing/2016/5/12/chartex" xmlns:cx7="http://schemas.microsoft.com/office/drawing/2016/5/13/chartex" xmlns:cx8="http://schemas.microsoft.com/office/drawing/2016/5/14/chartex" xmlns:mc="http://schemas.openxmlformats.org/markup-compatibility/2006" xmlns:aink="http://schemas.microsoft.com/office/drawing/2016/ink" xmlns:am3d="http://schemas.microsoft.com/office/drawing/2017/model3d" xmlns:o="urn:schemas-microsoft-com:office:office" xmlns:m="http://schemas.openxmlformats.org/officeDocument/2006/math" xmlns:v="urn:schemas-microsoft-com:vml" xmlns:wp14="http://schemas.microsoft.com/office/word/2010/wordprocessingDrawing" xmlns:wp="http://schemas.openxmlformats.org/drawingml/2006/wordprocessingDrawing" xmlns:w10="urn:schemas-microsoft-com:office:word" xmlns:w="http://schemas.openxmlformats.org/wordprocessingml/2006/main" xmlns:w14="http://schemas.microsoft.com/office/word/2010/wordml" xmlns:w15="http://schemas.microsoft.com/office/word/2012/wordml" xmlns:w16cid="http://schemas.microsoft.com/office/word/2016/wordml/cid" xmlns:w16se="http://schemas.microsoft.com/office/word/2015/wordml/symex" xmlns:wpg="http://schemas.microsoft.com/office/word/2010/wordprocessingGroup" xmlns:wpi="http://schemas.microsoft.com/office/word/2010/wordprocessingInk" xmlns:wne="http://schemas.microsoft.com/office/word/2006/wordml" xmlns:wps="http://schemas.microsoft.com/office/word/2010/wordprocessingShape" xmlns:a14="http://schemas.microsoft.com/office/drawing/2010/main" xmlns:pic="http://schemas.openxmlformats.org/drawingml/2006/picture" xmlns:lc="http://schemas.openxmlformats.org/drawingml/2006/lockedCanvas" val="0"/>
+                <a14:useLocalDpi xmlns:a14="http://schemas.microsoft.com/office/drawing/2010/main" val="0"/>
               </a:ext>
             </a:extLst>
           </a:blip>
@@ -3451,7 +3418,7 @@
               <a:tabLst/>
             </a:pPr>
             <a:r>
-              <a:rPr kumimoji="0" lang="en-US" altLang="ja-JP" sz="2400" b="1" i="0" u="none" strike="noStrike" cap="none" normalizeH="0" baseline="0" dirty="0" smtClean="0">
+              <a:rPr kumimoji="0" lang="en-US" altLang="ja-JP" sz="2400" b="1" i="0" u="none" strike="noStrike" cap="none" normalizeH="0" baseline="0" dirty="0">
                 <a:ln>
                   <a:noFill/>
                 </a:ln>
@@ -3484,7 +3451,7 @@
               <a:tabLst/>
             </a:pPr>
             <a:r>
-              <a:rPr lang="en-US" sz="1200" dirty="0" smtClean="0">
+              <a:rPr lang="en-US" sz="1200" dirty="0">
                 <a:solidFill>
                   <a:srgbClr val="FFFFFF"/>
                 </a:solidFill>
@@ -3494,7 +3461,7 @@
               </a:rPr>
               <a:t>Design Resource provides robust, innovative engineering services to help you grow and achieve your goals.</a:t>
             </a:r>
-            <a:endParaRPr kumimoji="0" lang="en-US" sz="1050" i="0" u="none" strike="noStrike" cap="none" normalizeH="0" baseline="0" dirty="0" smtClean="0">
+            <a:endParaRPr kumimoji="0" lang="en-US" sz="1050" i="0" u="none" strike="noStrike" cap="none" normalizeH="0" baseline="0" dirty="0">
               <a:ln>
                 <a:noFill/>
               </a:ln>
@@ -3557,7 +3524,7 @@
               <a:tabLst/>
             </a:pPr>
             <a:r>
-              <a:rPr kumimoji="0" lang="en-US" altLang="ja-JP" sz="1100" b="1" i="0" u="none" strike="noStrike" cap="none" normalizeH="0" baseline="0" dirty="0" smtClean="0">
+              <a:rPr kumimoji="0" lang="en-US" altLang="ja-JP" sz="1100" b="1" i="0" u="none" strike="noStrike" cap="none" normalizeH="0" baseline="0">
                 <a:ln>
                   <a:noFill/>
                 </a:ln>
@@ -3590,7 +3557,7 @@
               <a:tabLst/>
             </a:pPr>
             <a:r>
-              <a:rPr kumimoji="0" lang="en-US" altLang="ja-JP" sz="1100" b="1" i="0" u="none" strike="noStrike" cap="none" normalizeH="0" baseline="0" dirty="0" smtClean="0">
+              <a:rPr kumimoji="0" lang="en-US" altLang="ja-JP" sz="1100" b="1" i="0" u="none" strike="noStrike" cap="none" normalizeH="0" baseline="0">
                 <a:ln>
                   <a:noFill/>
                 </a:ln>
@@ -3622,7 +3589,7 @@
               <a:buNone/>
               <a:tabLst/>
             </a:pPr>
-            <a:endParaRPr kumimoji="0" lang="en-US" altLang="ja-JP" sz="1100" b="1" i="0" u="none" strike="noStrike" cap="none" normalizeH="0" baseline="0" dirty="0" smtClean="0">
+            <a:endParaRPr kumimoji="0" lang="en-US" altLang="ja-JP" sz="1100" b="1" i="0" u="none" strike="noStrike" cap="none" normalizeH="0" baseline="0">
               <a:ln>
                 <a:noFill/>
               </a:ln>
@@ -3652,7 +3619,7 @@
               <a:buNone/>
               <a:tabLst/>
             </a:pPr>
-            <a:endParaRPr kumimoji="0" lang="en-US" sz="1800" b="0" i="0" u="none" strike="noStrike" cap="none" normalizeH="0" baseline="0" dirty="0" smtClean="0">
+            <a:endParaRPr kumimoji="0" lang="en-US" sz="1800" b="0" i="0" u="none" strike="noStrike" cap="none" normalizeH="0" baseline="0" dirty="0">
               <a:ln>
                 <a:noFill/>
               </a:ln>
@@ -3668,7 +3635,7 @@
       </p:sp>
       <p:pic>
         <p:nvPicPr>
-          <p:cNvPr id="22" name="Picture 21" descr="Image result for SOLIDWORKS LOGO"/>
+          <p:cNvPr id="23" name="Picture 22" descr="Image result for CREO LOGO"/>
           <p:cNvPicPr/>
           <p:nvPr/>
         </p:nvPicPr>
@@ -3681,38 +3648,8 @@
         </p:blipFill>
         <p:spPr bwMode="auto">
           <a:xfrm>
-            <a:off x="533400" y="7467600"/>
-            <a:ext cx="700473" cy="691979"/>
-          </a:xfrm>
-          <a:prstGeom prst="rect">
-            <a:avLst/>
-          </a:prstGeom>
-          <a:noFill/>
-          <a:ln w="9525">
-            <a:noFill/>
-            <a:miter lim="800000"/>
-            <a:headEnd/>
-            <a:tailEnd/>
-          </a:ln>
-        </p:spPr>
-      </p:pic>
-      <p:pic>
-        <p:nvPicPr>
-          <p:cNvPr id="23" name="Picture 22" descr="Image result for CREO LOGO"/>
-          <p:cNvPicPr/>
-          <p:nvPr/>
-        </p:nvPicPr>
-        <p:blipFill>
-          <a:blip r:embed="rId6" cstate="print"/>
-          <a:srcRect/>
-          <a:stretch>
-            <a:fillRect/>
-          </a:stretch>
-        </p:blipFill>
-        <p:spPr bwMode="auto">
-          <a:xfrm>
-            <a:off x="5148046" y="7620000"/>
-            <a:ext cx="1342837" cy="589006"/>
+            <a:off x="4929282" y="7515418"/>
+            <a:ext cx="1063616" cy="466532"/>
           </a:xfrm>
           <a:prstGeom prst="rect">
             <a:avLst/>
@@ -3778,7 +3715,7 @@
               <a:buNone/>
               <a:tabLst/>
             </a:pPr>
-            <a:endParaRPr kumimoji="0" lang="en-US" altLang="ja-JP" sz="1400" b="1" i="0" u="none" strike="noStrike" cap="none" normalizeH="0" baseline="0" dirty="0" smtClean="0">
+            <a:endParaRPr kumimoji="0" lang="en-US" altLang="ja-JP" sz="1400" b="1" i="0" u="none" strike="noStrike" cap="none" normalizeH="0" baseline="0" dirty="0">
               <a:ln>
                 <a:noFill/>
               </a:ln>
@@ -3809,7 +3746,7 @@
               <a:tabLst/>
             </a:pPr>
             <a:r>
-              <a:rPr kumimoji="0" lang="en-US" altLang="ja-JP" sz="1400" b="1" i="0" u="none" strike="noStrike" cap="none" normalizeH="0" baseline="0" dirty="0" smtClean="0">
+              <a:rPr kumimoji="0" lang="en-US" altLang="ja-JP" sz="1400" b="1" i="0" u="none" strike="noStrike" cap="none" normalizeH="0" baseline="0" dirty="0">
                 <a:ln>
                   <a:noFill/>
                 </a:ln>
@@ -3842,7 +3779,7 @@
               <a:tabLst/>
             </a:pPr>
             <a:r>
-              <a:rPr kumimoji="0" lang="en-US" altLang="ja-JP" sz="1200" b="0" i="0" u="none" strike="noStrike" cap="none" normalizeH="0" baseline="0" dirty="0" smtClean="0">
+              <a:rPr kumimoji="0" lang="en-US" altLang="ja-JP" sz="1200" b="0" i="0" u="none" strike="noStrike" cap="none" normalizeH="0" baseline="0" dirty="0">
                 <a:ln>
                   <a:noFill/>
                 </a:ln>
@@ -3860,7 +3797,7 @@
               <a:t>We provide unique and robust solutions for difficult </a:t>
             </a:r>
             <a:r>
-              <a:rPr kumimoji="0" lang="en-US" altLang="ja-JP" sz="1200" b="0" i="0" u="none" strike="noStrike" cap="none" normalizeH="0" baseline="0" dirty="0" err="1" smtClean="0">
+              <a:rPr kumimoji="0" lang="en-US" altLang="ja-JP" sz="1200" b="0" i="0" u="none" strike="noStrike" cap="none" normalizeH="0" baseline="0" dirty="0" err="1">
                 <a:ln>
                   <a:noFill/>
                 </a:ln>
@@ -3878,7 +3815,7 @@
               <a:t>fixturing</a:t>
             </a:r>
             <a:r>
-              <a:rPr kumimoji="0" lang="en-US" altLang="ja-JP" sz="1200" b="0" i="0" u="none" strike="noStrike" cap="none" normalizeH="0" baseline="0" dirty="0" smtClean="0">
+              <a:rPr kumimoji="0" lang="en-US" altLang="ja-JP" sz="1200" b="0" i="0" u="none" strike="noStrike" cap="none" normalizeH="0" baseline="0" dirty="0">
                 <a:ln>
                   <a:noFill/>
                 </a:ln>
@@ -3896,7 +3833,7 @@
               <a:t> and assembly challenges. We specialize in precision medical and high tech tooling solutions including</a:t>
             </a:r>
             <a:r>
-              <a:rPr kumimoji="0" lang="en-US" altLang="ja-JP" sz="1200" b="0" i="0" u="none" strike="noStrike" cap="none" normalizeH="0" dirty="0" smtClean="0">
+              <a:rPr kumimoji="0" lang="en-US" altLang="ja-JP" sz="1200" b="0" i="0" u="none" strike="noStrike" cap="none" normalizeH="0" dirty="0">
                 <a:ln>
                   <a:noFill/>
                 </a:ln>
@@ -3914,7 +3851,7 @@
               <a:t> laser and RSW weld tooling.</a:t>
             </a:r>
             <a:r>
-              <a:rPr kumimoji="0" lang="en-US" altLang="ja-JP" sz="1200" b="0" i="0" u="none" strike="noStrike" cap="none" normalizeH="0" baseline="0" dirty="0" smtClean="0">
+              <a:rPr kumimoji="0" lang="en-US" altLang="ja-JP" sz="1200" b="0" i="0" u="none" strike="noStrike" cap="none" normalizeH="0" baseline="0" dirty="0">
                 <a:ln>
                   <a:noFill/>
                 </a:ln>
@@ -3931,7 +3868,7 @@
               </a:rPr>
               <a:t>.</a:t>
             </a:r>
-            <a:endParaRPr kumimoji="0" lang="en-US" sz="1200" b="0" i="0" u="none" strike="noStrike" cap="none" normalizeH="0" baseline="0" dirty="0" smtClean="0">
+            <a:endParaRPr kumimoji="0" lang="en-US" sz="1200" b="0" i="0" u="none" strike="noStrike" cap="none" normalizeH="0" baseline="0" dirty="0">
               <a:ln>
                 <a:noFill/>
               </a:ln>
@@ -4000,7 +3937,7 @@
               <a:buNone/>
               <a:tabLst/>
             </a:pPr>
-            <a:endParaRPr kumimoji="0" lang="en-US" altLang="ja-JP" sz="1400" b="1" i="0" u="none" strike="noStrike" cap="none" normalizeH="0" baseline="0" dirty="0" smtClean="0">
+            <a:endParaRPr kumimoji="0" lang="en-US" altLang="ja-JP" sz="1400" b="1" i="0" u="none" strike="noStrike" cap="none" normalizeH="0" baseline="0" dirty="0">
               <a:ln>
                 <a:noFill/>
               </a:ln>
@@ -4031,7 +3968,7 @@
               <a:tabLst/>
             </a:pPr>
             <a:r>
-              <a:rPr kumimoji="0" lang="en-US" altLang="ja-JP" sz="1400" b="1" i="0" u="none" strike="noStrike" cap="none" normalizeH="0" baseline="0" dirty="0" smtClean="0">
+              <a:rPr kumimoji="0" lang="en-US" altLang="ja-JP" sz="1400" b="1" i="0" u="none" strike="noStrike" kern="1000" cap="none" normalizeH="0" dirty="0">
                 <a:ln>
                   <a:noFill/>
                 </a:ln>
@@ -4045,7 +3982,7 @@
               </a:rPr>
               <a:t>Manufacturing Engineering and Machine Design</a:t>
             </a:r>
-            <a:endParaRPr kumimoji="0" lang="en-US" altLang="ja-JP" sz="1400" b="1" i="0" u="none" strike="noStrike" cap="none" normalizeH="0" baseline="0" dirty="0" smtClean="0">
+            <a:endParaRPr kumimoji="0" lang="en-US" altLang="ja-JP" sz="1400" b="1" i="0" u="none" strike="noStrike" kern="1000" cap="none" normalizeH="0" dirty="0">
               <a:ln>
                 <a:noFill/>
               </a:ln>
@@ -4076,7 +4013,7 @@
               <a:tabLst/>
             </a:pPr>
             <a:r>
-              <a:rPr kumimoji="0" lang="en-US" altLang="ja-JP" sz="1200" b="0" i="0" u="none" strike="noStrike" cap="none" normalizeH="0" baseline="0" dirty="0" smtClean="0">
+              <a:rPr kumimoji="0" lang="en-US" altLang="ja-JP" sz="1200" b="0" i="0" u="none" strike="noStrike" cap="none" normalizeH="0" baseline="0" dirty="0">
                 <a:ln>
                   <a:noFill/>
                 </a:ln>
@@ -4094,7 +4031,7 @@
               <a:t>We develop and build specialty machines to help our customers achieve</a:t>
             </a:r>
             <a:r>
-              <a:rPr kumimoji="0" lang="en-US" altLang="ja-JP" sz="1200" b="0" i="0" u="none" strike="noStrike" cap="none" normalizeH="0" dirty="0" smtClean="0">
+              <a:rPr kumimoji="0" lang="en-US" altLang="ja-JP" sz="1200" b="0" i="0" u="none" strike="noStrike" cap="none" normalizeH="0" dirty="0">
                 <a:ln>
                   <a:noFill/>
                 </a:ln>
@@ -4112,7 +4049,7 @@
               <a:t> their manufacturing goals, </a:t>
             </a:r>
             <a:r>
-              <a:rPr kumimoji="0" lang="en-US" altLang="ja-JP" sz="1200" b="0" i="0" u="none" strike="noStrike" cap="none" normalizeH="0" baseline="0" dirty="0" smtClean="0">
+              <a:rPr kumimoji="0" lang="en-US" altLang="ja-JP" sz="1200" b="0" i="0" u="none" strike="noStrike" cap="none" normalizeH="0" baseline="0" dirty="0">
                 <a:ln>
                   <a:noFill/>
                 </a:ln>
@@ -4129,7 +4066,7 @@
               </a:rPr>
               <a:t>including automation and full controls integration.</a:t>
             </a:r>
-            <a:endParaRPr kumimoji="0" lang="en-US" sz="2000" b="0" i="0" u="none" strike="noStrike" cap="none" normalizeH="0" baseline="0" dirty="0" smtClean="0">
+            <a:endParaRPr kumimoji="0" lang="en-US" sz="2000" b="0" i="0" u="none" strike="noStrike" cap="none" normalizeH="0" baseline="0" dirty="0">
               <a:ln>
                 <a:noFill/>
               </a:ln>
@@ -4198,7 +4135,7 @@
               <a:buNone/>
               <a:tabLst/>
             </a:pPr>
-            <a:endParaRPr kumimoji="0" lang="en-US" altLang="ja-JP" sz="1400" b="1" i="0" u="none" strike="noStrike" cap="none" normalizeH="0" baseline="0" dirty="0" smtClean="0">
+            <a:endParaRPr kumimoji="0" lang="en-US" altLang="ja-JP" sz="1400" b="1" i="0" u="none" strike="noStrike" cap="none" normalizeH="0" baseline="0" dirty="0">
               <a:ln>
                 <a:noFill/>
               </a:ln>
@@ -4229,7 +4166,7 @@
               <a:tabLst/>
             </a:pPr>
             <a:r>
-              <a:rPr kumimoji="0" lang="en-US" altLang="ja-JP" sz="1400" b="1" i="0" u="none" strike="noStrike" cap="none" normalizeH="0" baseline="0" dirty="0" smtClean="0">
+              <a:rPr kumimoji="0" lang="en-US" altLang="ja-JP" sz="1400" b="1" i="0" u="none" strike="noStrike" cap="none" normalizeH="0" baseline="0" dirty="0">
                 <a:ln>
                   <a:noFill/>
                 </a:ln>
@@ -4243,7 +4180,7 @@
               </a:rPr>
               <a:t>Product Development</a:t>
             </a:r>
-            <a:endParaRPr kumimoji="0" lang="en-US" altLang="ja-JP" sz="1400" b="1" i="0" u="none" strike="noStrike" cap="none" normalizeH="0" baseline="0" dirty="0" smtClean="0">
+            <a:endParaRPr kumimoji="0" lang="en-US" altLang="ja-JP" sz="1400" b="1" i="0" u="none" strike="noStrike" cap="none" normalizeH="0" baseline="0" dirty="0">
               <a:ln>
                 <a:noFill/>
               </a:ln>
@@ -4274,7 +4211,7 @@
               <a:tabLst/>
             </a:pPr>
             <a:r>
-              <a:rPr kumimoji="0" lang="en-US" altLang="ja-JP" sz="1200" b="0" i="0" u="none" strike="noStrike" cap="none" normalizeH="0" baseline="0" dirty="0" smtClean="0">
+              <a:rPr kumimoji="0" lang="en-US" altLang="ja-JP" sz="1200" b="0" i="0" u="none" strike="noStrike" cap="none" normalizeH="0" baseline="0" dirty="0">
                 <a:ln>
                   <a:noFill/>
                 </a:ln>
@@ -4291,7 +4228,7 @@
               </a:rPr>
               <a:t>From concept through prototype, our team will work with you bring your product to market using a streamlined, efficient approach.</a:t>
             </a:r>
-            <a:endParaRPr kumimoji="0" lang="en-US" sz="2000" b="0" i="0" u="none" strike="noStrike" cap="none" normalizeH="0" baseline="0" dirty="0" smtClean="0">
+            <a:endParaRPr kumimoji="0" lang="en-US" sz="2000" b="0" i="0" u="none" strike="noStrike" cap="none" normalizeH="0" baseline="0" dirty="0">
               <a:ln>
                 <a:noFill/>
               </a:ln>
@@ -4315,10 +4252,10 @@
           <p:nvPr/>
         </p:nvPicPr>
         <p:blipFill>
-          <a:blip r:embed="rId7" cstate="print">
+          <a:blip r:embed="rId6" cstate="print">
             <a:extLst>
               <a:ext uri="{28A0092B-C50C-407E-A947-70E740481C1C}">
-                <a14:useLocalDpi xmlns="" xmlns:wpc="http://schemas.microsoft.com/office/word/2010/wordprocessingCanvas" xmlns:cx="http://schemas.microsoft.com/office/drawing/2014/chartex" xmlns:cx1="http://schemas.microsoft.com/office/drawing/2015/9/8/chartex" xmlns:cx2="http://schemas.microsoft.com/office/drawing/2015/10/21/chartex" xmlns:cx3="http://schemas.microsoft.com/office/drawing/2016/5/9/chartex" xmlns:cx4="http://schemas.microsoft.com/office/drawing/2016/5/10/chartex" xmlns:cx5="http://schemas.microsoft.com/office/drawing/2016/5/11/chartex" xmlns:cx6="http://schemas.microsoft.com/office/drawing/2016/5/12/chartex" xmlns:cx7="http://schemas.microsoft.com/office/drawing/2016/5/13/chartex" xmlns:cx8="http://schemas.microsoft.com/office/drawing/2016/5/14/chartex" xmlns:mc="http://schemas.openxmlformats.org/markup-compatibility/2006" xmlns:aink="http://schemas.microsoft.com/office/drawing/2016/ink" xmlns:am3d="http://schemas.microsoft.com/office/drawing/2017/model3d" xmlns:o="urn:schemas-microsoft-com:office:office" xmlns:m="http://schemas.openxmlformats.org/officeDocument/2006/math" xmlns:v="urn:schemas-microsoft-com:vml" xmlns:wp14="http://schemas.microsoft.com/office/word/2010/wordprocessingDrawing" xmlns:wp="http://schemas.openxmlformats.org/drawingml/2006/wordprocessingDrawing" xmlns:w10="urn:schemas-microsoft-com:office:word" xmlns:w="http://schemas.openxmlformats.org/wordprocessingml/2006/main" xmlns:w14="http://schemas.microsoft.com/office/word/2010/wordml" xmlns:w15="http://schemas.microsoft.com/office/word/2012/wordml" xmlns:w16cid="http://schemas.microsoft.com/office/word/2016/wordml/cid" xmlns:w16se="http://schemas.microsoft.com/office/word/2015/wordml/symex" xmlns:wpg="http://schemas.microsoft.com/office/word/2010/wordprocessingGroup" xmlns:wpi="http://schemas.microsoft.com/office/word/2010/wordprocessingInk" xmlns:wne="http://schemas.microsoft.com/office/word/2006/wordml" xmlns:wps="http://schemas.microsoft.com/office/word/2010/wordprocessingShape" xmlns:a14="http://schemas.microsoft.com/office/drawing/2010/main" xmlns:pic="http://schemas.openxmlformats.org/drawingml/2006/picture" xmlns:lc="http://schemas.openxmlformats.org/drawingml/2006/lockedCanvas" val="0"/>
+                <a14:useLocalDpi xmlns:a14="http://schemas.microsoft.com/office/drawing/2010/main" val="0"/>
               </a:ext>
             </a:extLst>
           </a:blip>
@@ -4348,10 +4285,10 @@
           <p:nvPr/>
         </p:nvPicPr>
         <p:blipFill>
-          <a:blip r:embed="rId8" cstate="print">
+          <a:blip r:embed="rId7" cstate="print">
             <a:extLst>
               <a:ext uri="{28A0092B-C50C-407E-A947-70E740481C1C}">
-                <a14:useLocalDpi xmlns="" xmlns:wpc="http://schemas.microsoft.com/office/word/2010/wordprocessingCanvas" xmlns:cx="http://schemas.microsoft.com/office/drawing/2014/chartex" xmlns:cx1="http://schemas.microsoft.com/office/drawing/2015/9/8/chartex" xmlns:cx2="http://schemas.microsoft.com/office/drawing/2015/10/21/chartex" xmlns:cx3="http://schemas.microsoft.com/office/drawing/2016/5/9/chartex" xmlns:cx4="http://schemas.microsoft.com/office/drawing/2016/5/10/chartex" xmlns:cx5="http://schemas.microsoft.com/office/drawing/2016/5/11/chartex" xmlns:cx6="http://schemas.microsoft.com/office/drawing/2016/5/12/chartex" xmlns:cx7="http://schemas.microsoft.com/office/drawing/2016/5/13/chartex" xmlns:cx8="http://schemas.microsoft.com/office/drawing/2016/5/14/chartex" xmlns:mc="http://schemas.openxmlformats.org/markup-compatibility/2006" xmlns:aink="http://schemas.microsoft.com/office/drawing/2016/ink" xmlns:am3d="http://schemas.microsoft.com/office/drawing/2017/model3d" xmlns:o="urn:schemas-microsoft-com:office:office" xmlns:m="http://schemas.openxmlformats.org/officeDocument/2006/math" xmlns:v="urn:schemas-microsoft-com:vml" xmlns:wp14="http://schemas.microsoft.com/office/word/2010/wordprocessingDrawing" xmlns:wp="http://schemas.openxmlformats.org/drawingml/2006/wordprocessingDrawing" xmlns:w10="urn:schemas-microsoft-com:office:word" xmlns:w="http://schemas.openxmlformats.org/wordprocessingml/2006/main" xmlns:w14="http://schemas.microsoft.com/office/word/2010/wordml" xmlns:w15="http://schemas.microsoft.com/office/word/2012/wordml" xmlns:w16cid="http://schemas.microsoft.com/office/word/2016/wordml/cid" xmlns:w16se="http://schemas.microsoft.com/office/word/2015/wordml/symex" xmlns:wpg="http://schemas.microsoft.com/office/word/2010/wordprocessingGroup" xmlns:wpi="http://schemas.microsoft.com/office/word/2010/wordprocessingInk" xmlns:wne="http://schemas.microsoft.com/office/word/2006/wordml" xmlns:wps="http://schemas.microsoft.com/office/word/2010/wordprocessingShape" xmlns:a14="http://schemas.microsoft.com/office/drawing/2010/main" xmlns:pic="http://schemas.openxmlformats.org/drawingml/2006/picture" xmlns:lc="http://schemas.openxmlformats.org/drawingml/2006/lockedCanvas" val="0"/>
+                <a14:useLocalDpi xmlns:a14="http://schemas.microsoft.com/office/drawing/2010/main" val="0"/>
               </a:ext>
             </a:extLst>
           </a:blip>
@@ -4381,10 +4318,10 @@
           <p:nvPr/>
         </p:nvPicPr>
         <p:blipFill>
-          <a:blip r:embed="rId9" cstate="print">
+          <a:blip r:embed="rId8" cstate="print">
             <a:extLst>
               <a:ext uri="{28A0092B-C50C-407E-A947-70E740481C1C}">
-                <a14:useLocalDpi xmlns="" xmlns:wpc="http://schemas.microsoft.com/office/word/2010/wordprocessingCanvas" xmlns:cx="http://schemas.microsoft.com/office/drawing/2014/chartex" xmlns:cx1="http://schemas.microsoft.com/office/drawing/2015/9/8/chartex" xmlns:cx2="http://schemas.microsoft.com/office/drawing/2015/10/21/chartex" xmlns:cx3="http://schemas.microsoft.com/office/drawing/2016/5/9/chartex" xmlns:cx4="http://schemas.microsoft.com/office/drawing/2016/5/10/chartex" xmlns:cx5="http://schemas.microsoft.com/office/drawing/2016/5/11/chartex" xmlns:cx6="http://schemas.microsoft.com/office/drawing/2016/5/12/chartex" xmlns:cx7="http://schemas.microsoft.com/office/drawing/2016/5/13/chartex" xmlns:cx8="http://schemas.microsoft.com/office/drawing/2016/5/14/chartex" xmlns:mc="http://schemas.openxmlformats.org/markup-compatibility/2006" xmlns:aink="http://schemas.microsoft.com/office/drawing/2016/ink" xmlns:am3d="http://schemas.microsoft.com/office/drawing/2017/model3d" xmlns:o="urn:schemas-microsoft-com:office:office" xmlns:m="http://schemas.openxmlformats.org/officeDocument/2006/math" xmlns:v="urn:schemas-microsoft-com:vml" xmlns:wp14="http://schemas.microsoft.com/office/word/2010/wordprocessingDrawing" xmlns:wp="http://schemas.openxmlformats.org/drawingml/2006/wordprocessingDrawing" xmlns:w10="urn:schemas-microsoft-com:office:word" xmlns:w="http://schemas.openxmlformats.org/wordprocessingml/2006/main" xmlns:w14="http://schemas.microsoft.com/office/word/2010/wordml" xmlns:w15="http://schemas.microsoft.com/office/word/2012/wordml" xmlns:w16cid="http://schemas.microsoft.com/office/word/2016/wordml/cid" xmlns:w16se="http://schemas.microsoft.com/office/word/2015/wordml/symex" xmlns:wpg="http://schemas.microsoft.com/office/word/2010/wordprocessingGroup" xmlns:wpi="http://schemas.microsoft.com/office/word/2010/wordprocessingInk" xmlns:wne="http://schemas.microsoft.com/office/word/2006/wordml" xmlns:wps="http://schemas.microsoft.com/office/word/2010/wordprocessingShape" xmlns:a14="http://schemas.microsoft.com/office/drawing/2010/main" xmlns:pic="http://schemas.openxmlformats.org/drawingml/2006/picture" xmlns:lc="http://schemas.openxmlformats.org/drawingml/2006/lockedCanvas" val="0"/>
+                <a14:useLocalDpi xmlns:a14="http://schemas.microsoft.com/office/drawing/2010/main" val="0"/>
               </a:ext>
             </a:extLst>
           </a:blip>
@@ -4395,7 +4332,7 @@
         </p:blipFill>
         <p:spPr bwMode="auto">
           <a:xfrm>
-            <a:off x="4876800" y="3429000"/>
+            <a:off x="4879797" y="3429000"/>
             <a:ext cx="1611086" cy="1295400"/>
           </a:xfrm>
           <a:prstGeom prst="rect">
@@ -4457,7 +4394,7 @@
             <a:lstStyle/>
             <a:p>
               <a:r>
-                <a:rPr lang="en-US" sz="1200" b="1" dirty="0" smtClean="0">
+                <a:rPr lang="en-US" sz="1200" b="1" dirty="0">
                   <a:solidFill>
                     <a:schemeClr val="tx2">
                       <a:lumMod val="75000"/>
@@ -4466,13 +4403,6 @@
                 </a:rPr>
                 <a:t>Learn More </a:t>
               </a:r>
-              <a:endParaRPr lang="en-US" sz="1200" b="1" dirty="0">
-                <a:solidFill>
-                  <a:schemeClr val="tx2">
-                    <a:lumMod val="75000"/>
-                  </a:schemeClr>
-                </a:solidFill>
-              </a:endParaRPr>
             </a:p>
           </p:txBody>
         </p:sp>
@@ -4575,7 +4505,7 @@
             <a:lstStyle/>
             <a:p>
               <a:r>
-                <a:rPr lang="en-US" sz="1200" b="1" dirty="0" smtClean="0">
+                <a:rPr lang="en-US" sz="1200" b="1" dirty="0">
                   <a:solidFill>
                     <a:schemeClr val="tx2">
                       <a:lumMod val="75000"/>
@@ -4584,13 +4514,6 @@
                 </a:rPr>
                 <a:t>Learn More </a:t>
               </a:r>
-              <a:endParaRPr lang="en-US" sz="1200" b="1" dirty="0">
-                <a:solidFill>
-                  <a:schemeClr val="tx2">
-                    <a:lumMod val="75000"/>
-                  </a:schemeClr>
-                </a:solidFill>
-              </a:endParaRPr>
             </a:p>
           </p:txBody>
         </p:sp>
@@ -4693,7 +4616,7 @@
             <a:lstStyle/>
             <a:p>
               <a:r>
-                <a:rPr lang="en-US" sz="1200" b="1" dirty="0" smtClean="0">
+                <a:rPr lang="en-US" sz="1200" b="1" dirty="0">
                   <a:solidFill>
                     <a:schemeClr val="tx2">
                       <a:lumMod val="75000"/>
@@ -4702,13 +4625,6 @@
                 </a:rPr>
                 <a:t>Learn More </a:t>
               </a:r>
-              <a:endParaRPr lang="en-US" sz="1200" b="1" dirty="0">
-                <a:solidFill>
-                  <a:schemeClr val="tx2">
-                    <a:lumMod val="75000"/>
-                  </a:schemeClr>
-                </a:solidFill>
-              </a:endParaRPr>
             </a:p>
           </p:txBody>
         </p:sp>
@@ -4783,7 +4699,7 @@
           <a:lstStyle/>
           <a:p>
             <a:r>
-              <a:rPr lang="en-US" i="1" dirty="0" smtClean="0">
+              <a:rPr lang="en-US" i="1" dirty="0">
                 <a:solidFill>
                   <a:schemeClr val="tx1">
                     <a:lumMod val="65000"/>
@@ -4793,14 +4709,6 @@
               </a:rPr>
               <a:t>Value driven. Quality sustained.</a:t>
             </a:r>
-            <a:endParaRPr lang="en-US" i="1" dirty="0">
-              <a:solidFill>
-                <a:schemeClr val="tx1">
-                  <a:lumMod val="65000"/>
-                  <a:lumOff val="35000"/>
-                </a:schemeClr>
-              </a:solidFill>
-            </a:endParaRPr>
           </a:p>
         </p:txBody>
       </p:sp>
@@ -4848,7 +4756,7 @@
             <a:lstStyle/>
             <a:p>
               <a:r>
-                <a:rPr lang="en-US" sz="1200" b="1" dirty="0" smtClean="0">
+                <a:rPr lang="en-US" sz="1200" b="1" dirty="0">
                   <a:solidFill>
                     <a:schemeClr val="accent6">
                       <a:lumMod val="50000"/>
@@ -4857,13 +4765,6 @@
                 </a:rPr>
                 <a:t>Contact us</a:t>
               </a:r>
-              <a:endParaRPr lang="en-US" sz="1200" b="1" dirty="0">
-                <a:solidFill>
-                  <a:schemeClr val="accent6">
-                    <a:lumMod val="50000"/>
-                  </a:schemeClr>
-                </a:solidFill>
-              </a:endParaRPr>
             </a:p>
           </p:txBody>
         </p:sp>
@@ -4916,6 +4817,301 @@
           </p:txBody>
         </p:sp>
       </p:grpSp>
+      <p:pic>
+        <p:nvPicPr>
+          <p:cNvPr id="3" name="Picture 2">
+            <a:extLst>
+              <a:ext uri="{FF2B5EF4-FFF2-40B4-BE49-F238E27FC236}">
+                <a16:creationId xmlns:a16="http://schemas.microsoft.com/office/drawing/2014/main" id="{8D16AABE-9881-4F29-84A9-5CDE211353A8}"/>
+              </a:ext>
+            </a:extLst>
+          </p:cNvPr>
+          <p:cNvPicPr>
+            <a:picLocks noChangeAspect="1"/>
+          </p:cNvPicPr>
+          <p:nvPr/>
+        </p:nvPicPr>
+        <p:blipFill>
+          <a:blip r:embed="rId9" cstate="print">
+            <a:extLst>
+              <a:ext uri="{28A0092B-C50C-407E-A947-70E740481C1C}">
+                <a14:useLocalDpi xmlns:a14="http://schemas.microsoft.com/office/drawing/2010/main" val="0"/>
+              </a:ext>
+            </a:extLst>
+          </a:blip>
+          <a:stretch>
+            <a:fillRect/>
+          </a:stretch>
+        </p:blipFill>
+        <p:spPr>
+          <a:xfrm>
+            <a:off x="4874739" y="3415656"/>
+            <a:ext cx="1600475" cy="1333458"/>
+          </a:xfrm>
+          <a:prstGeom prst="rect">
+            <a:avLst/>
+          </a:prstGeom>
+        </p:spPr>
+      </p:pic>
+      <p:pic>
+        <p:nvPicPr>
+          <p:cNvPr id="6" name="Picture 5">
+            <a:extLst>
+              <a:ext uri="{FF2B5EF4-FFF2-40B4-BE49-F238E27FC236}">
+                <a16:creationId xmlns:a16="http://schemas.microsoft.com/office/drawing/2014/main" id="{BA0093D9-36FB-4569-BA24-C6A40FACB69A}"/>
+              </a:ext>
+            </a:extLst>
+          </p:cNvPr>
+          <p:cNvPicPr>
+            <a:picLocks noChangeAspect="1"/>
+          </p:cNvPicPr>
+          <p:nvPr/>
+        </p:nvPicPr>
+        <p:blipFill>
+          <a:blip r:embed="rId10" cstate="print">
+            <a:extLst>
+              <a:ext uri="{28A0092B-C50C-407E-A947-70E740481C1C}">
+                <a14:useLocalDpi xmlns:a14="http://schemas.microsoft.com/office/drawing/2010/main" val="0"/>
+              </a:ext>
+            </a:extLst>
+          </a:blip>
+          <a:stretch>
+            <a:fillRect/>
+          </a:stretch>
+        </p:blipFill>
+        <p:spPr>
+          <a:xfrm>
+            <a:off x="304801" y="3477558"/>
+            <a:ext cx="1912118" cy="1236559"/>
+          </a:xfrm>
+          <a:prstGeom prst="rect">
+            <a:avLst/>
+          </a:prstGeom>
+        </p:spPr>
+      </p:pic>
+      <p:pic>
+        <p:nvPicPr>
+          <p:cNvPr id="9" name="Picture 8">
+            <a:extLst>
+              <a:ext uri="{FF2B5EF4-FFF2-40B4-BE49-F238E27FC236}">
+                <a16:creationId xmlns:a16="http://schemas.microsoft.com/office/drawing/2014/main" id="{A67BB1F9-895D-4B64-9F6A-3B4E5F8FD3D5}"/>
+              </a:ext>
+            </a:extLst>
+          </p:cNvPr>
+          <p:cNvPicPr>
+            <a:picLocks noChangeAspect="1"/>
+          </p:cNvPicPr>
+          <p:nvPr/>
+        </p:nvPicPr>
+        <p:blipFill rotWithShape="1">
+          <a:blip r:embed="rId11" cstate="print">
+            <a:extLst>
+              <a:ext uri="{28A0092B-C50C-407E-A947-70E740481C1C}">
+                <a14:useLocalDpi xmlns:a14="http://schemas.microsoft.com/office/drawing/2010/main" val="0"/>
+              </a:ext>
+            </a:extLst>
+          </a:blip>
+          <a:srcRect t="2978" b="15593"/>
+          <a:stretch/>
+        </p:blipFill>
+        <p:spPr>
+          <a:xfrm>
+            <a:off x="2541000" y="3435043"/>
+            <a:ext cx="1841530" cy="1302401"/>
+          </a:xfrm>
+          <a:prstGeom prst="rect">
+            <a:avLst/>
+          </a:prstGeom>
+        </p:spPr>
+      </p:pic>
+      <p:pic>
+        <p:nvPicPr>
+          <p:cNvPr id="11" name="Picture 2" descr="Image result for solidworks logo">
+            <a:extLst>
+              <a:ext uri="{FF2B5EF4-FFF2-40B4-BE49-F238E27FC236}">
+                <a16:creationId xmlns:a16="http://schemas.microsoft.com/office/drawing/2014/main" id="{DC21D03C-3A7B-4290-BA71-E9B729131F82}"/>
+              </a:ext>
+            </a:extLst>
+          </p:cNvPr>
+          <p:cNvPicPr>
+            <a:picLocks noChangeAspect="1" noChangeArrowheads="1"/>
+          </p:cNvPicPr>
+          <p:nvPr/>
+        </p:nvPicPr>
+        <p:blipFill>
+          <a:blip r:embed="rId12" cstate="print">
+            <a:extLst>
+              <a:ext uri="{28A0092B-C50C-407E-A947-70E740481C1C}">
+                <a14:useLocalDpi xmlns:a14="http://schemas.microsoft.com/office/drawing/2010/main" val="0"/>
+              </a:ext>
+            </a:extLst>
+          </a:blip>
+          <a:srcRect/>
+          <a:stretch>
+            <a:fillRect/>
+          </a:stretch>
+        </p:blipFill>
+        <p:spPr bwMode="auto">
+          <a:xfrm>
+            <a:off x="1066799" y="7439608"/>
+            <a:ext cx="583891" cy="457381"/>
+          </a:xfrm>
+          <a:prstGeom prst="rect">
+            <a:avLst/>
+          </a:prstGeom>
+          <a:noFill/>
+          <a:extLst>
+            <a:ext uri="{909E8E84-426E-40DD-AFC4-6F175D3DCCD1}">
+              <a14:hiddenFill xmlns:a14="http://schemas.microsoft.com/office/drawing/2010/main">
+                <a:solidFill>
+                  <a:srgbClr val="FFFFFF"/>
+                </a:solidFill>
+              </a14:hiddenFill>
+            </a:ext>
+          </a:extLst>
+        </p:spPr>
+      </p:pic>
+      <p:pic>
+        <p:nvPicPr>
+          <p:cNvPr id="1028" name="Picture 4" descr="Image result for autodesk logo">
+            <a:extLst>
+              <a:ext uri="{FF2B5EF4-FFF2-40B4-BE49-F238E27FC236}">
+                <a16:creationId xmlns:a16="http://schemas.microsoft.com/office/drawing/2014/main" id="{05F8809F-C7A3-453F-AB47-24452AF33FD5}"/>
+              </a:ext>
+            </a:extLst>
+          </p:cNvPr>
+          <p:cNvPicPr>
+            <a:picLocks noChangeAspect="1" noChangeArrowheads="1"/>
+          </p:cNvPicPr>
+          <p:nvPr/>
+        </p:nvPicPr>
+        <p:blipFill>
+          <a:blip r:embed="rId13" cstate="print">
+            <a:extLst>
+              <a:ext uri="{28A0092B-C50C-407E-A947-70E740481C1C}">
+                <a14:useLocalDpi xmlns:a14="http://schemas.microsoft.com/office/drawing/2010/main" val="0"/>
+              </a:ext>
+            </a:extLst>
+          </a:blip>
+          <a:srcRect/>
+          <a:stretch>
+            <a:fillRect/>
+          </a:stretch>
+        </p:blipFill>
+        <p:spPr bwMode="auto">
+          <a:xfrm>
+            <a:off x="2792917" y="7322852"/>
+            <a:ext cx="1075816" cy="614752"/>
+          </a:xfrm>
+          <a:prstGeom prst="rect">
+            <a:avLst/>
+          </a:prstGeom>
+          <a:noFill/>
+          <a:extLst>
+            <a:ext uri="{909E8E84-426E-40DD-AFC4-6F175D3DCCD1}">
+              <a14:hiddenFill xmlns:a14="http://schemas.microsoft.com/office/drawing/2010/main">
+                <a:solidFill>
+                  <a:srgbClr val="FFFFFF"/>
+                </a:solidFill>
+              </a14:hiddenFill>
+            </a:ext>
+          </a:extLst>
+        </p:spPr>
+      </p:pic>
+      <p:pic>
+        <p:nvPicPr>
+          <p:cNvPr id="1030" name="Picture 6" descr="Image result for autocad logo">
+            <a:extLst>
+              <a:ext uri="{FF2B5EF4-FFF2-40B4-BE49-F238E27FC236}">
+                <a16:creationId xmlns:a16="http://schemas.microsoft.com/office/drawing/2014/main" id="{BB712705-7AE0-4079-942F-9217ECBC8FBB}"/>
+              </a:ext>
+            </a:extLst>
+          </p:cNvPr>
+          <p:cNvPicPr>
+            <a:picLocks noChangeAspect="1" noChangeArrowheads="1"/>
+          </p:cNvPicPr>
+          <p:nvPr/>
+        </p:nvPicPr>
+        <p:blipFill>
+          <a:blip r:embed="rId14" cstate="print">
+            <a:extLst>
+              <a:ext uri="{28A0092B-C50C-407E-A947-70E740481C1C}">
+                <a14:useLocalDpi xmlns:a14="http://schemas.microsoft.com/office/drawing/2010/main" val="0"/>
+              </a:ext>
+            </a:extLst>
+          </a:blip>
+          <a:srcRect/>
+          <a:stretch>
+            <a:fillRect/>
+          </a:stretch>
+        </p:blipFill>
+        <p:spPr bwMode="auto">
+          <a:xfrm>
+            <a:off x="3330825" y="7764491"/>
+            <a:ext cx="524803" cy="173476"/>
+          </a:xfrm>
+          <a:prstGeom prst="rect">
+            <a:avLst/>
+          </a:prstGeom>
+          <a:noFill/>
+          <a:extLst>
+            <a:ext uri="{909E8E84-426E-40DD-AFC4-6F175D3DCCD1}">
+              <a14:hiddenFill xmlns:a14="http://schemas.microsoft.com/office/drawing/2010/main">
+                <a:solidFill>
+                  <a:srgbClr val="FFFFFF"/>
+                </a:solidFill>
+              </a14:hiddenFill>
+            </a:ext>
+          </a:extLst>
+        </p:spPr>
+      </p:pic>
+      <p:pic>
+        <p:nvPicPr>
+          <p:cNvPr id="12" name="Picture 8" descr="Image result for inventor">
+            <a:extLst>
+              <a:ext uri="{FF2B5EF4-FFF2-40B4-BE49-F238E27FC236}">
+                <a16:creationId xmlns:a16="http://schemas.microsoft.com/office/drawing/2014/main" id="{58C0522B-F4ED-4C50-B979-86AFA70EA13A}"/>
+              </a:ext>
+            </a:extLst>
+          </p:cNvPr>
+          <p:cNvPicPr>
+            <a:picLocks noChangeAspect="1" noChangeArrowheads="1"/>
+          </p:cNvPicPr>
+          <p:nvPr/>
+        </p:nvPicPr>
+        <p:blipFill>
+          <a:blip r:embed="rId15" cstate="print">
+            <a:extLst>
+              <a:ext uri="{28A0092B-C50C-407E-A947-70E740481C1C}">
+                <a14:useLocalDpi xmlns:a14="http://schemas.microsoft.com/office/drawing/2010/main" val="0"/>
+              </a:ext>
+            </a:extLst>
+          </a:blip>
+          <a:srcRect/>
+          <a:stretch>
+            <a:fillRect/>
+          </a:stretch>
+        </p:blipFill>
+        <p:spPr bwMode="auto">
+          <a:xfrm>
+            <a:off x="2770261" y="7814020"/>
+            <a:ext cx="583891" cy="111506"/>
+          </a:xfrm>
+          <a:prstGeom prst="rect">
+            <a:avLst/>
+          </a:prstGeom>
+          <a:noFill/>
+          <a:extLst>
+            <a:ext uri="{909E8E84-426E-40DD-AFC4-6F175D3DCCD1}">
+              <a14:hiddenFill xmlns:a14="http://schemas.microsoft.com/office/drawing/2010/main">
+                <a:solidFill>
+                  <a:srgbClr val="FFFFFF"/>
+                </a:solidFill>
+              </a14:hiddenFill>
+            </a:ext>
+          </a:extLst>
+        </p:spPr>
+      </p:pic>
     </p:spTree>
   </p:cSld>
   <p:clrMapOvr>
@@ -5020,7 +5216,7 @@
               <a:tabLst/>
             </a:pPr>
             <a:r>
-              <a:rPr kumimoji="0" lang="en-US" altLang="ja-JP" sz="1100" b="1" i="0" u="none" strike="noStrike" cap="none" normalizeH="0" baseline="0" dirty="0" smtClean="0">
+              <a:rPr kumimoji="0" lang="en-US" altLang="ja-JP" sz="1100" b="1" i="0" u="none" strike="noStrike" cap="none" normalizeH="0" baseline="0" dirty="0">
                 <a:ln>
                   <a:noFill/>
                 </a:ln>
@@ -5043,21 +5239,10 @@
                 <a:ea typeface="MS Mincho" pitchFamily="49" charset="-128"/>
                 <a:cs typeface="Arial" pitchFamily="34" charset="0"/>
               </a:rPr>
-              <a:t> </a:t>
-            </a:r>
-            <a:r>
-              <a:rPr lang="en-US" altLang="ja-JP" sz="1100" b="1" dirty="0" smtClean="0">
-                <a:solidFill>
-                  <a:srgbClr val="FFFFFF"/>
-                </a:solidFill>
-                <a:latin typeface="Times New Roman" pitchFamily="18" charset="0"/>
-                <a:ea typeface="MS Mincho" pitchFamily="49" charset="-128"/>
-                <a:cs typeface="Arial" pitchFamily="34" charset="0"/>
-              </a:rPr>
-              <a:t>   </a:t>
-            </a:r>
-            <a:r>
-              <a:rPr kumimoji="0" lang="en-US" altLang="ja-JP" sz="1100" b="1" i="0" u="none" strike="noStrike" cap="none" normalizeH="0" baseline="0" dirty="0" smtClean="0">
+              <a:t>    </a:t>
+            </a:r>
+            <a:r>
+              <a:rPr kumimoji="0" lang="en-US" altLang="ja-JP" sz="1100" b="1" i="0" u="none" strike="noStrike" cap="none" normalizeH="0" baseline="0" dirty="0">
                 <a:ln>
                   <a:noFill/>
                 </a:ln>
@@ -5080,21 +5265,10 @@
                 <a:ea typeface="MS Mincho" pitchFamily="49" charset="-128"/>
                 <a:cs typeface="Arial" pitchFamily="34" charset="0"/>
               </a:rPr>
-              <a:t> </a:t>
-            </a:r>
-            <a:r>
-              <a:rPr lang="en-US" altLang="ja-JP" sz="1100" b="1" dirty="0" smtClean="0">
-                <a:solidFill>
-                  <a:srgbClr val="FFFFFF"/>
-                </a:solidFill>
-                <a:latin typeface="Calibri" pitchFamily="34" charset="0"/>
-                <a:ea typeface="MS Mincho" pitchFamily="49" charset="-128"/>
-                <a:cs typeface="Arial" pitchFamily="34" charset="0"/>
-              </a:rPr>
-              <a:t>       </a:t>
-            </a:r>
-            <a:r>
-              <a:rPr kumimoji="0" lang="en-US" altLang="ja-JP" sz="1100" b="1" i="0" u="none" strike="noStrike" cap="none" normalizeH="0" baseline="0" dirty="0" smtClean="0">
+              <a:t>        </a:t>
+            </a:r>
+            <a:r>
+              <a:rPr kumimoji="0" lang="en-US" altLang="ja-JP" sz="1100" b="1" i="0" u="none" strike="noStrike" cap="none" normalizeH="0" baseline="0" dirty="0">
                 <a:ln>
                   <a:noFill/>
                 </a:ln>
@@ -5117,21 +5291,10 @@
                 <a:ea typeface="MS Mincho" pitchFamily="49" charset="-128"/>
                 <a:cs typeface="Arial" pitchFamily="34" charset="0"/>
               </a:rPr>
-              <a:t> </a:t>
-            </a:r>
-            <a:r>
-              <a:rPr lang="en-US" altLang="ja-JP" sz="1100" b="1" dirty="0" smtClean="0">
-                <a:solidFill>
-                  <a:srgbClr val="FFFFFF"/>
-                </a:solidFill>
-                <a:latin typeface="Calibri" pitchFamily="34" charset="0"/>
-                <a:ea typeface="MS Mincho" pitchFamily="49" charset="-128"/>
-                <a:cs typeface="Arial" pitchFamily="34" charset="0"/>
-              </a:rPr>
-              <a:t>        </a:t>
-            </a:r>
-            <a:r>
-              <a:rPr kumimoji="0" lang="en-US" altLang="ja-JP" sz="1100" b="1" i="0" u="none" strike="noStrike" cap="none" normalizeH="0" baseline="0" dirty="0" smtClean="0">
+              <a:t>         </a:t>
+            </a:r>
+            <a:r>
+              <a:rPr kumimoji="0" lang="en-US" altLang="ja-JP" sz="1100" b="1" i="0" u="none" strike="noStrike" cap="none" normalizeH="0" baseline="0" dirty="0">
                 <a:ln>
                   <a:noFill/>
                 </a:ln>
@@ -5145,7 +5308,7 @@
               </a:rPr>
               <a:t>CONTACT</a:t>
             </a:r>
-            <a:endParaRPr kumimoji="0" lang="en-US" sz="1800" b="0" i="0" u="none" strike="noStrike" cap="none" normalizeH="0" baseline="0" dirty="0" smtClean="0">
+            <a:endParaRPr kumimoji="0" lang="en-US" sz="1800" b="0" i="0" u="none" strike="noStrike" cap="none" normalizeH="0" baseline="0" dirty="0">
               <a:ln>
                 <a:noFill/>
               </a:ln>
@@ -5215,7 +5378,7 @@
           <a:blip r:embed="rId3" cstate="print">
             <a:extLst>
               <a:ext uri="{28A0092B-C50C-407E-A947-70E740481C1C}">
-                <a14:useLocalDpi xmlns="" xmlns:wpc="http://schemas.microsoft.com/office/word/2010/wordprocessingCanvas" xmlns:cx="http://schemas.microsoft.com/office/drawing/2014/chartex" xmlns:cx1="http://schemas.microsoft.com/office/drawing/2015/9/8/chartex" xmlns:cx2="http://schemas.microsoft.com/office/drawing/2015/10/21/chartex" xmlns:cx3="http://schemas.microsoft.com/office/drawing/2016/5/9/chartex" xmlns:cx4="http://schemas.microsoft.com/office/drawing/2016/5/10/chartex" xmlns:cx5="http://schemas.microsoft.com/office/drawing/2016/5/11/chartex" xmlns:cx6="http://schemas.microsoft.com/office/drawing/2016/5/12/chartex" xmlns:cx7="http://schemas.microsoft.com/office/drawing/2016/5/13/chartex" xmlns:cx8="http://schemas.microsoft.com/office/drawing/2016/5/14/chartex" xmlns:mc="http://schemas.openxmlformats.org/markup-compatibility/2006" xmlns:aink="http://schemas.microsoft.com/office/drawing/2016/ink" xmlns:am3d="http://schemas.microsoft.com/office/drawing/2017/model3d" xmlns:o="urn:schemas-microsoft-com:office:office" xmlns:m="http://schemas.openxmlformats.org/officeDocument/2006/math" xmlns:v="urn:schemas-microsoft-com:vml" xmlns:wp14="http://schemas.microsoft.com/office/word/2010/wordprocessingDrawing" xmlns:wp="http://schemas.openxmlformats.org/drawingml/2006/wordprocessingDrawing" xmlns:w10="urn:schemas-microsoft-com:office:word" xmlns:w="http://schemas.openxmlformats.org/wordprocessingml/2006/main" xmlns:w14="http://schemas.microsoft.com/office/word/2010/wordml" xmlns:w15="http://schemas.microsoft.com/office/word/2012/wordml" xmlns:w16cid="http://schemas.microsoft.com/office/word/2016/wordml/cid" xmlns:w16se="http://schemas.microsoft.com/office/word/2015/wordml/symex" xmlns:wpg="http://schemas.microsoft.com/office/word/2010/wordprocessingGroup" xmlns:wpi="http://schemas.microsoft.com/office/word/2010/wordprocessingInk" xmlns:wne="http://schemas.microsoft.com/office/word/2006/wordml" xmlns:wps="http://schemas.microsoft.com/office/word/2010/wordprocessingShape" xmlns:a14="http://schemas.microsoft.com/office/drawing/2010/main" xmlns:pic="http://schemas.openxmlformats.org/drawingml/2006/picture" xmlns:lc="http://schemas.openxmlformats.org/drawingml/2006/lockedCanvas" val="0"/>
+                <a14:useLocalDpi xmlns:a14="http://schemas.microsoft.com/office/drawing/2010/main" val="0"/>
               </a:ext>
             </a:extLst>
           </a:blip>
@@ -5330,7 +5493,7 @@
               <a:tabLst/>
             </a:pPr>
             <a:r>
-              <a:rPr kumimoji="0" lang="en-US" altLang="ja-JP" sz="1100" b="1" i="0" u="none" strike="noStrike" cap="none" normalizeH="0" baseline="0" dirty="0" smtClean="0">
+              <a:rPr kumimoji="0" lang="en-US" altLang="ja-JP" sz="1100" b="1" i="0" u="none" strike="noStrike" cap="none" normalizeH="0" baseline="0" dirty="0">
                 <a:ln>
                   <a:noFill/>
                 </a:ln>
@@ -5363,7 +5526,7 @@
               <a:tabLst/>
             </a:pPr>
             <a:r>
-              <a:rPr kumimoji="0" lang="en-US" altLang="ja-JP" sz="1100" b="1" i="0" u="none" strike="noStrike" cap="none" normalizeH="0" baseline="0" dirty="0" smtClean="0">
+              <a:rPr kumimoji="0" lang="en-US" altLang="ja-JP" sz="1100" b="1" i="0" u="none" strike="noStrike" cap="none" normalizeH="0" baseline="0" dirty="0">
                 <a:ln>
                   <a:noFill/>
                 </a:ln>
@@ -5395,7 +5558,7 @@
               <a:buNone/>
               <a:tabLst/>
             </a:pPr>
-            <a:endParaRPr kumimoji="0" lang="en-US" altLang="ja-JP" sz="1100" b="1" i="0" u="none" strike="noStrike" cap="none" normalizeH="0" baseline="0" dirty="0" smtClean="0">
+            <a:endParaRPr kumimoji="0" lang="en-US" altLang="ja-JP" sz="1100" b="1" i="0" u="none" strike="noStrike" cap="none" normalizeH="0" baseline="0" dirty="0">
               <a:ln>
                 <a:noFill/>
               </a:ln>
@@ -5425,7 +5588,7 @@
               <a:buNone/>
               <a:tabLst/>
             </a:pPr>
-            <a:endParaRPr kumimoji="0" lang="en-US" sz="1800" b="0" i="0" u="none" strike="noStrike" cap="none" normalizeH="0" baseline="0" dirty="0" smtClean="0">
+            <a:endParaRPr kumimoji="0" lang="en-US" sz="1800" b="0" i="0" u="none" strike="noStrike" cap="none" normalizeH="0" baseline="0" dirty="0">
               <a:ln>
                 <a:noFill/>
               </a:ln>
@@ -5439,124 +5602,6 @@
           </a:p>
         </p:txBody>
       </p:sp>
-      <p:grpSp>
-        <p:nvGrpSpPr>
-          <p:cNvPr id="2" name="Group 30"/>
-          <p:cNvGrpSpPr/>
-          <p:nvPr/>
-        </p:nvGrpSpPr>
-        <p:grpSpPr>
-          <a:xfrm>
-            <a:off x="-2209800" y="5334000"/>
-            <a:ext cx="1143000" cy="276999"/>
-            <a:chOff x="685800" y="6705600"/>
-            <a:chExt cx="1143000" cy="276999"/>
-          </a:xfrm>
-        </p:grpSpPr>
-        <p:sp>
-          <p:nvSpPr>
-            <p:cNvPr id="27" name="TextBox 26"/>
-            <p:cNvSpPr txBox="1"/>
-            <p:nvPr/>
-          </p:nvSpPr>
-          <p:spPr>
-            <a:xfrm>
-              <a:off x="685800" y="6705600"/>
-              <a:ext cx="1143000" cy="276999"/>
-            </a:xfrm>
-            <a:prstGeom prst="rect">
-              <a:avLst/>
-            </a:prstGeom>
-            <a:solidFill>
-              <a:schemeClr val="accent1">
-                <a:lumMod val="20000"/>
-                <a:lumOff val="80000"/>
-              </a:schemeClr>
-            </a:solidFill>
-            <a:ln>
-              <a:solidFill>
-                <a:schemeClr val="tx2">
-                  <a:lumMod val="60000"/>
-                  <a:lumOff val="40000"/>
-                </a:schemeClr>
-              </a:solidFill>
-            </a:ln>
-          </p:spPr>
-          <p:txBody>
-            <a:bodyPr wrap="square" rtlCol="0">
-              <a:spAutoFit/>
-            </a:bodyPr>
-            <a:lstStyle/>
-            <a:p>
-              <a:r>
-                <a:rPr lang="en-US" sz="1200" b="1" dirty="0" smtClean="0">
-                  <a:solidFill>
-                    <a:schemeClr val="tx2">
-                      <a:lumMod val="75000"/>
-                    </a:schemeClr>
-                  </a:solidFill>
-                </a:rPr>
-                <a:t>Learn More </a:t>
-              </a:r>
-              <a:endParaRPr lang="en-US" sz="1200" b="1" dirty="0">
-                <a:solidFill>
-                  <a:schemeClr val="tx2">
-                    <a:lumMod val="75000"/>
-                  </a:schemeClr>
-                </a:solidFill>
-              </a:endParaRPr>
-            </a:p>
-          </p:txBody>
-        </p:sp>
-        <p:sp>
-          <p:nvSpPr>
-            <p:cNvPr id="30" name="Right Arrow 29"/>
-            <p:cNvSpPr/>
-            <p:nvPr/>
-          </p:nvSpPr>
-          <p:spPr>
-            <a:xfrm>
-              <a:off x="1573772" y="6818359"/>
-              <a:ext cx="153838" cy="76200"/>
-            </a:xfrm>
-            <a:prstGeom prst="rightArrow">
-              <a:avLst/>
-            </a:prstGeom>
-            <a:solidFill>
-              <a:schemeClr val="tx2">
-                <a:lumMod val="75000"/>
-              </a:schemeClr>
-            </a:solidFill>
-            <a:ln>
-              <a:noFill/>
-            </a:ln>
-          </p:spPr>
-          <p:style>
-            <a:lnRef idx="2">
-              <a:schemeClr val="accent1">
-                <a:shade val="50000"/>
-              </a:schemeClr>
-            </a:lnRef>
-            <a:fillRef idx="1">
-              <a:schemeClr val="accent1"/>
-            </a:fillRef>
-            <a:effectRef idx="0">
-              <a:schemeClr val="accent1"/>
-            </a:effectRef>
-            <a:fontRef idx="minor">
-              <a:schemeClr val="lt1"/>
-            </a:fontRef>
-          </p:style>
-          <p:txBody>
-            <a:bodyPr rtlCol="0" anchor="ctr"/>
-            <a:lstStyle/>
-            <a:p>
-              <a:pPr algn="ctr"/>
-              <a:endParaRPr lang="en-US"/>
-            </a:p>
-          </p:txBody>
-        </p:sp>
-      </p:grpSp>
       <p:sp>
         <p:nvSpPr>
           <p:cNvPr id="41" name="Rectangle 40"/>
@@ -5579,7 +5624,7 @@
           <a:lstStyle/>
           <a:p>
             <a:r>
-              <a:rPr lang="en-US" i="1" dirty="0" smtClean="0">
+              <a:rPr lang="en-US" i="1" dirty="0">
                 <a:solidFill>
                   <a:schemeClr val="tx1">
                     <a:lumMod val="65000"/>
@@ -5589,14 +5634,6 @@
               </a:rPr>
               <a:t>Value driven. Quality sustained.</a:t>
             </a:r>
-            <a:endParaRPr lang="en-US" i="1" dirty="0">
-              <a:solidFill>
-                <a:schemeClr val="tx1">
-                  <a:lumMod val="65000"/>
-                  <a:lumOff val="35000"/>
-                </a:schemeClr>
-              </a:solidFill>
-            </a:endParaRPr>
           </a:p>
         </p:txBody>
       </p:sp>
@@ -5697,7 +5734,7 @@
               <a:tabLst/>
             </a:pPr>
             <a:r>
-              <a:rPr kumimoji="0" lang="en-US" altLang="ja-JP" sz="2800" b="1" i="0" u="none" strike="noStrike" cap="none" normalizeH="0" baseline="0" dirty="0" smtClean="0">
+              <a:rPr kumimoji="0" lang="en-US" altLang="ja-JP" sz="2800" b="1" i="0" u="none" strike="noStrike" cap="none" normalizeH="0" baseline="0" dirty="0">
                 <a:ln>
                   <a:noFill/>
                 </a:ln>
@@ -5765,7 +5802,7 @@
               <a:tabLst/>
             </a:pPr>
             <a:r>
-              <a:rPr kumimoji="0" lang="en-US" altLang="ja-JP" sz="1600" b="1" i="1" u="none" strike="noStrike" cap="none" normalizeH="0" baseline="0" dirty="0" smtClean="0">
+              <a:rPr kumimoji="0" lang="en-US" altLang="ja-JP" sz="1600" b="1" i="1" u="none" strike="noStrike" cap="none" normalizeH="0" baseline="0" dirty="0">
                 <a:ln>
                   <a:noFill/>
                 </a:ln>
@@ -5781,7 +5818,7 @@
               </a:rPr>
               <a:t>Complete turnkey manufacturing solutions to bring your project from initial concept through final build.</a:t>
             </a:r>
-            <a:endParaRPr kumimoji="0" lang="en-US" sz="1800" b="0" i="0" u="none" strike="noStrike" cap="none" normalizeH="0" baseline="0" dirty="0" smtClean="0">
+            <a:endParaRPr kumimoji="0" lang="en-US" sz="1800" b="0" i="0" u="none" strike="noStrike" cap="none" normalizeH="0" baseline="0" dirty="0">
               <a:ln>
                 <a:noFill/>
               </a:ln>
@@ -5845,7 +5882,7 @@
               <a:tabLst/>
             </a:pPr>
             <a:r>
-              <a:rPr kumimoji="0" lang="en-US" altLang="ja-JP" sz="1200" b="1" i="0" u="none" strike="noStrike" cap="none" normalizeH="0" baseline="0" dirty="0" smtClean="0">
+              <a:rPr kumimoji="0" lang="en-US" altLang="ja-JP" sz="1200" b="1" i="0" u="none" strike="noStrike" cap="none" normalizeH="0" baseline="0" dirty="0">
                 <a:ln>
                   <a:noFill/>
                 </a:ln>
@@ -5875,7 +5912,7 @@
               <a:buChar char="·"/>
             </a:pPr>
             <a:r>
-              <a:rPr kumimoji="0" lang="en-US" altLang="ja-JP" sz="1200" b="0" i="0" u="none" strike="noStrike" cap="none" normalizeH="0" baseline="0" dirty="0" smtClean="0">
+              <a:rPr kumimoji="0" lang="en-US" altLang="ja-JP" sz="1200" b="0" i="0" u="none" strike="noStrike" cap="none" normalizeH="0" baseline="0" dirty="0">
                 <a:ln>
                   <a:noFill/>
                 </a:ln>
@@ -5905,7 +5942,7 @@
               <a:buChar char="·"/>
             </a:pPr>
             <a:r>
-              <a:rPr kumimoji="0" lang="en-US" altLang="ja-JP" sz="1200" b="0" i="0" u="none" strike="noStrike" cap="none" normalizeH="0" baseline="0" dirty="0" smtClean="0">
+              <a:rPr kumimoji="0" lang="en-US" altLang="ja-JP" sz="1200" b="0" i="0" u="none" strike="noStrike" cap="none" normalizeH="0" baseline="0" dirty="0">
                 <a:ln>
                   <a:noFill/>
                 </a:ln>
@@ -5919,7 +5956,7 @@
               </a:rPr>
               <a:t>Motion control systems</a:t>
             </a:r>
-            <a:endParaRPr kumimoji="0" lang="en-US" altLang="ja-JP" sz="1200" b="0" i="0" u="none" strike="noStrike" cap="none" normalizeH="0" baseline="0" dirty="0" smtClean="0">
+            <a:endParaRPr kumimoji="0" lang="en-US" altLang="ja-JP" sz="1200" b="0" i="0" u="none" strike="noStrike" cap="none" normalizeH="0" baseline="0" dirty="0">
               <a:ln>
                 <a:noFill/>
               </a:ln>
@@ -5947,7 +5984,7 @@
               <a:buChar char="·"/>
             </a:pPr>
             <a:r>
-              <a:rPr kumimoji="0" lang="en-US" altLang="ja-JP" sz="1200" b="0" i="0" u="none" strike="noStrike" cap="none" normalizeH="0" baseline="0" dirty="0" smtClean="0">
+              <a:rPr kumimoji="0" lang="en-US" altLang="ja-JP" sz="1200" b="0" i="0" u="none" strike="noStrike" cap="none" normalizeH="0" baseline="0" dirty="0">
                 <a:ln>
                   <a:noFill/>
                 </a:ln>
@@ -5977,7 +6014,7 @@
               <a:buChar char="·"/>
             </a:pPr>
             <a:r>
-              <a:rPr kumimoji="0" lang="en-US" altLang="ja-JP" sz="1200" b="0" i="0" u="none" strike="noStrike" cap="none" normalizeH="0" baseline="0" dirty="0" smtClean="0">
+              <a:rPr kumimoji="0" lang="en-US" altLang="ja-JP" sz="1200" b="0" i="0" u="none" strike="noStrike" cap="none" normalizeH="0" baseline="0" dirty="0">
                 <a:ln>
                   <a:noFill/>
                 </a:ln>
@@ -5991,7 +6028,7 @@
               </a:rPr>
               <a:t>Material handling</a:t>
             </a:r>
-            <a:endParaRPr kumimoji="0" lang="en-US" altLang="ja-JP" sz="1200" b="0" i="0" u="none" strike="noStrike" cap="none" normalizeH="0" baseline="0" dirty="0" smtClean="0">
+            <a:endParaRPr kumimoji="0" lang="en-US" altLang="ja-JP" sz="1200" b="0" i="0" u="none" strike="noStrike" cap="none" normalizeH="0" baseline="0" dirty="0">
               <a:ln>
                 <a:noFill/>
               </a:ln>
@@ -6019,7 +6056,7 @@
               <a:buChar char="·"/>
             </a:pPr>
             <a:r>
-              <a:rPr kumimoji="0" lang="en-US" altLang="ja-JP" sz="1200" b="0" i="0" u="none" strike="noStrike" cap="none" normalizeH="0" baseline="0" dirty="0" smtClean="0">
+              <a:rPr kumimoji="0" lang="en-US" altLang="ja-JP" sz="1200" b="0" i="0" u="none" strike="noStrike" cap="none" normalizeH="0" baseline="0" dirty="0">
                 <a:ln>
                   <a:noFill/>
                 </a:ln>
@@ -6049,7 +6086,7 @@
               <a:buChar char="·"/>
             </a:pPr>
             <a:r>
-              <a:rPr kumimoji="0" lang="en-US" altLang="ja-JP" sz="1200" b="0" i="0" u="none" strike="noStrike" cap="none" normalizeH="0" baseline="0" dirty="0" smtClean="0">
+              <a:rPr kumimoji="0" lang="en-US" altLang="ja-JP" sz="1200" b="0" i="0" u="none" strike="noStrike" cap="none" normalizeH="0" baseline="0" dirty="0">
                 <a:ln>
                   <a:noFill/>
                 </a:ln>
@@ -6079,7 +6116,7 @@
               <a:buChar char="·"/>
             </a:pPr>
             <a:r>
-              <a:rPr kumimoji="0" lang="en-US" altLang="ja-JP" sz="1200" b="0" i="0" u="none" strike="noStrike" cap="none" normalizeH="0" baseline="0" dirty="0" smtClean="0">
+              <a:rPr kumimoji="0" lang="en-US" altLang="ja-JP" sz="1200" b="0" i="0" u="none" strike="noStrike" cap="none" normalizeH="0" baseline="0" dirty="0">
                 <a:ln>
                   <a:noFill/>
                 </a:ln>
@@ -6109,7 +6146,7 @@
               <a:tabLst/>
             </a:pPr>
             <a:r>
-              <a:rPr kumimoji="0" lang="en-US" altLang="ja-JP" sz="1200" b="1" i="0" u="none" strike="noStrike" cap="none" normalizeH="0" baseline="0" dirty="0" smtClean="0">
+              <a:rPr kumimoji="0" lang="en-US" altLang="ja-JP" sz="1200" b="1" i="0" u="none" strike="noStrike" cap="none" normalizeH="0" baseline="0" dirty="0">
                 <a:ln>
                   <a:noFill/>
                 </a:ln>
@@ -6141,7 +6178,7 @@
               <a:tabLst/>
             </a:pPr>
             <a:r>
-              <a:rPr kumimoji="0" lang="en-US" altLang="ja-JP" sz="1200" b="0" i="0" u="none" strike="noStrike" cap="none" normalizeH="0" baseline="0" dirty="0" smtClean="0">
+              <a:rPr kumimoji="0" lang="en-US" altLang="ja-JP" sz="1200" b="0" i="0" u="none" strike="noStrike" cap="none" normalizeH="0" baseline="0" dirty="0">
                 <a:ln>
                   <a:noFill/>
                 </a:ln>
@@ -6171,7 +6208,7 @@
               <a:buChar char="·"/>
             </a:pPr>
             <a:r>
-              <a:rPr kumimoji="0" lang="en-US" altLang="ja-JP" sz="1200" b="0" i="0" u="none" strike="noStrike" cap="none" normalizeH="0" baseline="0" dirty="0" smtClean="0">
+              <a:rPr kumimoji="0" lang="en-US" altLang="ja-JP" sz="1200" b="0" i="0" u="none" strike="noStrike" cap="none" normalizeH="0" baseline="0" dirty="0">
                 <a:ln>
                   <a:noFill/>
                 </a:ln>
@@ -6203,7 +6240,7 @@
               <a:tabLst/>
             </a:pPr>
             <a:r>
-              <a:rPr kumimoji="0" lang="en-US" altLang="ja-JP" sz="1200" b="0" i="0" u="none" strike="noStrike" cap="none" normalizeH="0" baseline="0" dirty="0" smtClean="0">
+              <a:rPr kumimoji="0" lang="en-US" altLang="ja-JP" sz="1200" b="0" i="0" u="none" strike="noStrike" cap="none" normalizeH="0" baseline="0" dirty="0">
                 <a:ln>
                   <a:noFill/>
                 </a:ln>
@@ -6233,7 +6270,7 @@
               <a:buChar char="·"/>
             </a:pPr>
             <a:r>
-              <a:rPr kumimoji="0" lang="en-US" altLang="ja-JP" sz="1200" b="0" i="0" u="none" strike="noStrike" cap="none" normalizeH="0" baseline="0" dirty="0" smtClean="0">
+              <a:rPr kumimoji="0" lang="en-US" altLang="ja-JP" sz="1200" b="0" i="0" u="none" strike="noStrike" cap="none" normalizeH="0" baseline="0" dirty="0">
                 <a:ln>
                   <a:noFill/>
                 </a:ln>
@@ -6263,7 +6300,7 @@
               <a:buChar char="·"/>
             </a:pPr>
             <a:r>
-              <a:rPr kumimoji="0" lang="en-US" altLang="ja-JP" sz="1200" b="0" i="0" u="none" strike="noStrike" cap="none" normalizeH="0" baseline="0" dirty="0" smtClean="0">
+              <a:rPr kumimoji="0" lang="en-US" altLang="ja-JP" sz="1200" b="0" i="0" u="none" strike="noStrike" cap="none" normalizeH="0" baseline="0" dirty="0">
                 <a:ln>
                   <a:noFill/>
                 </a:ln>
@@ -6293,7 +6330,7 @@
               <a:buChar char="·"/>
             </a:pPr>
             <a:r>
-              <a:rPr kumimoji="0" lang="en-US" altLang="ja-JP" sz="1200" b="0" i="0" u="none" strike="noStrike" cap="none" normalizeH="0" baseline="0" dirty="0" smtClean="0">
+              <a:rPr kumimoji="0" lang="en-US" altLang="ja-JP" sz="1200" b="0" i="0" u="none" strike="noStrike" cap="none" normalizeH="0" baseline="0" dirty="0">
                 <a:ln>
                   <a:noFill/>
                 </a:ln>
@@ -6323,7 +6360,7 @@
               <a:tabLst/>
             </a:pPr>
             <a:r>
-              <a:rPr kumimoji="0" lang="en-US" altLang="ja-JP" sz="1200" b="1" i="0" u="none" strike="noStrike" cap="none" normalizeH="0" baseline="0" dirty="0" smtClean="0">
+              <a:rPr kumimoji="0" lang="en-US" altLang="ja-JP" sz="1200" b="1" i="0" u="none" strike="noStrike" cap="none" normalizeH="0" baseline="0" dirty="0">
                 <a:ln>
                   <a:noFill/>
                 </a:ln>
@@ -6337,7 +6374,7 @@
               </a:rPr>
               <a:t>Mechanism Design</a:t>
             </a:r>
-            <a:endParaRPr kumimoji="0" lang="en-US" altLang="ja-JP" sz="1200" b="1" i="0" u="none" strike="noStrike" cap="none" normalizeH="0" baseline="0" dirty="0" smtClean="0">
+            <a:endParaRPr kumimoji="0" lang="en-US" altLang="ja-JP" sz="1200" b="1" i="0" u="none" strike="noStrike" cap="none" normalizeH="0" baseline="0" dirty="0">
               <a:ln>
                 <a:noFill/>
               </a:ln>
@@ -6365,7 +6402,7 @@
               <a:tabLst/>
             </a:pPr>
             <a:r>
-              <a:rPr kumimoji="0" lang="en-US" altLang="ja-JP" sz="1200" b="1" i="0" u="none" strike="noStrike" cap="none" normalizeH="0" baseline="0" dirty="0" smtClean="0">
+              <a:rPr kumimoji="0" lang="en-US" altLang="ja-JP" sz="1200" b="1" i="0" u="none" strike="noStrike" cap="none" normalizeH="0" baseline="0" dirty="0">
                 <a:ln>
                   <a:noFill/>
                 </a:ln>
@@ -6379,7 +6416,7 @@
               </a:rPr>
               <a:t>Process and manufacturing equipment</a:t>
             </a:r>
-            <a:endParaRPr kumimoji="0" lang="en-US" altLang="ja-JP" sz="1200" b="1" i="0" u="none" strike="noStrike" cap="none" normalizeH="0" baseline="0" dirty="0" smtClean="0">
+            <a:endParaRPr kumimoji="0" lang="en-US" altLang="ja-JP" sz="1200" b="1" i="0" u="none" strike="noStrike" cap="none" normalizeH="0" baseline="0" dirty="0">
               <a:ln>
                 <a:noFill/>
               </a:ln>
@@ -6407,7 +6444,7 @@
               <a:tabLst/>
             </a:pPr>
             <a:r>
-              <a:rPr kumimoji="0" lang="en-US" altLang="ja-JP" sz="1200" b="1" i="0" u="none" strike="noStrike" cap="none" normalizeH="0" baseline="0" dirty="0" smtClean="0">
+              <a:rPr kumimoji="0" lang="en-US" altLang="ja-JP" sz="1200" b="1" i="0" u="none" strike="noStrike" cap="none" normalizeH="0" baseline="0" dirty="0">
                 <a:ln>
                   <a:noFill/>
                 </a:ln>
@@ -6421,7 +6458,7 @@
               </a:rPr>
               <a:t>Process development</a:t>
             </a:r>
-            <a:endParaRPr kumimoji="0" lang="en-US" sz="1800" b="0" i="0" u="none" strike="noStrike" cap="none" normalizeH="0" baseline="0" dirty="0" smtClean="0">
+            <a:endParaRPr kumimoji="0" lang="en-US" sz="1800" b="0" i="0" u="none" strike="noStrike" cap="none" normalizeH="0" baseline="0" dirty="0">
               <a:ln>
                 <a:noFill/>
               </a:ln>
@@ -6479,7 +6516,7 @@
             <a:lstStyle/>
             <a:p>
               <a:r>
-                <a:rPr lang="en-US" sz="1200" b="1" dirty="0" smtClean="0">
+                <a:rPr lang="en-US" sz="1200" b="1" dirty="0">
                   <a:solidFill>
                     <a:schemeClr val="accent6">
                       <a:lumMod val="50000"/>
@@ -6488,13 +6525,6 @@
                 </a:rPr>
                 <a:t>Contact us</a:t>
               </a:r>
-              <a:endParaRPr lang="en-US" sz="1200" b="1" dirty="0">
-                <a:solidFill>
-                  <a:schemeClr val="accent6">
-                    <a:lumMod val="50000"/>
-                  </a:schemeClr>
-                </a:solidFill>
-              </a:endParaRPr>
             </a:p>
           </p:txBody>
         </p:sp>
@@ -6562,7 +6592,7 @@
         </p:blipFill>
         <p:spPr bwMode="auto">
           <a:xfrm>
-            <a:off x="3657600" y="3505200"/>
+            <a:off x="7979535" y="3286170"/>
             <a:ext cx="2455041" cy="3668110"/>
           </a:xfrm>
           <a:prstGeom prst="rect">
@@ -6577,7 +6607,7141 @@
           </a:ln>
         </p:spPr>
       </p:pic>
+      <p:pic>
+        <p:nvPicPr>
+          <p:cNvPr id="21" name="Picture 20" descr="C:\Users\dri\Desktop\DRI webpage renders\3m1.JPG">
+            <a:extLst>
+              <a:ext uri="{FF2B5EF4-FFF2-40B4-BE49-F238E27FC236}">
+                <a16:creationId xmlns:a16="http://schemas.microsoft.com/office/drawing/2014/main" id="{B5F1E164-9D13-41A3-8B58-9FE0437C6E72}"/>
+              </a:ext>
+            </a:extLst>
+          </p:cNvPr>
+          <p:cNvPicPr/>
+          <p:nvPr/>
+        </p:nvPicPr>
+        <p:blipFill>
+          <a:blip r:embed="rId5" cstate="print">
+            <a:extLst>
+              <a:ext uri="{28A0092B-C50C-407E-A947-70E740481C1C}">
+                <a14:useLocalDpi xmlns:a14="http://schemas.microsoft.com/office/drawing/2010/main" val="0"/>
+              </a:ext>
+            </a:extLst>
+          </a:blip>
+          <a:srcRect/>
+          <a:stretch>
+            <a:fillRect/>
+          </a:stretch>
+        </p:blipFill>
+        <p:spPr bwMode="auto">
+          <a:xfrm>
+            <a:off x="3519489" y="3654424"/>
+            <a:ext cx="1354996" cy="1207505"/>
+          </a:xfrm>
+          <a:prstGeom prst="rect">
+            <a:avLst/>
+          </a:prstGeom>
+          <a:noFill/>
+          <a:ln>
+            <a:noFill/>
+          </a:ln>
+        </p:spPr>
+      </p:pic>
+      <p:pic>
+        <p:nvPicPr>
+          <p:cNvPr id="22" name="Picture 21" descr="C:\Users\dri\Desktop\DRI webpage renders\delta1.JPG">
+            <a:extLst>
+              <a:ext uri="{FF2B5EF4-FFF2-40B4-BE49-F238E27FC236}">
+                <a16:creationId xmlns:a16="http://schemas.microsoft.com/office/drawing/2014/main" id="{586A2464-B96B-4A96-A92F-421182283A08}"/>
+              </a:ext>
+            </a:extLst>
+          </p:cNvPr>
+          <p:cNvPicPr/>
+          <p:nvPr/>
+        </p:nvPicPr>
+        <p:blipFill>
+          <a:blip r:embed="rId6" cstate="print">
+            <a:extLst>
+              <a:ext uri="{28A0092B-C50C-407E-A947-70E740481C1C}">
+                <a14:useLocalDpi xmlns:a14="http://schemas.microsoft.com/office/drawing/2010/main" val="0"/>
+              </a:ext>
+            </a:extLst>
+          </a:blip>
+          <a:srcRect/>
+          <a:stretch>
+            <a:fillRect/>
+          </a:stretch>
+        </p:blipFill>
+        <p:spPr bwMode="auto">
+          <a:xfrm>
+            <a:off x="3519488" y="4938262"/>
+            <a:ext cx="1568029" cy="1155390"/>
+          </a:xfrm>
+          <a:prstGeom prst="rect">
+            <a:avLst/>
+          </a:prstGeom>
+          <a:noFill/>
+          <a:ln>
+            <a:noFill/>
+          </a:ln>
+        </p:spPr>
+      </p:pic>
+      <p:pic>
+        <p:nvPicPr>
+          <p:cNvPr id="23" name="Picture 22" descr="C:\Users\dri\Desktop\DRI webpage renders\don1.JPG">
+            <a:extLst>
+              <a:ext uri="{FF2B5EF4-FFF2-40B4-BE49-F238E27FC236}">
+                <a16:creationId xmlns:a16="http://schemas.microsoft.com/office/drawing/2014/main" id="{272B2D1E-4A6C-466B-98B3-DB6B55E7A2AF}"/>
+              </a:ext>
+            </a:extLst>
+          </p:cNvPr>
+          <p:cNvPicPr/>
+          <p:nvPr/>
+        </p:nvPicPr>
+        <p:blipFill>
+          <a:blip r:embed="rId7" cstate="print">
+            <a:extLst>
+              <a:ext uri="{28A0092B-C50C-407E-A947-70E740481C1C}">
+                <a14:useLocalDpi xmlns:a14="http://schemas.microsoft.com/office/drawing/2010/main" val="0"/>
+              </a:ext>
+            </a:extLst>
+          </a:blip>
+          <a:srcRect/>
+          <a:stretch>
+            <a:fillRect/>
+          </a:stretch>
+        </p:blipFill>
+        <p:spPr bwMode="auto">
+          <a:xfrm>
+            <a:off x="4969480" y="3663250"/>
+            <a:ext cx="1348033" cy="1194990"/>
+          </a:xfrm>
+          <a:prstGeom prst="rect">
+            <a:avLst/>
+          </a:prstGeom>
+          <a:noFill/>
+          <a:ln>
+            <a:noFill/>
+          </a:ln>
+        </p:spPr>
+      </p:pic>
+      <p:pic>
+        <p:nvPicPr>
+          <p:cNvPr id="24" name="Picture 23" descr="C:\Users\dri\Desktop\DRI webpage renders\manufacturing_06.jpg">
+            <a:extLst>
+              <a:ext uri="{FF2B5EF4-FFF2-40B4-BE49-F238E27FC236}">
+                <a16:creationId xmlns:a16="http://schemas.microsoft.com/office/drawing/2014/main" id="{40CD9D05-2C00-4CCB-AA66-3F2B53DFA2CF}"/>
+              </a:ext>
+            </a:extLst>
+          </p:cNvPr>
+          <p:cNvPicPr/>
+          <p:nvPr/>
+        </p:nvPicPr>
+        <p:blipFill>
+          <a:blip r:embed="rId8" cstate="print">
+            <a:extLst>
+              <a:ext uri="{28A0092B-C50C-407E-A947-70E740481C1C}">
+                <a14:useLocalDpi xmlns:a14="http://schemas.microsoft.com/office/drawing/2010/main" val="0"/>
+              </a:ext>
+            </a:extLst>
+          </a:blip>
+          <a:srcRect/>
+          <a:stretch>
+            <a:fillRect/>
+          </a:stretch>
+        </p:blipFill>
+        <p:spPr bwMode="auto">
+          <a:xfrm>
+            <a:off x="3528794" y="6169985"/>
+            <a:ext cx="1348803" cy="1437445"/>
+          </a:xfrm>
+          <a:prstGeom prst="rect">
+            <a:avLst/>
+          </a:prstGeom>
+          <a:noFill/>
+          <a:ln>
+            <a:noFill/>
+          </a:ln>
+        </p:spPr>
+      </p:pic>
+      <p:pic>
+        <p:nvPicPr>
+          <p:cNvPr id="25" name="Picture 24" descr="C:\Users\dri\Desktop\DRI webpage renders\sb2.JPG">
+            <a:extLst>
+              <a:ext uri="{FF2B5EF4-FFF2-40B4-BE49-F238E27FC236}">
+                <a16:creationId xmlns:a16="http://schemas.microsoft.com/office/drawing/2014/main" id="{9BCBCAF6-AEA5-49AA-A186-A09E78BB76A0}"/>
+              </a:ext>
+            </a:extLst>
+          </p:cNvPr>
+          <p:cNvPicPr/>
+          <p:nvPr/>
+        </p:nvPicPr>
+        <p:blipFill>
+          <a:blip r:embed="rId9" cstate="print">
+            <a:extLst>
+              <a:ext uri="{28A0092B-C50C-407E-A947-70E740481C1C}">
+                <a14:useLocalDpi xmlns:a14="http://schemas.microsoft.com/office/drawing/2010/main" val="0"/>
+              </a:ext>
+            </a:extLst>
+          </a:blip>
+          <a:srcRect/>
+          <a:stretch>
+            <a:fillRect/>
+          </a:stretch>
+        </p:blipFill>
+        <p:spPr bwMode="auto">
+          <a:xfrm>
+            <a:off x="4964747" y="6159290"/>
+            <a:ext cx="1382346" cy="1466774"/>
+          </a:xfrm>
+          <a:prstGeom prst="rect">
+            <a:avLst/>
+          </a:prstGeom>
+          <a:noFill/>
+          <a:ln>
+            <a:noFill/>
+          </a:ln>
+        </p:spPr>
+      </p:pic>
+      <p:pic>
+        <p:nvPicPr>
+          <p:cNvPr id="26" name="Picture 25" descr="C:\Users\dri\Desktop\DRI webpage renders\bosch-machine.jpg">
+            <a:extLst>
+              <a:ext uri="{FF2B5EF4-FFF2-40B4-BE49-F238E27FC236}">
+                <a16:creationId xmlns:a16="http://schemas.microsoft.com/office/drawing/2014/main" id="{4D001E1C-5F59-471B-A8B9-5F81DE7970DD}"/>
+              </a:ext>
+            </a:extLst>
+          </p:cNvPr>
+          <p:cNvPicPr/>
+          <p:nvPr/>
+        </p:nvPicPr>
+        <p:blipFill>
+          <a:blip r:embed="rId10" cstate="print">
+            <a:extLst>
+              <a:ext uri="{28A0092B-C50C-407E-A947-70E740481C1C}">
+                <a14:useLocalDpi xmlns:a14="http://schemas.microsoft.com/office/drawing/2010/main" val="0"/>
+              </a:ext>
+            </a:extLst>
+          </a:blip>
+          <a:srcRect/>
+          <a:stretch>
+            <a:fillRect/>
+          </a:stretch>
+        </p:blipFill>
+        <p:spPr bwMode="auto">
+          <a:xfrm>
+            <a:off x="5191704" y="4938263"/>
+            <a:ext cx="1155389" cy="1155389"/>
+          </a:xfrm>
+          <a:prstGeom prst="rect">
+            <a:avLst/>
+          </a:prstGeom>
+          <a:noFill/>
+          <a:ln>
+            <a:noFill/>
+          </a:ln>
+        </p:spPr>
+      </p:pic>
     </p:spTree>
+  </p:cSld>
+  <p:clrMapOvr>
+    <a:masterClrMapping/>
+  </p:clrMapOvr>
+</p:sld>
+</file>
+
+<file path=ppt/slides/slide3.xml><?xml version="1.0" encoding="utf-8"?>
+<p:sld xmlns:a="http://schemas.openxmlformats.org/drawingml/2006/main" xmlns:r="http://schemas.openxmlformats.org/officeDocument/2006/relationships" xmlns:p="http://schemas.openxmlformats.org/presentationml/2006/main">
+  <p:cSld>
+    <p:spTree>
+      <p:nvGrpSpPr>
+        <p:cNvPr id="1" name=""/>
+        <p:cNvGrpSpPr/>
+        <p:nvPr/>
+      </p:nvGrpSpPr>
+      <p:grpSpPr>
+        <a:xfrm>
+          <a:off x="0" y="0"/>
+          <a:ext cx="0" cy="0"/>
+          <a:chOff x="0" y="0"/>
+          <a:chExt cx="0" cy="0"/>
+        </a:xfrm>
+      </p:grpSpPr>
+      <p:pic>
+        <p:nvPicPr>
+          <p:cNvPr id="7" name="Picture 6"/>
+          <p:cNvPicPr/>
+          <p:nvPr/>
+        </p:nvPicPr>
+        <p:blipFill>
+          <a:blip r:embed="rId2" cstate="print"/>
+          <a:srcRect/>
+          <a:stretch>
+            <a:fillRect/>
+          </a:stretch>
+        </p:blipFill>
+        <p:spPr bwMode="auto">
+          <a:xfrm>
+            <a:off x="0" y="0"/>
+            <a:ext cx="6858000" cy="4571999"/>
+          </a:xfrm>
+          <a:prstGeom prst="rect">
+            <a:avLst/>
+          </a:prstGeom>
+          <a:noFill/>
+          <a:ln w="9525">
+            <a:noFill/>
+            <a:miter lim="800000"/>
+            <a:headEnd/>
+            <a:tailEnd/>
+          </a:ln>
+        </p:spPr>
+      </p:pic>
+      <p:sp>
+        <p:nvSpPr>
+          <p:cNvPr id="1027" name="Text Box 3"/>
+          <p:cNvSpPr txBox="1">
+            <a:spLocks noChangeArrowheads="1"/>
+          </p:cNvSpPr>
+          <p:nvPr/>
+        </p:nvSpPr>
+        <p:spPr bwMode="auto">
+          <a:xfrm>
+            <a:off x="1066800" y="1066800"/>
+            <a:ext cx="5151437" cy="300037"/>
+          </a:xfrm>
+          <a:prstGeom prst="rect">
+            <a:avLst/>
+          </a:prstGeom>
+          <a:noFill/>
+          <a:ln w="9525">
+            <a:noFill/>
+            <a:miter lim="800000"/>
+            <a:headEnd/>
+            <a:tailEnd/>
+          </a:ln>
+        </p:spPr>
+        <p:txBody>
+          <a:bodyPr vert="horz" wrap="square" lIns="91440" tIns="45720" rIns="91440" bIns="45720" numCol="1" anchor="t" anchorCtr="0" compatLnSpc="1">
+            <a:prstTxWarp prst="textNoShape">
+              <a:avLst/>
+            </a:prstTxWarp>
+          </a:bodyPr>
+          <a:lstStyle/>
+          <a:p>
+            <a:pPr marL="0" marR="0" lvl="0" indent="0" algn="l" defTabSz="914400" rtl="0" eaLnBrk="1" fontAlgn="base" latinLnBrk="0" hangingPunct="1">
+              <a:lnSpc>
+                <a:spcPct val="100000"/>
+              </a:lnSpc>
+              <a:spcBef>
+                <a:spcPct val="0"/>
+              </a:spcBef>
+              <a:spcAft>
+                <a:spcPts val="1000"/>
+              </a:spcAft>
+              <a:buClrTx/>
+              <a:buSzTx/>
+              <a:buFontTx/>
+              <a:buNone/>
+              <a:tabLst/>
+            </a:pPr>
+            <a:r>
+              <a:rPr kumimoji="0" lang="en-US" altLang="ja-JP" sz="1100" b="1" i="0" u="none" strike="noStrike" cap="none" normalizeH="0" baseline="0" dirty="0">
+                <a:ln>
+                  <a:noFill/>
+                </a:ln>
+                <a:solidFill>
+                  <a:srgbClr val="FFFFFF"/>
+                </a:solidFill>
+                <a:effectLst/>
+                <a:latin typeface="Calibri" pitchFamily="34" charset="0"/>
+                <a:ea typeface="MS Mincho" pitchFamily="49" charset="-128"/>
+                <a:cs typeface="Arial" pitchFamily="34" charset="0"/>
+              </a:rPr>
+              <a:t>HOME        ENGINEERING   </a:t>
+            </a:r>
+            <a:r>
+              <a:rPr lang="en-US" altLang="ja-JP" sz="1100" b="1" dirty="0">
+                <a:solidFill>
+                  <a:srgbClr val="FFFFFF"/>
+                </a:solidFill>
+                <a:latin typeface="Times New Roman" pitchFamily="18" charset="0"/>
+                <a:ea typeface="MS Mincho" pitchFamily="49" charset="-128"/>
+                <a:cs typeface="Arial" pitchFamily="34" charset="0"/>
+              </a:rPr>
+              <a:t>    </a:t>
+            </a:r>
+            <a:r>
+              <a:rPr kumimoji="0" lang="en-US" altLang="ja-JP" sz="1100" b="1" i="0" u="none" strike="noStrike" cap="none" normalizeH="0" baseline="0" dirty="0">
+                <a:ln>
+                  <a:noFill/>
+                </a:ln>
+                <a:solidFill>
+                  <a:srgbClr val="FFFFFF"/>
+                </a:solidFill>
+                <a:effectLst/>
+                <a:latin typeface="Calibri" pitchFamily="34" charset="0"/>
+                <a:ea typeface="MS Mincho" pitchFamily="49" charset="-128"/>
+                <a:cs typeface="Arial" pitchFamily="34" charset="0"/>
+              </a:rPr>
+              <a:t>STAFFING</a:t>
+            </a:r>
+            <a:r>
+              <a:rPr lang="en-US" altLang="ja-JP" sz="1100" b="1" dirty="0">
+                <a:solidFill>
+                  <a:srgbClr val="FFFFFF"/>
+                </a:solidFill>
+                <a:latin typeface="Calibri" pitchFamily="34" charset="0"/>
+                <a:ea typeface="MS Mincho" pitchFamily="49" charset="-128"/>
+                <a:cs typeface="Arial" pitchFamily="34" charset="0"/>
+              </a:rPr>
+              <a:t>        </a:t>
+            </a:r>
+            <a:r>
+              <a:rPr kumimoji="0" lang="en-US" altLang="ja-JP" sz="1100" b="1" i="0" u="none" strike="noStrike" cap="none" normalizeH="0" baseline="0" dirty="0">
+                <a:ln>
+                  <a:noFill/>
+                </a:ln>
+                <a:solidFill>
+                  <a:srgbClr val="FFFFFF"/>
+                </a:solidFill>
+                <a:effectLst/>
+                <a:latin typeface="Calibri" pitchFamily="34" charset="0"/>
+                <a:ea typeface="MS Mincho" pitchFamily="49" charset="-128"/>
+                <a:cs typeface="Arial" pitchFamily="34" charset="0"/>
+              </a:rPr>
+              <a:t>COMPANY</a:t>
+            </a:r>
+            <a:r>
+              <a:rPr lang="en-US" altLang="ja-JP" sz="1100" b="1" dirty="0">
+                <a:solidFill>
+                  <a:srgbClr val="FFFFFF"/>
+                </a:solidFill>
+                <a:latin typeface="Calibri" pitchFamily="34" charset="0"/>
+                <a:ea typeface="MS Mincho" pitchFamily="49" charset="-128"/>
+                <a:cs typeface="Arial" pitchFamily="34" charset="0"/>
+              </a:rPr>
+              <a:t>         </a:t>
+            </a:r>
+            <a:r>
+              <a:rPr kumimoji="0" lang="en-US" altLang="ja-JP" sz="1100" b="1" i="0" u="none" strike="noStrike" cap="none" normalizeH="0" baseline="0" dirty="0">
+                <a:ln>
+                  <a:noFill/>
+                </a:ln>
+                <a:solidFill>
+                  <a:srgbClr val="FFFFFF"/>
+                </a:solidFill>
+                <a:effectLst/>
+                <a:latin typeface="Calibri" pitchFamily="34" charset="0"/>
+                <a:ea typeface="MS Mincho" pitchFamily="49" charset="-128"/>
+                <a:cs typeface="Arial" pitchFamily="34" charset="0"/>
+              </a:rPr>
+              <a:t>CONTACT</a:t>
+            </a:r>
+            <a:endParaRPr kumimoji="0" lang="en-US" sz="1800" b="0" i="0" u="none" strike="noStrike" cap="none" normalizeH="0" baseline="0" dirty="0">
+              <a:ln>
+                <a:noFill/>
+              </a:ln>
+              <a:solidFill>
+                <a:schemeClr val="tx1"/>
+              </a:solidFill>
+              <a:effectLst/>
+              <a:latin typeface="Arial" pitchFamily="34" charset="0"/>
+              <a:cs typeface="Arial" pitchFamily="34" charset="0"/>
+            </a:endParaRPr>
+          </a:p>
+        </p:txBody>
+      </p:sp>
+      <p:sp>
+        <p:nvSpPr>
+          <p:cNvPr id="10" name="Rectangle 9"/>
+          <p:cNvSpPr/>
+          <p:nvPr/>
+        </p:nvSpPr>
+        <p:spPr>
+          <a:xfrm>
+            <a:off x="533400" y="0"/>
+            <a:ext cx="1219200" cy="914400"/>
+          </a:xfrm>
+          <a:prstGeom prst="rect">
+            <a:avLst/>
+          </a:prstGeom>
+          <a:solidFill>
+            <a:schemeClr val="bg1"/>
+          </a:solidFill>
+          <a:ln>
+            <a:noFill/>
+          </a:ln>
+        </p:spPr>
+        <p:style>
+          <a:lnRef idx="2">
+            <a:schemeClr val="accent1">
+              <a:shade val="50000"/>
+            </a:schemeClr>
+          </a:lnRef>
+          <a:fillRef idx="1">
+            <a:schemeClr val="accent1"/>
+          </a:fillRef>
+          <a:effectRef idx="0">
+            <a:schemeClr val="accent1"/>
+          </a:effectRef>
+          <a:fontRef idx="minor">
+            <a:schemeClr val="lt1"/>
+          </a:fontRef>
+        </p:style>
+        <p:txBody>
+          <a:bodyPr rtlCol="0" anchor="ctr"/>
+          <a:lstStyle/>
+          <a:p>
+            <a:pPr algn="ctr"/>
+            <a:endParaRPr lang="en-US"/>
+          </a:p>
+        </p:txBody>
+      </p:sp>
+      <p:pic>
+        <p:nvPicPr>
+          <p:cNvPr id="5" name="Picture 4"/>
+          <p:cNvPicPr/>
+          <p:nvPr/>
+        </p:nvPicPr>
+        <p:blipFill>
+          <a:blip r:embed="rId3" cstate="print">
+            <a:extLst>
+              <a:ext uri="{28A0092B-C50C-407E-A947-70E740481C1C}">
+                <a14:useLocalDpi xmlns:a14="http://schemas.microsoft.com/office/drawing/2010/main" val="0"/>
+              </a:ext>
+            </a:extLst>
+          </a:blip>
+          <a:srcRect/>
+          <a:stretch>
+            <a:fillRect/>
+          </a:stretch>
+        </p:blipFill>
+        <p:spPr bwMode="auto">
+          <a:xfrm>
+            <a:off x="457200" y="0"/>
+            <a:ext cx="1364907" cy="889686"/>
+          </a:xfrm>
+          <a:prstGeom prst="rect">
+            <a:avLst/>
+          </a:prstGeom>
+          <a:noFill/>
+        </p:spPr>
+      </p:pic>
+      <p:sp>
+        <p:nvSpPr>
+          <p:cNvPr id="16" name="Rectangle 15"/>
+          <p:cNvSpPr/>
+          <p:nvPr/>
+        </p:nvSpPr>
+        <p:spPr>
+          <a:xfrm>
+            <a:off x="0" y="2362200"/>
+            <a:ext cx="6858000" cy="2590800"/>
+          </a:xfrm>
+          <a:prstGeom prst="rect">
+            <a:avLst/>
+          </a:prstGeom>
+          <a:solidFill>
+            <a:schemeClr val="bg1"/>
+          </a:solidFill>
+          <a:ln>
+            <a:noFill/>
+          </a:ln>
+        </p:spPr>
+        <p:style>
+          <a:lnRef idx="2">
+            <a:schemeClr val="accent1">
+              <a:shade val="50000"/>
+            </a:schemeClr>
+          </a:lnRef>
+          <a:fillRef idx="1">
+            <a:schemeClr val="accent1"/>
+          </a:fillRef>
+          <a:effectRef idx="0">
+            <a:schemeClr val="accent1"/>
+          </a:effectRef>
+          <a:fontRef idx="minor">
+            <a:schemeClr val="lt1"/>
+          </a:fontRef>
+        </p:style>
+        <p:txBody>
+          <a:bodyPr rtlCol="0" anchor="ctr"/>
+          <a:lstStyle/>
+          <a:p>
+            <a:pPr algn="ctr"/>
+            <a:endParaRPr lang="en-US"/>
+          </a:p>
+        </p:txBody>
+      </p:sp>
+      <p:sp>
+        <p:nvSpPr>
+          <p:cNvPr id="1032" name="Text Box 8"/>
+          <p:cNvSpPr txBox="1">
+            <a:spLocks noChangeArrowheads="1"/>
+          </p:cNvSpPr>
+          <p:nvPr/>
+        </p:nvSpPr>
+        <p:spPr bwMode="auto">
+          <a:xfrm>
+            <a:off x="838200" y="8305800"/>
+            <a:ext cx="5151437" cy="646112"/>
+          </a:xfrm>
+          <a:prstGeom prst="rect">
+            <a:avLst/>
+          </a:prstGeom>
+          <a:noFill/>
+          <a:ln w="9525">
+            <a:noFill/>
+            <a:miter lim="800000"/>
+            <a:headEnd/>
+            <a:tailEnd/>
+          </a:ln>
+        </p:spPr>
+        <p:txBody>
+          <a:bodyPr vert="horz" wrap="square" lIns="91440" tIns="45720" rIns="91440" bIns="45720" numCol="1" anchor="t" anchorCtr="0" compatLnSpc="1">
+            <a:prstTxWarp prst="textNoShape">
+              <a:avLst/>
+            </a:prstTxWarp>
+          </a:bodyPr>
+          <a:lstStyle/>
+          <a:p>
+            <a:pPr marL="0" marR="0" lvl="0" indent="0" algn="ctr" defTabSz="914400" rtl="0" eaLnBrk="1" fontAlgn="base" latinLnBrk="0" hangingPunct="1">
+              <a:lnSpc>
+                <a:spcPct val="100000"/>
+              </a:lnSpc>
+              <a:spcBef>
+                <a:spcPct val="0"/>
+              </a:spcBef>
+              <a:spcAft>
+                <a:spcPts val="1000"/>
+              </a:spcAft>
+              <a:buClrTx/>
+              <a:buSzTx/>
+              <a:buFontTx/>
+              <a:buNone/>
+              <a:tabLst/>
+            </a:pPr>
+            <a:r>
+              <a:rPr kumimoji="0" lang="en-US" altLang="ja-JP" sz="1100" b="1" i="0" u="none" strike="noStrike" cap="none" normalizeH="0" baseline="0" dirty="0">
+                <a:ln>
+                  <a:noFill/>
+                </a:ln>
+                <a:solidFill>
+                  <a:srgbClr val="595959"/>
+                </a:solidFill>
+                <a:effectLst/>
+                <a:latin typeface="Calibri" pitchFamily="34" charset="0"/>
+                <a:ea typeface="MS Mincho" pitchFamily="49" charset="-128"/>
+                <a:cs typeface="Arial" pitchFamily="34" charset="0"/>
+              </a:rPr>
+              <a:t>HOME | ENGINEERING | STAFFING | COMPANY | CONTACT</a:t>
+            </a:r>
+          </a:p>
+          <a:p>
+            <a:pPr marL="0" marR="0" lvl="0" indent="0" algn="ctr" defTabSz="914400" rtl="0" eaLnBrk="1" fontAlgn="base" latinLnBrk="0" hangingPunct="1">
+              <a:lnSpc>
+                <a:spcPct val="100000"/>
+              </a:lnSpc>
+              <a:spcBef>
+                <a:spcPct val="0"/>
+              </a:spcBef>
+              <a:spcAft>
+                <a:spcPts val="1000"/>
+              </a:spcAft>
+              <a:buClrTx/>
+              <a:buSzTx/>
+              <a:buFontTx/>
+              <a:buNone/>
+              <a:tabLst/>
+            </a:pPr>
+            <a:r>
+              <a:rPr kumimoji="0" lang="en-US" altLang="ja-JP" sz="1100" b="1" i="0" u="none" strike="noStrike" cap="none" normalizeH="0" baseline="0" dirty="0">
+                <a:ln>
+                  <a:noFill/>
+                </a:ln>
+                <a:solidFill>
+                  <a:srgbClr val="595959"/>
+                </a:solidFill>
+                <a:effectLst/>
+                <a:latin typeface="Calibri" pitchFamily="34" charset="0"/>
+                <a:ea typeface="MS Mincho" pitchFamily="49" charset="-128"/>
+                <a:cs typeface="Arial" pitchFamily="34" charset="0"/>
+              </a:rPr>
+              <a:t>© 2019 DESIGN RESOURCE, INC.</a:t>
+            </a:r>
+          </a:p>
+          <a:p>
+            <a:pPr marL="0" marR="0" lvl="0" indent="0" algn="l" defTabSz="914400" rtl="0" eaLnBrk="1" fontAlgn="base" latinLnBrk="0" hangingPunct="1">
+              <a:lnSpc>
+                <a:spcPct val="100000"/>
+              </a:lnSpc>
+              <a:spcBef>
+                <a:spcPct val="0"/>
+              </a:spcBef>
+              <a:spcAft>
+                <a:spcPts val="1000"/>
+              </a:spcAft>
+              <a:buClrTx/>
+              <a:buSzTx/>
+              <a:buFontTx/>
+              <a:buNone/>
+              <a:tabLst/>
+            </a:pPr>
+            <a:endParaRPr kumimoji="0" lang="en-US" altLang="ja-JP" sz="1100" b="1" i="0" u="none" strike="noStrike" cap="none" normalizeH="0" baseline="0" dirty="0">
+              <a:ln>
+                <a:noFill/>
+              </a:ln>
+              <a:solidFill>
+                <a:srgbClr val="595959"/>
+              </a:solidFill>
+              <a:effectLst/>
+              <a:latin typeface="Times New Roman" pitchFamily="18" charset="0"/>
+              <a:ea typeface="MS Mincho" pitchFamily="49" charset="-128"/>
+              <a:cs typeface="Arial" pitchFamily="34" charset="0"/>
+            </a:endParaRPr>
+          </a:p>
+          <a:p>
+            <a:pPr marL="0" marR="0" lvl="0" indent="0" algn="l" defTabSz="914400" rtl="0" eaLnBrk="1" fontAlgn="base" latinLnBrk="0" hangingPunct="1">
+              <a:lnSpc>
+                <a:spcPct val="100000"/>
+              </a:lnSpc>
+              <a:spcBef>
+                <a:spcPct val="0"/>
+              </a:spcBef>
+              <a:spcAft>
+                <a:spcPct val="0"/>
+              </a:spcAft>
+              <a:buClrTx/>
+              <a:buSzTx/>
+              <a:buFontTx/>
+              <a:buNone/>
+              <a:tabLst/>
+            </a:pPr>
+            <a:endParaRPr kumimoji="0" lang="en-US" sz="1800" b="0" i="0" u="none" strike="noStrike" cap="none" normalizeH="0" baseline="0" dirty="0">
+              <a:ln>
+                <a:noFill/>
+              </a:ln>
+              <a:solidFill>
+                <a:schemeClr val="tx1"/>
+              </a:solidFill>
+              <a:effectLst/>
+              <a:latin typeface="Arial" pitchFamily="34" charset="0"/>
+              <a:cs typeface="Arial" pitchFamily="34" charset="0"/>
+            </a:endParaRPr>
+          </a:p>
+        </p:txBody>
+      </p:sp>
+      <p:grpSp>
+        <p:nvGrpSpPr>
+          <p:cNvPr id="2" name="Group 30"/>
+          <p:cNvGrpSpPr/>
+          <p:nvPr/>
+        </p:nvGrpSpPr>
+        <p:grpSpPr>
+          <a:xfrm>
+            <a:off x="-2209800" y="5334000"/>
+            <a:ext cx="1143000" cy="276999"/>
+            <a:chOff x="685800" y="6705600"/>
+            <a:chExt cx="1143000" cy="276999"/>
+          </a:xfrm>
+        </p:grpSpPr>
+        <p:sp>
+          <p:nvSpPr>
+            <p:cNvPr id="27" name="TextBox 26"/>
+            <p:cNvSpPr txBox="1"/>
+            <p:nvPr/>
+          </p:nvSpPr>
+          <p:spPr>
+            <a:xfrm>
+              <a:off x="685800" y="6705600"/>
+              <a:ext cx="1143000" cy="276999"/>
+            </a:xfrm>
+            <a:prstGeom prst="rect">
+              <a:avLst/>
+            </a:prstGeom>
+            <a:solidFill>
+              <a:schemeClr val="accent1">
+                <a:lumMod val="20000"/>
+                <a:lumOff val="80000"/>
+              </a:schemeClr>
+            </a:solidFill>
+            <a:ln>
+              <a:solidFill>
+                <a:schemeClr val="tx2">
+                  <a:lumMod val="60000"/>
+                  <a:lumOff val="40000"/>
+                </a:schemeClr>
+              </a:solidFill>
+            </a:ln>
+          </p:spPr>
+          <p:txBody>
+            <a:bodyPr wrap="square" rtlCol="0">
+              <a:spAutoFit/>
+            </a:bodyPr>
+            <a:lstStyle/>
+            <a:p>
+              <a:r>
+                <a:rPr lang="en-US" sz="1200" b="1" dirty="0">
+                  <a:solidFill>
+                    <a:schemeClr val="tx2">
+                      <a:lumMod val="75000"/>
+                    </a:schemeClr>
+                  </a:solidFill>
+                </a:rPr>
+                <a:t>Learn More </a:t>
+              </a:r>
+            </a:p>
+          </p:txBody>
+        </p:sp>
+        <p:sp>
+          <p:nvSpPr>
+            <p:cNvPr id="30" name="Right Arrow 29"/>
+            <p:cNvSpPr/>
+            <p:nvPr/>
+          </p:nvSpPr>
+          <p:spPr>
+            <a:xfrm>
+              <a:off x="1573772" y="6818359"/>
+              <a:ext cx="153838" cy="76200"/>
+            </a:xfrm>
+            <a:prstGeom prst="rightArrow">
+              <a:avLst/>
+            </a:prstGeom>
+            <a:solidFill>
+              <a:schemeClr val="tx2">
+                <a:lumMod val="75000"/>
+              </a:schemeClr>
+            </a:solidFill>
+            <a:ln>
+              <a:noFill/>
+            </a:ln>
+          </p:spPr>
+          <p:style>
+            <a:lnRef idx="2">
+              <a:schemeClr val="accent1">
+                <a:shade val="50000"/>
+              </a:schemeClr>
+            </a:lnRef>
+            <a:fillRef idx="1">
+              <a:schemeClr val="accent1"/>
+            </a:fillRef>
+            <a:effectRef idx="0">
+              <a:schemeClr val="accent1"/>
+            </a:effectRef>
+            <a:fontRef idx="minor">
+              <a:schemeClr val="lt1"/>
+            </a:fontRef>
+          </p:style>
+          <p:txBody>
+            <a:bodyPr rtlCol="0" anchor="ctr"/>
+            <a:lstStyle/>
+            <a:p>
+              <a:pPr algn="ctr"/>
+              <a:endParaRPr lang="en-US"/>
+            </a:p>
+          </p:txBody>
+        </p:sp>
+      </p:grpSp>
+      <p:sp>
+        <p:nvSpPr>
+          <p:cNvPr id="41" name="Rectangle 40"/>
+          <p:cNvSpPr/>
+          <p:nvPr/>
+        </p:nvSpPr>
+        <p:spPr>
+          <a:xfrm>
+            <a:off x="2362200" y="304800"/>
+            <a:ext cx="3142592" cy="369332"/>
+          </a:xfrm>
+          <a:prstGeom prst="rect">
+            <a:avLst/>
+          </a:prstGeom>
+        </p:spPr>
+        <p:txBody>
+          <a:bodyPr wrap="none">
+            <a:spAutoFit/>
+          </a:bodyPr>
+          <a:lstStyle/>
+          <a:p>
+            <a:r>
+              <a:rPr lang="en-US" i="1" dirty="0">
+                <a:solidFill>
+                  <a:schemeClr val="tx1">
+                    <a:lumMod val="65000"/>
+                    <a:lumOff val="35000"/>
+                  </a:schemeClr>
+                </a:solidFill>
+              </a:rPr>
+              <a:t>Value driven. Quality sustained.</a:t>
+            </a:r>
+          </a:p>
+        </p:txBody>
+      </p:sp>
+      <p:sp>
+        <p:nvSpPr>
+          <p:cNvPr id="29" name="Rectangle 28"/>
+          <p:cNvSpPr/>
+          <p:nvPr/>
+        </p:nvSpPr>
+        <p:spPr>
+          <a:xfrm>
+            <a:off x="0" y="1447800"/>
+            <a:ext cx="6858000" cy="914400"/>
+          </a:xfrm>
+          <a:prstGeom prst="rect">
+            <a:avLst/>
+          </a:prstGeom>
+          <a:solidFill>
+            <a:schemeClr val="accent1">
+              <a:lumMod val="50000"/>
+            </a:schemeClr>
+          </a:solidFill>
+          <a:ln>
+            <a:noFill/>
+          </a:ln>
+        </p:spPr>
+        <p:style>
+          <a:lnRef idx="2">
+            <a:schemeClr val="accent1">
+              <a:shade val="50000"/>
+            </a:schemeClr>
+          </a:lnRef>
+          <a:fillRef idx="1">
+            <a:schemeClr val="accent1"/>
+          </a:fillRef>
+          <a:effectRef idx="0">
+            <a:schemeClr val="accent1"/>
+          </a:effectRef>
+          <a:fontRef idx="minor">
+            <a:schemeClr val="lt1"/>
+          </a:fontRef>
+        </p:style>
+        <p:txBody>
+          <a:bodyPr rtlCol="0" anchor="ctr"/>
+          <a:lstStyle/>
+          <a:p>
+            <a:pPr algn="ctr"/>
+            <a:endParaRPr lang="en-US"/>
+          </a:p>
+        </p:txBody>
+      </p:sp>
+      <p:sp>
+        <p:nvSpPr>
+          <p:cNvPr id="1026" name="Text Box 2"/>
+          <p:cNvSpPr txBox="1">
+            <a:spLocks noChangeArrowheads="1"/>
+          </p:cNvSpPr>
+          <p:nvPr/>
+        </p:nvSpPr>
+        <p:spPr bwMode="auto">
+          <a:xfrm>
+            <a:off x="457200" y="1600200"/>
+            <a:ext cx="5867400" cy="533400"/>
+          </a:xfrm>
+          <a:prstGeom prst="rect">
+            <a:avLst/>
+          </a:prstGeom>
+          <a:noFill/>
+          <a:ln w="9525">
+            <a:noFill/>
+            <a:miter lim="800000"/>
+            <a:headEnd/>
+            <a:tailEnd/>
+          </a:ln>
+        </p:spPr>
+        <p:txBody>
+          <a:bodyPr vert="horz" wrap="square" lIns="91440" tIns="45720" rIns="91440" bIns="45720" numCol="1" anchor="t" anchorCtr="0" compatLnSpc="1">
+            <a:prstTxWarp prst="textNoShape">
+              <a:avLst/>
+            </a:prstTxWarp>
+          </a:bodyPr>
+          <a:lstStyle/>
+          <a:p>
+            <a:pPr marL="0" marR="0" lvl="0" indent="0" algn="ctr" defTabSz="914400" rtl="0" eaLnBrk="1" fontAlgn="base" latinLnBrk="0" hangingPunct="1">
+              <a:lnSpc>
+                <a:spcPct val="100000"/>
+              </a:lnSpc>
+              <a:spcBef>
+                <a:spcPct val="0"/>
+              </a:spcBef>
+              <a:spcAft>
+                <a:spcPts val="1000"/>
+              </a:spcAft>
+              <a:buClrTx/>
+              <a:buSzTx/>
+              <a:buFontTx/>
+              <a:buNone/>
+              <a:tabLst/>
+            </a:pPr>
+            <a:r>
+              <a:rPr kumimoji="0" lang="en-US" altLang="ja-JP" sz="2800" b="1" i="0" u="none" strike="noStrike" cap="none" normalizeH="0" baseline="0" dirty="0">
+                <a:ln>
+                  <a:noFill/>
+                </a:ln>
+                <a:solidFill>
+                  <a:srgbClr val="FFFFFF"/>
+                </a:solidFill>
+                <a:effectLst/>
+                <a:latin typeface="Calibri" pitchFamily="34" charset="0"/>
+                <a:ea typeface="MS Mincho" pitchFamily="49" charset="-128"/>
+                <a:cs typeface="Arial" pitchFamily="34" charset="0"/>
+              </a:rPr>
+              <a:t>Drafting and Documentation</a:t>
+            </a:r>
+          </a:p>
+        </p:txBody>
+      </p:sp>
+      <p:sp>
+        <p:nvSpPr>
+          <p:cNvPr id="2050" name="Text Box 2"/>
+          <p:cNvSpPr txBox="1">
+            <a:spLocks noChangeArrowheads="1"/>
+          </p:cNvSpPr>
+          <p:nvPr/>
+        </p:nvSpPr>
+        <p:spPr bwMode="auto">
+          <a:xfrm>
+            <a:off x="914400" y="2514600"/>
+            <a:ext cx="5032375" cy="768350"/>
+          </a:xfrm>
+          <a:prstGeom prst="rect">
+            <a:avLst/>
+          </a:prstGeom>
+          <a:solidFill>
+            <a:srgbClr val="FFFFFF"/>
+          </a:solidFill>
+          <a:ln w="9525">
+            <a:noFill/>
+            <a:miter lim="800000"/>
+            <a:headEnd/>
+            <a:tailEnd/>
+          </a:ln>
+        </p:spPr>
+        <p:txBody>
+          <a:bodyPr vert="horz" wrap="square" lIns="91440" tIns="45720" rIns="91440" bIns="45720" numCol="1" anchor="t" anchorCtr="0" compatLnSpc="1">
+            <a:prstTxWarp prst="textNoShape">
+              <a:avLst/>
+            </a:prstTxWarp>
+          </a:bodyPr>
+          <a:lstStyle/>
+          <a:p>
+            <a:r>
+              <a:rPr lang="en-US" b="1" i="1" dirty="0">
+                <a:solidFill>
+                  <a:schemeClr val="accent6">
+                    <a:lumMod val="50000"/>
+                  </a:schemeClr>
+                </a:solidFill>
+              </a:rPr>
+              <a:t>Full drafting and documentation services to ensure your designs comply with current industry standards and manufacturing methodologies.</a:t>
+            </a:r>
+            <a:endParaRPr lang="en-US" dirty="0">
+              <a:solidFill>
+                <a:schemeClr val="accent6">
+                  <a:lumMod val="50000"/>
+                </a:schemeClr>
+              </a:solidFill>
+            </a:endParaRPr>
+          </a:p>
+        </p:txBody>
+      </p:sp>
+      <p:sp>
+        <p:nvSpPr>
+          <p:cNvPr id="2051" name="Text Box 3"/>
+          <p:cNvSpPr txBox="1">
+            <a:spLocks noChangeArrowheads="1"/>
+          </p:cNvSpPr>
+          <p:nvPr/>
+        </p:nvSpPr>
+        <p:spPr bwMode="auto">
+          <a:xfrm>
+            <a:off x="344337" y="3695699"/>
+            <a:ext cx="2909888" cy="4648200"/>
+          </a:xfrm>
+          <a:prstGeom prst="rect">
+            <a:avLst/>
+          </a:prstGeom>
+          <a:solidFill>
+            <a:srgbClr val="FFFFFF"/>
+          </a:solidFill>
+          <a:ln w="9525">
+            <a:noFill/>
+            <a:miter lim="800000"/>
+            <a:headEnd/>
+            <a:tailEnd/>
+          </a:ln>
+        </p:spPr>
+        <p:txBody>
+          <a:bodyPr vert="horz" wrap="square" lIns="91440" tIns="45720" rIns="91440" bIns="45720" numCol="1" anchor="t" anchorCtr="0" compatLnSpc="1">
+            <a:prstTxWarp prst="textNoShape">
+              <a:avLst/>
+            </a:prstTxWarp>
+          </a:bodyPr>
+          <a:lstStyle/>
+          <a:p>
+            <a:r>
+              <a:rPr lang="en-US" sz="1200" b="1" dirty="0">
+                <a:solidFill>
+                  <a:schemeClr val="tx1">
+                    <a:lumMod val="65000"/>
+                    <a:lumOff val="35000"/>
+                  </a:schemeClr>
+                </a:solidFill>
+              </a:rPr>
+              <a:t>Drafting</a:t>
+            </a:r>
+            <a:endParaRPr lang="en-US" sz="1200" dirty="0">
+              <a:solidFill>
+                <a:schemeClr val="tx1">
+                  <a:lumMod val="65000"/>
+                  <a:lumOff val="35000"/>
+                </a:schemeClr>
+              </a:solidFill>
+            </a:endParaRPr>
+          </a:p>
+          <a:p>
+            <a:pPr marL="628650" lvl="1" indent="-171450">
+              <a:buFont typeface="Arial" panose="020B0604020202020204" pitchFamily="34" charset="0"/>
+              <a:buChar char="•"/>
+            </a:pPr>
+            <a:r>
+              <a:rPr lang="en-US" sz="1200" dirty="0">
+                <a:solidFill>
+                  <a:schemeClr val="tx1">
+                    <a:lumMod val="65000"/>
+                    <a:lumOff val="35000"/>
+                  </a:schemeClr>
+                </a:solidFill>
+              </a:rPr>
+              <a:t>Complete documentation to current industry standards or your own company standards.</a:t>
+            </a:r>
+          </a:p>
+          <a:p>
+            <a:pPr marL="628650" lvl="1" indent="-171450">
+              <a:buFont typeface="Arial" panose="020B0604020202020204" pitchFamily="34" charset="0"/>
+              <a:buChar char="•"/>
+            </a:pPr>
+            <a:r>
+              <a:rPr lang="en-US" sz="1200" dirty="0">
+                <a:solidFill>
+                  <a:schemeClr val="tx1">
+                    <a:lumMod val="65000"/>
+                    <a:lumOff val="35000"/>
+                  </a:schemeClr>
+                </a:solidFill>
+              </a:rPr>
+              <a:t>ANSI, ISO, ASME</a:t>
+            </a:r>
+          </a:p>
+          <a:p>
+            <a:pPr marL="628650" lvl="1" indent="-171450">
+              <a:buFont typeface="Arial" panose="020B0604020202020204" pitchFamily="34" charset="0"/>
+              <a:buChar char="•"/>
+            </a:pPr>
+            <a:r>
+              <a:rPr lang="en-US" sz="1200" dirty="0">
+                <a:solidFill>
+                  <a:schemeClr val="tx1">
+                    <a:lumMod val="65000"/>
+                    <a:lumOff val="35000"/>
+                  </a:schemeClr>
+                </a:solidFill>
+              </a:rPr>
+              <a:t>Application of GD&amp;T</a:t>
+            </a:r>
+          </a:p>
+          <a:p>
+            <a:pPr marL="628650" lvl="1" indent="-171450">
+              <a:buFont typeface="Arial" panose="020B0604020202020204" pitchFamily="34" charset="0"/>
+              <a:buChar char="•"/>
+            </a:pPr>
+            <a:r>
+              <a:rPr lang="en-US" sz="1200" dirty="0">
+                <a:solidFill>
+                  <a:schemeClr val="tx1">
+                    <a:lumMod val="65000"/>
+                    <a:lumOff val="35000"/>
+                  </a:schemeClr>
+                </a:solidFill>
+              </a:rPr>
+              <a:t>Intelligent application of tolerances to ensure form, fit, and function at manufacture.</a:t>
+            </a:r>
+          </a:p>
+          <a:p>
+            <a:pPr marL="628650" lvl="1" indent="-171450">
+              <a:buFont typeface="Arial" panose="020B0604020202020204" pitchFamily="34" charset="0"/>
+              <a:buChar char="•"/>
+            </a:pPr>
+            <a:r>
+              <a:rPr lang="en-US" sz="1200" dirty="0">
+                <a:solidFill>
+                  <a:schemeClr val="tx1">
+                    <a:lumMod val="65000"/>
+                    <a:lumOff val="35000"/>
+                  </a:schemeClr>
+                </a:solidFill>
+              </a:rPr>
+              <a:t>Full BOMs</a:t>
+            </a:r>
+          </a:p>
+          <a:p>
+            <a:r>
+              <a:rPr lang="en-US" sz="1200" b="1" dirty="0">
+                <a:solidFill>
+                  <a:schemeClr val="tx1">
+                    <a:lumMod val="65000"/>
+                    <a:lumOff val="35000"/>
+                  </a:schemeClr>
+                </a:solidFill>
+              </a:rPr>
+              <a:t>Reverse Engineering</a:t>
+            </a:r>
+            <a:endParaRPr lang="en-US" sz="1200" dirty="0">
+              <a:solidFill>
+                <a:schemeClr val="tx1">
+                  <a:lumMod val="65000"/>
+                  <a:lumOff val="35000"/>
+                </a:schemeClr>
+              </a:solidFill>
+            </a:endParaRPr>
+          </a:p>
+          <a:p>
+            <a:pPr marL="628650" lvl="1" indent="-171450">
+              <a:buFont typeface="Arial" panose="020B0604020202020204" pitchFamily="34" charset="0"/>
+              <a:buChar char="•"/>
+            </a:pPr>
+            <a:r>
+              <a:rPr lang="en-US" sz="1200" dirty="0">
+                <a:solidFill>
+                  <a:schemeClr val="tx1">
+                    <a:lumMod val="65000"/>
+                    <a:lumOff val="35000"/>
+                  </a:schemeClr>
+                </a:solidFill>
+              </a:rPr>
+              <a:t>Measure and model existing parts or assemblies with application of original design intent.</a:t>
+            </a:r>
+          </a:p>
+          <a:p>
+            <a:pPr marL="628650" lvl="1" indent="-171450">
+              <a:buFont typeface="Arial" panose="020B0604020202020204" pitchFamily="34" charset="0"/>
+              <a:buChar char="•"/>
+            </a:pPr>
+            <a:r>
+              <a:rPr lang="en-US" sz="1200" dirty="0">
+                <a:solidFill>
+                  <a:schemeClr val="tx1">
+                    <a:lumMod val="65000"/>
+                    <a:lumOff val="35000"/>
+                  </a:schemeClr>
+                </a:solidFill>
+              </a:rPr>
+              <a:t>Develop robust CAD models and drawings from 2D prints or non native CAD data</a:t>
+            </a:r>
+          </a:p>
+          <a:p>
+            <a:r>
+              <a:rPr lang="en-US" sz="1200" b="1" dirty="0">
+                <a:solidFill>
+                  <a:schemeClr val="tx1">
+                    <a:lumMod val="65000"/>
+                    <a:lumOff val="35000"/>
+                  </a:schemeClr>
+                </a:solidFill>
+              </a:rPr>
+              <a:t>Drawing Conversion</a:t>
+            </a:r>
+            <a:endParaRPr lang="en-US" sz="1200" dirty="0">
+              <a:solidFill>
+                <a:schemeClr val="tx1">
+                  <a:lumMod val="65000"/>
+                  <a:lumOff val="35000"/>
+                </a:schemeClr>
+              </a:solidFill>
+            </a:endParaRPr>
+          </a:p>
+          <a:p>
+            <a:pPr marL="628650" lvl="1" indent="-171450">
+              <a:buFont typeface="Arial" panose="020B0604020202020204" pitchFamily="34" charset="0"/>
+              <a:buChar char="•"/>
+            </a:pPr>
+            <a:r>
+              <a:rPr lang="en-US" sz="1200" dirty="0">
+                <a:solidFill>
+                  <a:schemeClr val="tx1">
+                    <a:lumMod val="65000"/>
+                    <a:lumOff val="35000"/>
+                  </a:schemeClr>
+                </a:solidFill>
+              </a:rPr>
+              <a:t>Conversion from any format</a:t>
+            </a:r>
+          </a:p>
+          <a:p>
+            <a:pPr marL="628650" lvl="1" indent="-171450">
+              <a:buFont typeface="Arial" panose="020B0604020202020204" pitchFamily="34" charset="0"/>
+              <a:buChar char="•"/>
+            </a:pPr>
+            <a:r>
+              <a:rPr lang="en-US" sz="1200" dirty="0">
+                <a:solidFill>
+                  <a:schemeClr val="tx1">
+                    <a:lumMod val="65000"/>
+                    <a:lumOff val="35000"/>
+                  </a:schemeClr>
+                </a:solidFill>
+              </a:rPr>
+              <a:t>Native CAD Remodeling of older data, STEP, or IGES.</a:t>
+            </a:r>
+          </a:p>
+          <a:p>
+            <a:pPr marL="0" marR="0" lvl="0" indent="0" algn="l" defTabSz="914400" rtl="0" eaLnBrk="1" fontAlgn="base" latinLnBrk="0" hangingPunct="1">
+              <a:spcBef>
+                <a:spcPct val="0"/>
+              </a:spcBef>
+              <a:spcAft>
+                <a:spcPts val="400"/>
+              </a:spcAft>
+              <a:buClrTx/>
+              <a:buSzTx/>
+              <a:buFontTx/>
+              <a:buNone/>
+              <a:tabLst/>
+            </a:pPr>
+            <a:endParaRPr kumimoji="0" lang="en-US" sz="1800" b="0" i="0" u="none" strike="noStrike" cap="none" normalizeH="0" baseline="0" dirty="0">
+              <a:ln>
+                <a:noFill/>
+              </a:ln>
+              <a:solidFill>
+                <a:schemeClr val="tx1"/>
+              </a:solidFill>
+              <a:effectLst/>
+              <a:latin typeface="Arial" pitchFamily="34" charset="0"/>
+              <a:cs typeface="Arial" pitchFamily="34" charset="0"/>
+            </a:endParaRPr>
+          </a:p>
+        </p:txBody>
+      </p:sp>
+      <p:grpSp>
+        <p:nvGrpSpPr>
+          <p:cNvPr id="32" name="Group 31"/>
+          <p:cNvGrpSpPr/>
+          <p:nvPr/>
+        </p:nvGrpSpPr>
+        <p:grpSpPr>
+          <a:xfrm>
+            <a:off x="5486400" y="381000"/>
+            <a:ext cx="1066800" cy="276999"/>
+            <a:chOff x="685800" y="6705600"/>
+            <a:chExt cx="1143000" cy="276999"/>
+          </a:xfrm>
+        </p:grpSpPr>
+        <p:sp>
+          <p:nvSpPr>
+            <p:cNvPr id="33" name="TextBox 32"/>
+            <p:cNvSpPr txBox="1"/>
+            <p:nvPr/>
+          </p:nvSpPr>
+          <p:spPr>
+            <a:xfrm>
+              <a:off x="685800" y="6705600"/>
+              <a:ext cx="1143000" cy="276999"/>
+            </a:xfrm>
+            <a:prstGeom prst="rect">
+              <a:avLst/>
+            </a:prstGeom>
+            <a:noFill/>
+            <a:ln>
+              <a:solidFill>
+                <a:schemeClr val="accent6">
+                  <a:lumMod val="50000"/>
+                </a:schemeClr>
+              </a:solidFill>
+            </a:ln>
+          </p:spPr>
+          <p:txBody>
+            <a:bodyPr wrap="square" rtlCol="0">
+              <a:spAutoFit/>
+            </a:bodyPr>
+            <a:lstStyle/>
+            <a:p>
+              <a:r>
+                <a:rPr lang="en-US" sz="1200" b="1" dirty="0">
+                  <a:solidFill>
+                    <a:schemeClr val="accent6">
+                      <a:lumMod val="50000"/>
+                    </a:schemeClr>
+                  </a:solidFill>
+                </a:rPr>
+                <a:t>Contact us</a:t>
+              </a:r>
+            </a:p>
+          </p:txBody>
+        </p:sp>
+        <p:sp>
+          <p:nvSpPr>
+            <p:cNvPr id="34" name="Right Arrow 33"/>
+            <p:cNvSpPr/>
+            <p:nvPr/>
+          </p:nvSpPr>
+          <p:spPr>
+            <a:xfrm>
+              <a:off x="1573772" y="6818359"/>
+              <a:ext cx="102628" cy="45719"/>
+            </a:xfrm>
+            <a:prstGeom prst="rightArrow">
+              <a:avLst/>
+            </a:prstGeom>
+            <a:solidFill>
+              <a:schemeClr val="accent6">
+                <a:lumMod val="50000"/>
+              </a:schemeClr>
+            </a:solidFill>
+            <a:ln>
+              <a:noFill/>
+            </a:ln>
+          </p:spPr>
+          <p:style>
+            <a:lnRef idx="2">
+              <a:schemeClr val="accent1">
+                <a:shade val="50000"/>
+              </a:schemeClr>
+            </a:lnRef>
+            <a:fillRef idx="1">
+              <a:schemeClr val="accent1"/>
+            </a:fillRef>
+            <a:effectRef idx="0">
+              <a:schemeClr val="accent1"/>
+            </a:effectRef>
+            <a:fontRef idx="minor">
+              <a:schemeClr val="lt1"/>
+            </a:fontRef>
+          </p:style>
+          <p:txBody>
+            <a:bodyPr rtlCol="0" anchor="ctr"/>
+            <a:lstStyle/>
+            <a:p>
+              <a:pPr algn="ctr"/>
+              <a:endParaRPr lang="en-US"/>
+            </a:p>
+          </p:txBody>
+        </p:sp>
+      </p:grpSp>
+      <p:pic>
+        <p:nvPicPr>
+          <p:cNvPr id="28" name="Picture 27" descr="Z:\Employees\bob\pics for tom\E69866-100.jpg">
+            <a:extLst>
+              <a:ext uri="{FF2B5EF4-FFF2-40B4-BE49-F238E27FC236}">
+                <a16:creationId xmlns:a16="http://schemas.microsoft.com/office/drawing/2014/main" id="{DDE02667-F9AE-47A9-8519-D07EE004154F}"/>
+              </a:ext>
+            </a:extLst>
+          </p:cNvPr>
+          <p:cNvPicPr/>
+          <p:nvPr/>
+        </p:nvPicPr>
+        <p:blipFill>
+          <a:blip r:embed="rId4"/>
+          <a:srcRect/>
+          <a:stretch>
+            <a:fillRect/>
+          </a:stretch>
+        </p:blipFill>
+        <p:spPr bwMode="auto">
+          <a:xfrm rot="159622">
+            <a:off x="4727188" y="4624393"/>
+            <a:ext cx="1614170" cy="1054100"/>
+          </a:xfrm>
+          <a:prstGeom prst="rect">
+            <a:avLst/>
+          </a:prstGeom>
+          <a:ln w="12700" cap="sq">
+            <a:solidFill>
+              <a:srgbClr val="000000"/>
+            </a:solidFill>
+            <a:miter lim="800000"/>
+          </a:ln>
+          <a:effectLst>
+            <a:outerShdw blurRad="57150" dist="50800" dir="2700000" algn="tl" rotWithShape="0">
+              <a:srgbClr val="000000">
+                <a:alpha val="40000"/>
+              </a:srgbClr>
+            </a:outerShdw>
+          </a:effectLst>
+        </p:spPr>
+      </p:pic>
+      <p:pic>
+        <p:nvPicPr>
+          <p:cNvPr id="31" name="Picture 30" descr="Z:\Employees\bob\pics for tom\20012643.jpg">
+            <a:extLst>
+              <a:ext uri="{FF2B5EF4-FFF2-40B4-BE49-F238E27FC236}">
+                <a16:creationId xmlns:a16="http://schemas.microsoft.com/office/drawing/2014/main" id="{FE9F347D-7716-4068-A73A-5875FF29A4ED}"/>
+              </a:ext>
+            </a:extLst>
+          </p:cNvPr>
+          <p:cNvPicPr/>
+          <p:nvPr/>
+        </p:nvPicPr>
+        <p:blipFill>
+          <a:blip r:embed="rId5"/>
+          <a:srcRect/>
+          <a:stretch>
+            <a:fillRect/>
+          </a:stretch>
+        </p:blipFill>
+        <p:spPr bwMode="auto">
+          <a:xfrm rot="21174824">
+            <a:off x="3427343" y="5186368"/>
+            <a:ext cx="1841500" cy="1193800"/>
+          </a:xfrm>
+          <a:prstGeom prst="rect">
+            <a:avLst/>
+          </a:prstGeom>
+          <a:ln w="12700" cap="sq">
+            <a:solidFill>
+              <a:srgbClr val="000000"/>
+            </a:solidFill>
+            <a:miter lim="800000"/>
+          </a:ln>
+          <a:effectLst>
+            <a:outerShdw blurRad="57150" dist="50800" dir="2700000" algn="tl" rotWithShape="0">
+              <a:srgbClr val="000000">
+                <a:alpha val="40000"/>
+              </a:srgbClr>
+            </a:outerShdw>
+          </a:effectLst>
+        </p:spPr>
+      </p:pic>
+      <p:pic>
+        <p:nvPicPr>
+          <p:cNvPr id="35" name="Picture 34" descr="Z:\Employees\bob\pics for tom\7981 MAIN ASSEMBLY.JPG">
+            <a:extLst>
+              <a:ext uri="{FF2B5EF4-FFF2-40B4-BE49-F238E27FC236}">
+                <a16:creationId xmlns:a16="http://schemas.microsoft.com/office/drawing/2014/main" id="{F642849C-5CF2-4BE8-8A71-B4EBB1B9515E}"/>
+              </a:ext>
+            </a:extLst>
+          </p:cNvPr>
+          <p:cNvPicPr/>
+          <p:nvPr/>
+        </p:nvPicPr>
+        <p:blipFill>
+          <a:blip r:embed="rId6"/>
+          <a:srcRect/>
+          <a:stretch>
+            <a:fillRect/>
+          </a:stretch>
+        </p:blipFill>
+        <p:spPr bwMode="auto">
+          <a:xfrm rot="433978">
+            <a:off x="4516368" y="5786443"/>
+            <a:ext cx="1704975" cy="1125220"/>
+          </a:xfrm>
+          <a:prstGeom prst="rect">
+            <a:avLst/>
+          </a:prstGeom>
+          <a:ln w="12700" cap="sq">
+            <a:solidFill>
+              <a:srgbClr val="000000"/>
+            </a:solidFill>
+            <a:miter lim="800000"/>
+          </a:ln>
+          <a:effectLst>
+            <a:outerShdw blurRad="57150" dist="50800" dir="2700000" algn="tl" rotWithShape="0">
+              <a:srgbClr val="000000">
+                <a:alpha val="40000"/>
+              </a:srgbClr>
+            </a:outerShdw>
+          </a:effectLst>
+        </p:spPr>
+      </p:pic>
+      <p:pic>
+        <p:nvPicPr>
+          <p:cNvPr id="36" name="Picture 35" descr="Z:\Employees\bob\pics for tom\E39174-100.jpg">
+            <a:extLst>
+              <a:ext uri="{FF2B5EF4-FFF2-40B4-BE49-F238E27FC236}">
+                <a16:creationId xmlns:a16="http://schemas.microsoft.com/office/drawing/2014/main" id="{2C749FED-08D4-44C1-99C2-E370E7CC91C2}"/>
+              </a:ext>
+            </a:extLst>
+          </p:cNvPr>
+          <p:cNvPicPr/>
+          <p:nvPr/>
+        </p:nvPicPr>
+        <p:blipFill>
+          <a:blip r:embed="rId7"/>
+          <a:srcRect/>
+          <a:stretch>
+            <a:fillRect/>
+          </a:stretch>
+        </p:blipFill>
+        <p:spPr bwMode="auto">
+          <a:xfrm rot="716307">
+            <a:off x="3373368" y="4092263"/>
+            <a:ext cx="1704975" cy="1123950"/>
+          </a:xfrm>
+          <a:prstGeom prst="rect">
+            <a:avLst/>
+          </a:prstGeom>
+          <a:ln w="12700" cap="sq">
+            <a:solidFill>
+              <a:srgbClr val="000000"/>
+            </a:solidFill>
+            <a:miter lim="800000"/>
+          </a:ln>
+          <a:effectLst>
+            <a:outerShdw blurRad="57150" dist="50800" dir="2700000" algn="tl" rotWithShape="0">
+              <a:srgbClr val="000000">
+                <a:alpha val="40000"/>
+              </a:srgbClr>
+            </a:outerShdw>
+          </a:effectLst>
+        </p:spPr>
+      </p:pic>
+      <p:pic>
+        <p:nvPicPr>
+          <p:cNvPr id="38" name="Picture 37" descr="Z:\Employees\bob\pics for tom\P006850.JPG">
+            <a:extLst>
+              <a:ext uri="{FF2B5EF4-FFF2-40B4-BE49-F238E27FC236}">
+                <a16:creationId xmlns:a16="http://schemas.microsoft.com/office/drawing/2014/main" id="{D31111D2-6862-4656-B6B4-8BCC77DE9D05}"/>
+              </a:ext>
+            </a:extLst>
+          </p:cNvPr>
+          <p:cNvPicPr/>
+          <p:nvPr/>
+        </p:nvPicPr>
+        <p:blipFill>
+          <a:blip r:embed="rId8"/>
+          <a:srcRect/>
+          <a:stretch>
+            <a:fillRect/>
+          </a:stretch>
+        </p:blipFill>
+        <p:spPr bwMode="auto">
+          <a:xfrm rot="21282707">
+            <a:off x="3516243" y="6683063"/>
+            <a:ext cx="1854200" cy="1228725"/>
+          </a:xfrm>
+          <a:prstGeom prst="rect">
+            <a:avLst/>
+          </a:prstGeom>
+          <a:ln w="12700" cap="sq">
+            <a:solidFill>
+              <a:srgbClr val="000000"/>
+            </a:solidFill>
+            <a:miter lim="800000"/>
+          </a:ln>
+          <a:effectLst>
+            <a:outerShdw blurRad="57150" dist="50800" dir="2700000" algn="tl" rotWithShape="0">
+              <a:srgbClr val="000000">
+                <a:alpha val="40000"/>
+              </a:srgbClr>
+            </a:outerShdw>
+          </a:effectLst>
+        </p:spPr>
+      </p:pic>
+      <p:pic>
+        <p:nvPicPr>
+          <p:cNvPr id="39" name="Picture 38" descr="Z:\Employees\bob\pics for tom\E031-512-103.JPG">
+            <a:extLst>
+              <a:ext uri="{FF2B5EF4-FFF2-40B4-BE49-F238E27FC236}">
+                <a16:creationId xmlns:a16="http://schemas.microsoft.com/office/drawing/2014/main" id="{7E461252-C509-4CA4-8A64-387BD8850E56}"/>
+              </a:ext>
+            </a:extLst>
+          </p:cNvPr>
+          <p:cNvPicPr/>
+          <p:nvPr/>
+        </p:nvPicPr>
+        <p:blipFill>
+          <a:blip r:embed="rId9"/>
+          <a:srcRect/>
+          <a:stretch>
+            <a:fillRect/>
+          </a:stretch>
+        </p:blipFill>
+        <p:spPr bwMode="auto">
+          <a:xfrm rot="720476">
+            <a:off x="4885938" y="6892613"/>
+            <a:ext cx="1404620" cy="1122045"/>
+          </a:xfrm>
+          <a:prstGeom prst="rect">
+            <a:avLst/>
+          </a:prstGeom>
+          <a:ln w="12700" cap="sq">
+            <a:solidFill>
+              <a:srgbClr val="000000"/>
+            </a:solidFill>
+            <a:miter lim="800000"/>
+          </a:ln>
+          <a:effectLst>
+            <a:outerShdw blurRad="57150" dist="50800" dir="2700000" algn="tl" rotWithShape="0">
+              <a:srgbClr val="000000">
+                <a:alpha val="40000"/>
+              </a:srgbClr>
+            </a:outerShdw>
+          </a:effectLst>
+        </p:spPr>
+      </p:pic>
+      <p:pic>
+        <p:nvPicPr>
+          <p:cNvPr id="40" name="Picture 39" descr="Z:\Employees\bob\pics for tom\09-3616-0014.jpg">
+            <a:extLst>
+              <a:ext uri="{FF2B5EF4-FFF2-40B4-BE49-F238E27FC236}">
+                <a16:creationId xmlns:a16="http://schemas.microsoft.com/office/drawing/2014/main" id="{352212C2-475A-4C76-B50F-4D1634382488}"/>
+              </a:ext>
+            </a:extLst>
+          </p:cNvPr>
+          <p:cNvPicPr/>
+          <p:nvPr/>
+        </p:nvPicPr>
+        <p:blipFill>
+          <a:blip r:embed="rId10"/>
+          <a:srcRect/>
+          <a:stretch>
+            <a:fillRect/>
+          </a:stretch>
+        </p:blipFill>
+        <p:spPr bwMode="auto">
+          <a:xfrm rot="21327328">
+            <a:off x="4910068" y="3602043"/>
+            <a:ext cx="1334770" cy="1036320"/>
+          </a:xfrm>
+          <a:prstGeom prst="rect">
+            <a:avLst/>
+          </a:prstGeom>
+          <a:ln w="12700" cap="sq">
+            <a:solidFill>
+              <a:srgbClr val="000000"/>
+            </a:solidFill>
+            <a:miter lim="800000"/>
+          </a:ln>
+          <a:effectLst>
+            <a:outerShdw blurRad="57150" dist="50800" dir="2700000" algn="tl" rotWithShape="0">
+              <a:srgbClr val="000000">
+                <a:alpha val="40000"/>
+              </a:srgbClr>
+            </a:outerShdw>
+          </a:effectLst>
+        </p:spPr>
+      </p:pic>
+    </p:spTree>
+    <p:extLst>
+      <p:ext uri="{BB962C8B-B14F-4D97-AF65-F5344CB8AC3E}">
+        <p14:creationId xmlns:p14="http://schemas.microsoft.com/office/powerpoint/2010/main" val="2007740232"/>
+      </p:ext>
+    </p:extLst>
+  </p:cSld>
+  <p:clrMapOvr>
+    <a:masterClrMapping/>
+  </p:clrMapOvr>
+</p:sld>
+</file>
+
+<file path=ppt/slides/slide4.xml><?xml version="1.0" encoding="utf-8"?>
+<p:sld xmlns:a="http://schemas.openxmlformats.org/drawingml/2006/main" xmlns:r="http://schemas.openxmlformats.org/officeDocument/2006/relationships" xmlns:p="http://schemas.openxmlformats.org/presentationml/2006/main">
+  <p:cSld>
+    <p:spTree>
+      <p:nvGrpSpPr>
+        <p:cNvPr id="1" name=""/>
+        <p:cNvGrpSpPr/>
+        <p:nvPr/>
+      </p:nvGrpSpPr>
+      <p:grpSpPr>
+        <a:xfrm>
+          <a:off x="0" y="0"/>
+          <a:ext cx="0" cy="0"/>
+          <a:chOff x="0" y="0"/>
+          <a:chExt cx="0" cy="0"/>
+        </a:xfrm>
+      </p:grpSpPr>
+      <p:pic>
+        <p:nvPicPr>
+          <p:cNvPr id="7" name="Picture 6"/>
+          <p:cNvPicPr/>
+          <p:nvPr/>
+        </p:nvPicPr>
+        <p:blipFill>
+          <a:blip r:embed="rId2" cstate="print"/>
+          <a:srcRect/>
+          <a:stretch>
+            <a:fillRect/>
+          </a:stretch>
+        </p:blipFill>
+        <p:spPr bwMode="auto">
+          <a:xfrm>
+            <a:off x="0" y="0"/>
+            <a:ext cx="6858000" cy="4571999"/>
+          </a:xfrm>
+          <a:prstGeom prst="rect">
+            <a:avLst/>
+          </a:prstGeom>
+          <a:noFill/>
+          <a:ln w="9525">
+            <a:noFill/>
+            <a:miter lim="800000"/>
+            <a:headEnd/>
+            <a:tailEnd/>
+          </a:ln>
+        </p:spPr>
+      </p:pic>
+      <p:sp>
+        <p:nvSpPr>
+          <p:cNvPr id="1027" name="Text Box 3"/>
+          <p:cNvSpPr txBox="1">
+            <a:spLocks noChangeArrowheads="1"/>
+          </p:cNvSpPr>
+          <p:nvPr/>
+        </p:nvSpPr>
+        <p:spPr bwMode="auto">
+          <a:xfrm>
+            <a:off x="1066800" y="1066800"/>
+            <a:ext cx="5151437" cy="300037"/>
+          </a:xfrm>
+          <a:prstGeom prst="rect">
+            <a:avLst/>
+          </a:prstGeom>
+          <a:noFill/>
+          <a:ln w="9525">
+            <a:noFill/>
+            <a:miter lim="800000"/>
+            <a:headEnd/>
+            <a:tailEnd/>
+          </a:ln>
+        </p:spPr>
+        <p:txBody>
+          <a:bodyPr vert="horz" wrap="square" lIns="91440" tIns="45720" rIns="91440" bIns="45720" numCol="1" anchor="t" anchorCtr="0" compatLnSpc="1">
+            <a:prstTxWarp prst="textNoShape">
+              <a:avLst/>
+            </a:prstTxWarp>
+          </a:bodyPr>
+          <a:lstStyle/>
+          <a:p>
+            <a:pPr marL="0" marR="0" lvl="0" indent="0" algn="l" defTabSz="914400" rtl="0" eaLnBrk="1" fontAlgn="base" latinLnBrk="0" hangingPunct="1">
+              <a:lnSpc>
+                <a:spcPct val="100000"/>
+              </a:lnSpc>
+              <a:spcBef>
+                <a:spcPct val="0"/>
+              </a:spcBef>
+              <a:spcAft>
+                <a:spcPts val="1000"/>
+              </a:spcAft>
+              <a:buClrTx/>
+              <a:buSzTx/>
+              <a:buFontTx/>
+              <a:buNone/>
+              <a:tabLst/>
+            </a:pPr>
+            <a:r>
+              <a:rPr kumimoji="0" lang="en-US" altLang="ja-JP" sz="1100" b="1" i="0" u="none" strike="noStrike" cap="none" normalizeH="0" baseline="0" dirty="0">
+                <a:ln>
+                  <a:noFill/>
+                </a:ln>
+                <a:solidFill>
+                  <a:srgbClr val="FFFFFF"/>
+                </a:solidFill>
+                <a:effectLst/>
+                <a:latin typeface="Calibri" pitchFamily="34" charset="0"/>
+                <a:ea typeface="MS Mincho" pitchFamily="49" charset="-128"/>
+                <a:cs typeface="Arial" pitchFamily="34" charset="0"/>
+              </a:rPr>
+              <a:t>HOME        ENGINEERING   </a:t>
+            </a:r>
+            <a:r>
+              <a:rPr lang="en-US" altLang="ja-JP" sz="1100" b="1" dirty="0">
+                <a:solidFill>
+                  <a:srgbClr val="FFFFFF"/>
+                </a:solidFill>
+                <a:latin typeface="Times New Roman" pitchFamily="18" charset="0"/>
+                <a:ea typeface="MS Mincho" pitchFamily="49" charset="-128"/>
+                <a:cs typeface="Arial" pitchFamily="34" charset="0"/>
+              </a:rPr>
+              <a:t>    </a:t>
+            </a:r>
+            <a:r>
+              <a:rPr kumimoji="0" lang="en-US" altLang="ja-JP" sz="1100" b="1" i="0" u="none" strike="noStrike" cap="none" normalizeH="0" baseline="0" dirty="0">
+                <a:ln>
+                  <a:noFill/>
+                </a:ln>
+                <a:solidFill>
+                  <a:srgbClr val="FFFFFF"/>
+                </a:solidFill>
+                <a:effectLst/>
+                <a:latin typeface="Calibri" pitchFamily="34" charset="0"/>
+                <a:ea typeface="MS Mincho" pitchFamily="49" charset="-128"/>
+                <a:cs typeface="Arial" pitchFamily="34" charset="0"/>
+              </a:rPr>
+              <a:t>STAFFING</a:t>
+            </a:r>
+            <a:r>
+              <a:rPr lang="en-US" altLang="ja-JP" sz="1100" b="1" dirty="0">
+                <a:solidFill>
+                  <a:srgbClr val="FFFFFF"/>
+                </a:solidFill>
+                <a:latin typeface="Calibri" pitchFamily="34" charset="0"/>
+                <a:ea typeface="MS Mincho" pitchFamily="49" charset="-128"/>
+                <a:cs typeface="Arial" pitchFamily="34" charset="0"/>
+              </a:rPr>
+              <a:t>        </a:t>
+            </a:r>
+            <a:r>
+              <a:rPr kumimoji="0" lang="en-US" altLang="ja-JP" sz="1100" b="1" i="0" u="none" strike="noStrike" cap="none" normalizeH="0" baseline="0" dirty="0">
+                <a:ln>
+                  <a:noFill/>
+                </a:ln>
+                <a:solidFill>
+                  <a:srgbClr val="FFFFFF"/>
+                </a:solidFill>
+                <a:effectLst/>
+                <a:latin typeface="Calibri" pitchFamily="34" charset="0"/>
+                <a:ea typeface="MS Mincho" pitchFamily="49" charset="-128"/>
+                <a:cs typeface="Arial" pitchFamily="34" charset="0"/>
+              </a:rPr>
+              <a:t>COMPANY</a:t>
+            </a:r>
+            <a:r>
+              <a:rPr lang="en-US" altLang="ja-JP" sz="1100" b="1" dirty="0">
+                <a:solidFill>
+                  <a:srgbClr val="FFFFFF"/>
+                </a:solidFill>
+                <a:latin typeface="Calibri" pitchFamily="34" charset="0"/>
+                <a:ea typeface="MS Mincho" pitchFamily="49" charset="-128"/>
+                <a:cs typeface="Arial" pitchFamily="34" charset="0"/>
+              </a:rPr>
+              <a:t>         </a:t>
+            </a:r>
+            <a:r>
+              <a:rPr kumimoji="0" lang="en-US" altLang="ja-JP" sz="1100" b="1" i="0" u="none" strike="noStrike" cap="none" normalizeH="0" baseline="0" dirty="0">
+                <a:ln>
+                  <a:noFill/>
+                </a:ln>
+                <a:solidFill>
+                  <a:srgbClr val="FFFFFF"/>
+                </a:solidFill>
+                <a:effectLst/>
+                <a:latin typeface="Calibri" pitchFamily="34" charset="0"/>
+                <a:ea typeface="MS Mincho" pitchFamily="49" charset="-128"/>
+                <a:cs typeface="Arial" pitchFamily="34" charset="0"/>
+              </a:rPr>
+              <a:t>CONTACT</a:t>
+            </a:r>
+            <a:endParaRPr kumimoji="0" lang="en-US" sz="1800" b="0" i="0" u="none" strike="noStrike" cap="none" normalizeH="0" baseline="0" dirty="0">
+              <a:ln>
+                <a:noFill/>
+              </a:ln>
+              <a:solidFill>
+                <a:schemeClr val="tx1"/>
+              </a:solidFill>
+              <a:effectLst/>
+              <a:latin typeface="Arial" pitchFamily="34" charset="0"/>
+              <a:cs typeface="Arial" pitchFamily="34" charset="0"/>
+            </a:endParaRPr>
+          </a:p>
+        </p:txBody>
+      </p:sp>
+      <p:sp>
+        <p:nvSpPr>
+          <p:cNvPr id="10" name="Rectangle 9"/>
+          <p:cNvSpPr/>
+          <p:nvPr/>
+        </p:nvSpPr>
+        <p:spPr>
+          <a:xfrm>
+            <a:off x="533400" y="0"/>
+            <a:ext cx="1219200" cy="914400"/>
+          </a:xfrm>
+          <a:prstGeom prst="rect">
+            <a:avLst/>
+          </a:prstGeom>
+          <a:solidFill>
+            <a:schemeClr val="bg1"/>
+          </a:solidFill>
+          <a:ln>
+            <a:noFill/>
+          </a:ln>
+        </p:spPr>
+        <p:style>
+          <a:lnRef idx="2">
+            <a:schemeClr val="accent1">
+              <a:shade val="50000"/>
+            </a:schemeClr>
+          </a:lnRef>
+          <a:fillRef idx="1">
+            <a:schemeClr val="accent1"/>
+          </a:fillRef>
+          <a:effectRef idx="0">
+            <a:schemeClr val="accent1"/>
+          </a:effectRef>
+          <a:fontRef idx="minor">
+            <a:schemeClr val="lt1"/>
+          </a:fontRef>
+        </p:style>
+        <p:txBody>
+          <a:bodyPr rtlCol="0" anchor="ctr"/>
+          <a:lstStyle/>
+          <a:p>
+            <a:pPr algn="ctr"/>
+            <a:endParaRPr lang="en-US"/>
+          </a:p>
+        </p:txBody>
+      </p:sp>
+      <p:pic>
+        <p:nvPicPr>
+          <p:cNvPr id="5" name="Picture 4"/>
+          <p:cNvPicPr/>
+          <p:nvPr/>
+        </p:nvPicPr>
+        <p:blipFill>
+          <a:blip r:embed="rId3" cstate="print">
+            <a:extLst>
+              <a:ext uri="{28A0092B-C50C-407E-A947-70E740481C1C}">
+                <a14:useLocalDpi xmlns:a14="http://schemas.microsoft.com/office/drawing/2010/main" val="0"/>
+              </a:ext>
+            </a:extLst>
+          </a:blip>
+          <a:srcRect/>
+          <a:stretch>
+            <a:fillRect/>
+          </a:stretch>
+        </p:blipFill>
+        <p:spPr bwMode="auto">
+          <a:xfrm>
+            <a:off x="457200" y="0"/>
+            <a:ext cx="1364907" cy="889686"/>
+          </a:xfrm>
+          <a:prstGeom prst="rect">
+            <a:avLst/>
+          </a:prstGeom>
+          <a:noFill/>
+        </p:spPr>
+      </p:pic>
+      <p:sp>
+        <p:nvSpPr>
+          <p:cNvPr id="16" name="Rectangle 15"/>
+          <p:cNvSpPr/>
+          <p:nvPr/>
+        </p:nvSpPr>
+        <p:spPr>
+          <a:xfrm>
+            <a:off x="0" y="2362200"/>
+            <a:ext cx="6858000" cy="2590800"/>
+          </a:xfrm>
+          <a:prstGeom prst="rect">
+            <a:avLst/>
+          </a:prstGeom>
+          <a:solidFill>
+            <a:schemeClr val="bg1"/>
+          </a:solidFill>
+          <a:ln>
+            <a:noFill/>
+          </a:ln>
+        </p:spPr>
+        <p:style>
+          <a:lnRef idx="2">
+            <a:schemeClr val="accent1">
+              <a:shade val="50000"/>
+            </a:schemeClr>
+          </a:lnRef>
+          <a:fillRef idx="1">
+            <a:schemeClr val="accent1"/>
+          </a:fillRef>
+          <a:effectRef idx="0">
+            <a:schemeClr val="accent1"/>
+          </a:effectRef>
+          <a:fontRef idx="minor">
+            <a:schemeClr val="lt1"/>
+          </a:fontRef>
+        </p:style>
+        <p:txBody>
+          <a:bodyPr rtlCol="0" anchor="ctr"/>
+          <a:lstStyle/>
+          <a:p>
+            <a:pPr algn="ctr"/>
+            <a:endParaRPr lang="en-US"/>
+          </a:p>
+        </p:txBody>
+      </p:sp>
+      <p:sp>
+        <p:nvSpPr>
+          <p:cNvPr id="1032" name="Text Box 8"/>
+          <p:cNvSpPr txBox="1">
+            <a:spLocks noChangeArrowheads="1"/>
+          </p:cNvSpPr>
+          <p:nvPr/>
+        </p:nvSpPr>
+        <p:spPr bwMode="auto">
+          <a:xfrm>
+            <a:off x="838200" y="8305800"/>
+            <a:ext cx="5151437" cy="646112"/>
+          </a:xfrm>
+          <a:prstGeom prst="rect">
+            <a:avLst/>
+          </a:prstGeom>
+          <a:noFill/>
+          <a:ln w="9525">
+            <a:noFill/>
+            <a:miter lim="800000"/>
+            <a:headEnd/>
+            <a:tailEnd/>
+          </a:ln>
+        </p:spPr>
+        <p:txBody>
+          <a:bodyPr vert="horz" wrap="square" lIns="91440" tIns="45720" rIns="91440" bIns="45720" numCol="1" anchor="t" anchorCtr="0" compatLnSpc="1">
+            <a:prstTxWarp prst="textNoShape">
+              <a:avLst/>
+            </a:prstTxWarp>
+          </a:bodyPr>
+          <a:lstStyle/>
+          <a:p>
+            <a:pPr marL="0" marR="0" lvl="0" indent="0" algn="ctr" defTabSz="914400" rtl="0" eaLnBrk="1" fontAlgn="base" latinLnBrk="0" hangingPunct="1">
+              <a:lnSpc>
+                <a:spcPct val="100000"/>
+              </a:lnSpc>
+              <a:spcBef>
+                <a:spcPct val="0"/>
+              </a:spcBef>
+              <a:spcAft>
+                <a:spcPts val="1000"/>
+              </a:spcAft>
+              <a:buClrTx/>
+              <a:buSzTx/>
+              <a:buFontTx/>
+              <a:buNone/>
+              <a:tabLst/>
+            </a:pPr>
+            <a:r>
+              <a:rPr kumimoji="0" lang="en-US" altLang="ja-JP" sz="1100" b="1" i="0" u="none" strike="noStrike" cap="none" normalizeH="0" baseline="0" dirty="0">
+                <a:ln>
+                  <a:noFill/>
+                </a:ln>
+                <a:solidFill>
+                  <a:srgbClr val="595959"/>
+                </a:solidFill>
+                <a:effectLst/>
+                <a:latin typeface="Calibri" pitchFamily="34" charset="0"/>
+                <a:ea typeface="MS Mincho" pitchFamily="49" charset="-128"/>
+                <a:cs typeface="Arial" pitchFamily="34" charset="0"/>
+              </a:rPr>
+              <a:t>HOME | ENGINEERING | STAFFING | COMPANY | CONTACT</a:t>
+            </a:r>
+          </a:p>
+          <a:p>
+            <a:pPr marL="0" marR="0" lvl="0" indent="0" algn="ctr" defTabSz="914400" rtl="0" eaLnBrk="1" fontAlgn="base" latinLnBrk="0" hangingPunct="1">
+              <a:lnSpc>
+                <a:spcPct val="100000"/>
+              </a:lnSpc>
+              <a:spcBef>
+                <a:spcPct val="0"/>
+              </a:spcBef>
+              <a:spcAft>
+                <a:spcPts val="1000"/>
+              </a:spcAft>
+              <a:buClrTx/>
+              <a:buSzTx/>
+              <a:buFontTx/>
+              <a:buNone/>
+              <a:tabLst/>
+            </a:pPr>
+            <a:r>
+              <a:rPr kumimoji="0" lang="en-US" altLang="ja-JP" sz="1100" b="1" i="0" u="none" strike="noStrike" cap="none" normalizeH="0" baseline="0" dirty="0">
+                <a:ln>
+                  <a:noFill/>
+                </a:ln>
+                <a:solidFill>
+                  <a:srgbClr val="595959"/>
+                </a:solidFill>
+                <a:effectLst/>
+                <a:latin typeface="Calibri" pitchFamily="34" charset="0"/>
+                <a:ea typeface="MS Mincho" pitchFamily="49" charset="-128"/>
+                <a:cs typeface="Arial" pitchFamily="34" charset="0"/>
+              </a:rPr>
+              <a:t>© 2019 DESIGN RESOURCE, INC.</a:t>
+            </a:r>
+          </a:p>
+          <a:p>
+            <a:pPr marL="0" marR="0" lvl="0" indent="0" algn="l" defTabSz="914400" rtl="0" eaLnBrk="1" fontAlgn="base" latinLnBrk="0" hangingPunct="1">
+              <a:lnSpc>
+                <a:spcPct val="100000"/>
+              </a:lnSpc>
+              <a:spcBef>
+                <a:spcPct val="0"/>
+              </a:spcBef>
+              <a:spcAft>
+                <a:spcPts val="1000"/>
+              </a:spcAft>
+              <a:buClrTx/>
+              <a:buSzTx/>
+              <a:buFontTx/>
+              <a:buNone/>
+              <a:tabLst/>
+            </a:pPr>
+            <a:endParaRPr kumimoji="0" lang="en-US" altLang="ja-JP" sz="1100" b="1" i="0" u="none" strike="noStrike" cap="none" normalizeH="0" baseline="0" dirty="0">
+              <a:ln>
+                <a:noFill/>
+              </a:ln>
+              <a:solidFill>
+                <a:srgbClr val="595959"/>
+              </a:solidFill>
+              <a:effectLst/>
+              <a:latin typeface="Times New Roman" pitchFamily="18" charset="0"/>
+              <a:ea typeface="MS Mincho" pitchFamily="49" charset="-128"/>
+              <a:cs typeface="Arial" pitchFamily="34" charset="0"/>
+            </a:endParaRPr>
+          </a:p>
+          <a:p>
+            <a:pPr marL="0" marR="0" lvl="0" indent="0" algn="l" defTabSz="914400" rtl="0" eaLnBrk="1" fontAlgn="base" latinLnBrk="0" hangingPunct="1">
+              <a:lnSpc>
+                <a:spcPct val="100000"/>
+              </a:lnSpc>
+              <a:spcBef>
+                <a:spcPct val="0"/>
+              </a:spcBef>
+              <a:spcAft>
+                <a:spcPct val="0"/>
+              </a:spcAft>
+              <a:buClrTx/>
+              <a:buSzTx/>
+              <a:buFontTx/>
+              <a:buNone/>
+              <a:tabLst/>
+            </a:pPr>
+            <a:endParaRPr kumimoji="0" lang="en-US" sz="1800" b="0" i="0" u="none" strike="noStrike" cap="none" normalizeH="0" baseline="0" dirty="0">
+              <a:ln>
+                <a:noFill/>
+              </a:ln>
+              <a:solidFill>
+                <a:schemeClr val="tx1"/>
+              </a:solidFill>
+              <a:effectLst/>
+              <a:latin typeface="Arial" pitchFamily="34" charset="0"/>
+              <a:cs typeface="Arial" pitchFamily="34" charset="0"/>
+            </a:endParaRPr>
+          </a:p>
+        </p:txBody>
+      </p:sp>
+      <p:sp>
+        <p:nvSpPr>
+          <p:cNvPr id="41" name="Rectangle 40"/>
+          <p:cNvSpPr/>
+          <p:nvPr/>
+        </p:nvSpPr>
+        <p:spPr>
+          <a:xfrm>
+            <a:off x="2362200" y="304800"/>
+            <a:ext cx="3142592" cy="369332"/>
+          </a:xfrm>
+          <a:prstGeom prst="rect">
+            <a:avLst/>
+          </a:prstGeom>
+        </p:spPr>
+        <p:txBody>
+          <a:bodyPr wrap="none">
+            <a:spAutoFit/>
+          </a:bodyPr>
+          <a:lstStyle/>
+          <a:p>
+            <a:r>
+              <a:rPr lang="en-US" i="1" dirty="0">
+                <a:solidFill>
+                  <a:schemeClr val="tx1">
+                    <a:lumMod val="65000"/>
+                    <a:lumOff val="35000"/>
+                  </a:schemeClr>
+                </a:solidFill>
+              </a:rPr>
+              <a:t>Value driven. Quality sustained.</a:t>
+            </a:r>
+          </a:p>
+        </p:txBody>
+      </p:sp>
+      <p:sp>
+        <p:nvSpPr>
+          <p:cNvPr id="29" name="Rectangle 28"/>
+          <p:cNvSpPr/>
+          <p:nvPr/>
+        </p:nvSpPr>
+        <p:spPr>
+          <a:xfrm>
+            <a:off x="0" y="1447800"/>
+            <a:ext cx="6858000" cy="914400"/>
+          </a:xfrm>
+          <a:prstGeom prst="rect">
+            <a:avLst/>
+          </a:prstGeom>
+          <a:solidFill>
+            <a:schemeClr val="accent1">
+              <a:lumMod val="50000"/>
+            </a:schemeClr>
+          </a:solidFill>
+          <a:ln>
+            <a:noFill/>
+          </a:ln>
+        </p:spPr>
+        <p:style>
+          <a:lnRef idx="2">
+            <a:schemeClr val="accent1">
+              <a:shade val="50000"/>
+            </a:schemeClr>
+          </a:lnRef>
+          <a:fillRef idx="1">
+            <a:schemeClr val="accent1"/>
+          </a:fillRef>
+          <a:effectRef idx="0">
+            <a:schemeClr val="accent1"/>
+          </a:effectRef>
+          <a:fontRef idx="minor">
+            <a:schemeClr val="lt1"/>
+          </a:fontRef>
+        </p:style>
+        <p:txBody>
+          <a:bodyPr rtlCol="0" anchor="ctr"/>
+          <a:lstStyle/>
+          <a:p>
+            <a:pPr algn="ctr"/>
+            <a:endParaRPr lang="en-US"/>
+          </a:p>
+        </p:txBody>
+      </p:sp>
+      <p:sp>
+        <p:nvSpPr>
+          <p:cNvPr id="1026" name="Text Box 2"/>
+          <p:cNvSpPr txBox="1">
+            <a:spLocks noChangeArrowheads="1"/>
+          </p:cNvSpPr>
+          <p:nvPr/>
+        </p:nvSpPr>
+        <p:spPr bwMode="auto">
+          <a:xfrm>
+            <a:off x="457200" y="1600200"/>
+            <a:ext cx="5867400" cy="533400"/>
+          </a:xfrm>
+          <a:prstGeom prst="rect">
+            <a:avLst/>
+          </a:prstGeom>
+          <a:noFill/>
+          <a:ln w="9525">
+            <a:noFill/>
+            <a:miter lim="800000"/>
+            <a:headEnd/>
+            <a:tailEnd/>
+          </a:ln>
+        </p:spPr>
+        <p:txBody>
+          <a:bodyPr vert="horz" wrap="square" lIns="91440" tIns="45720" rIns="91440" bIns="45720" numCol="1" anchor="t" anchorCtr="0" compatLnSpc="1">
+            <a:prstTxWarp prst="textNoShape">
+              <a:avLst/>
+            </a:prstTxWarp>
+          </a:bodyPr>
+          <a:lstStyle/>
+          <a:p>
+            <a:pPr marL="0" marR="0" lvl="0" indent="0" algn="ctr" defTabSz="914400" rtl="0" eaLnBrk="1" fontAlgn="base" latinLnBrk="0" hangingPunct="1">
+              <a:lnSpc>
+                <a:spcPct val="100000"/>
+              </a:lnSpc>
+              <a:spcBef>
+                <a:spcPct val="0"/>
+              </a:spcBef>
+              <a:spcAft>
+                <a:spcPts val="1000"/>
+              </a:spcAft>
+              <a:buClrTx/>
+              <a:buSzTx/>
+              <a:buFontTx/>
+              <a:buNone/>
+              <a:tabLst/>
+            </a:pPr>
+            <a:r>
+              <a:rPr kumimoji="0" lang="en-US" altLang="ja-JP" sz="2800" b="1" i="0" u="none" strike="noStrike" cap="none" normalizeH="0" baseline="0" dirty="0">
+                <a:ln>
+                  <a:noFill/>
+                </a:ln>
+                <a:solidFill>
+                  <a:srgbClr val="FFFFFF"/>
+                </a:solidFill>
+                <a:effectLst/>
+                <a:latin typeface="Calibri" pitchFamily="34" charset="0"/>
+                <a:ea typeface="MS Mincho" pitchFamily="49" charset="-128"/>
+                <a:cs typeface="Arial" pitchFamily="34" charset="0"/>
+              </a:rPr>
+              <a:t>Product Development</a:t>
+            </a:r>
+          </a:p>
+        </p:txBody>
+      </p:sp>
+      <p:sp>
+        <p:nvSpPr>
+          <p:cNvPr id="2050" name="Text Box 2"/>
+          <p:cNvSpPr txBox="1">
+            <a:spLocks noChangeArrowheads="1"/>
+          </p:cNvSpPr>
+          <p:nvPr/>
+        </p:nvSpPr>
+        <p:spPr bwMode="auto">
+          <a:xfrm>
+            <a:off x="685800" y="2514600"/>
+            <a:ext cx="5597996" cy="768350"/>
+          </a:xfrm>
+          <a:prstGeom prst="rect">
+            <a:avLst/>
+          </a:prstGeom>
+          <a:solidFill>
+            <a:srgbClr val="FFFFFF"/>
+          </a:solidFill>
+          <a:ln w="9525">
+            <a:noFill/>
+            <a:miter lim="800000"/>
+            <a:headEnd/>
+            <a:tailEnd/>
+          </a:ln>
+        </p:spPr>
+        <p:txBody>
+          <a:bodyPr vert="horz" wrap="square" lIns="91440" tIns="45720" rIns="91440" bIns="45720" numCol="1" anchor="t" anchorCtr="0" compatLnSpc="1">
+            <a:prstTxWarp prst="textNoShape">
+              <a:avLst/>
+            </a:prstTxWarp>
+          </a:bodyPr>
+          <a:lstStyle/>
+          <a:p>
+            <a:r>
+              <a:rPr lang="en-US" b="1" i="1" dirty="0">
+                <a:solidFill>
+                  <a:schemeClr val="accent6">
+                    <a:lumMod val="50000"/>
+                  </a:schemeClr>
+                </a:solidFill>
+              </a:rPr>
+              <a:t>A full spectrum of product development services to bring your project from concept through prototype and build.</a:t>
+            </a:r>
+            <a:endParaRPr lang="en-US" dirty="0">
+              <a:solidFill>
+                <a:schemeClr val="accent6">
+                  <a:lumMod val="50000"/>
+                </a:schemeClr>
+              </a:solidFill>
+            </a:endParaRPr>
+          </a:p>
+        </p:txBody>
+      </p:sp>
+      <p:sp>
+        <p:nvSpPr>
+          <p:cNvPr id="2051" name="Text Box 3"/>
+          <p:cNvSpPr txBox="1">
+            <a:spLocks noChangeArrowheads="1"/>
+          </p:cNvSpPr>
+          <p:nvPr/>
+        </p:nvSpPr>
+        <p:spPr bwMode="auto">
+          <a:xfrm>
+            <a:off x="391733" y="3695699"/>
+            <a:ext cx="2909888" cy="4648200"/>
+          </a:xfrm>
+          <a:prstGeom prst="rect">
+            <a:avLst/>
+          </a:prstGeom>
+          <a:solidFill>
+            <a:srgbClr val="FFFFFF"/>
+          </a:solidFill>
+          <a:ln w="9525">
+            <a:noFill/>
+            <a:miter lim="800000"/>
+            <a:headEnd/>
+            <a:tailEnd/>
+          </a:ln>
+        </p:spPr>
+        <p:txBody>
+          <a:bodyPr vert="horz" wrap="square" lIns="91440" tIns="45720" rIns="91440" bIns="45720" numCol="1" anchor="t" anchorCtr="0" compatLnSpc="1">
+            <a:prstTxWarp prst="textNoShape">
+              <a:avLst/>
+            </a:prstTxWarp>
+          </a:bodyPr>
+          <a:lstStyle/>
+          <a:p>
+            <a:r>
+              <a:rPr lang="en-US" sz="1200" b="1" dirty="0">
+                <a:solidFill>
+                  <a:schemeClr val="tx1">
+                    <a:lumMod val="65000"/>
+                    <a:lumOff val="35000"/>
+                  </a:schemeClr>
+                </a:solidFill>
+              </a:rPr>
+              <a:t>Industrial Design</a:t>
+            </a:r>
+            <a:endParaRPr lang="en-US" sz="1200" dirty="0">
+              <a:solidFill>
+                <a:schemeClr val="tx1">
+                  <a:lumMod val="65000"/>
+                  <a:lumOff val="35000"/>
+                </a:schemeClr>
+              </a:solidFill>
+            </a:endParaRPr>
+          </a:p>
+          <a:p>
+            <a:pPr marL="628650" lvl="1" indent="-171450">
+              <a:buFont typeface="Arial" panose="020B0604020202020204" pitchFamily="34" charset="0"/>
+              <a:buChar char="•"/>
+            </a:pPr>
+            <a:r>
+              <a:rPr lang="en-US" sz="1200" dirty="0">
+                <a:solidFill>
+                  <a:schemeClr val="tx1">
+                    <a:lumMod val="65000"/>
+                    <a:lumOff val="35000"/>
+                  </a:schemeClr>
+                </a:solidFill>
+              </a:rPr>
+              <a:t>product rendering</a:t>
+            </a:r>
+          </a:p>
+          <a:p>
+            <a:pPr marL="628650" lvl="1" indent="-171450">
+              <a:buFont typeface="Arial" panose="020B0604020202020204" pitchFamily="34" charset="0"/>
+              <a:buChar char="•"/>
+            </a:pPr>
+            <a:r>
+              <a:rPr lang="en-US" sz="1200" dirty="0">
+                <a:solidFill>
+                  <a:schemeClr val="tx1">
+                    <a:lumMod val="65000"/>
+                    <a:lumOff val="35000"/>
+                  </a:schemeClr>
+                </a:solidFill>
+              </a:rPr>
+              <a:t>animation</a:t>
+            </a:r>
+          </a:p>
+          <a:p>
+            <a:pPr marL="628650" lvl="1" indent="-171450">
+              <a:buFont typeface="Arial" panose="020B0604020202020204" pitchFamily="34" charset="0"/>
+              <a:buChar char="•"/>
+            </a:pPr>
+            <a:r>
+              <a:rPr lang="en-US" sz="1200" dirty="0">
+                <a:solidFill>
+                  <a:schemeClr val="tx1">
+                    <a:lumMod val="65000"/>
+                    <a:lumOff val="35000"/>
+                  </a:schemeClr>
+                </a:solidFill>
+              </a:rPr>
+              <a:t>concept development</a:t>
+            </a:r>
+          </a:p>
+          <a:p>
+            <a:r>
+              <a:rPr lang="en-US" sz="1200" b="1" dirty="0">
+                <a:solidFill>
+                  <a:schemeClr val="tx1">
+                    <a:lumMod val="65000"/>
+                    <a:lumOff val="35000"/>
+                  </a:schemeClr>
+                </a:solidFill>
+              </a:rPr>
+              <a:t>Design for manufacture</a:t>
+            </a:r>
+            <a:endParaRPr lang="en-US" sz="1200" dirty="0">
+              <a:solidFill>
+                <a:schemeClr val="tx1">
+                  <a:lumMod val="65000"/>
+                  <a:lumOff val="35000"/>
+                </a:schemeClr>
+              </a:solidFill>
+            </a:endParaRPr>
+          </a:p>
+          <a:p>
+            <a:pPr marL="628650" lvl="1" indent="-171450">
+              <a:buFont typeface="Arial" panose="020B0604020202020204" pitchFamily="34" charset="0"/>
+              <a:buChar char="•"/>
+            </a:pPr>
+            <a:r>
+              <a:rPr lang="en-US" sz="1200" dirty="0">
+                <a:solidFill>
+                  <a:schemeClr val="tx1">
+                    <a:lumMod val="65000"/>
+                    <a:lumOff val="35000"/>
+                  </a:schemeClr>
+                </a:solidFill>
+              </a:rPr>
+              <a:t>SolidWorks and CREO CAD development (additional CAD platforms available)</a:t>
+            </a:r>
+          </a:p>
+          <a:p>
+            <a:pPr marL="628650" lvl="1" indent="-171450">
+              <a:buFont typeface="Arial" panose="020B0604020202020204" pitchFamily="34" charset="0"/>
+              <a:buChar char="•"/>
+            </a:pPr>
+            <a:r>
+              <a:rPr lang="en-US" sz="1200" dirty="0">
+                <a:solidFill>
+                  <a:schemeClr val="tx1">
+                    <a:lumMod val="65000"/>
+                    <a:lumOff val="35000"/>
+                  </a:schemeClr>
+                </a:solidFill>
+              </a:rPr>
+              <a:t>Design optimization</a:t>
+            </a:r>
+          </a:p>
+          <a:p>
+            <a:pPr marL="628650" lvl="1" indent="-171450">
+              <a:buFont typeface="Arial" panose="020B0604020202020204" pitchFamily="34" charset="0"/>
+              <a:buChar char="•"/>
+            </a:pPr>
+            <a:r>
+              <a:rPr lang="en-US" sz="1200" dirty="0">
+                <a:solidFill>
+                  <a:schemeClr val="tx1">
+                    <a:lumMod val="65000"/>
+                    <a:lumOff val="35000"/>
+                  </a:schemeClr>
+                </a:solidFill>
+              </a:rPr>
+              <a:t>Tolerance studies</a:t>
+            </a:r>
+          </a:p>
+          <a:p>
+            <a:pPr marL="628650" lvl="1" indent="-171450">
+              <a:buFont typeface="Arial" panose="020B0604020202020204" pitchFamily="34" charset="0"/>
+              <a:buChar char="•"/>
+            </a:pPr>
+            <a:r>
+              <a:rPr lang="en-US" sz="1200" dirty="0">
+                <a:solidFill>
+                  <a:schemeClr val="tx1">
+                    <a:lumMod val="65000"/>
+                    <a:lumOff val="35000"/>
+                  </a:schemeClr>
+                </a:solidFill>
+              </a:rPr>
+              <a:t>drawings and parts lists for manufacture</a:t>
+            </a:r>
+          </a:p>
+          <a:p>
+            <a:r>
+              <a:rPr lang="en-US" sz="1200" b="1" dirty="0">
+                <a:solidFill>
+                  <a:schemeClr val="tx1">
+                    <a:lumMod val="65000"/>
+                    <a:lumOff val="35000"/>
+                  </a:schemeClr>
+                </a:solidFill>
+              </a:rPr>
+              <a:t>Drawing packages</a:t>
+            </a:r>
+            <a:endParaRPr lang="en-US" sz="1200" dirty="0">
+              <a:solidFill>
+                <a:schemeClr val="tx1">
+                  <a:lumMod val="65000"/>
+                  <a:lumOff val="35000"/>
+                </a:schemeClr>
+              </a:solidFill>
+            </a:endParaRPr>
+          </a:p>
+          <a:p>
+            <a:pPr marL="628650" lvl="1" indent="-171450">
+              <a:buFont typeface="Arial" panose="020B0604020202020204" pitchFamily="34" charset="0"/>
+              <a:buChar char="•"/>
+            </a:pPr>
+            <a:r>
+              <a:rPr lang="en-US" sz="1200" dirty="0">
+                <a:solidFill>
+                  <a:schemeClr val="tx1">
+                    <a:lumMod val="65000"/>
+                    <a:lumOff val="35000"/>
+                  </a:schemeClr>
+                </a:solidFill>
+              </a:rPr>
+              <a:t>drawings and parts lists for manufacture</a:t>
+            </a:r>
+          </a:p>
+          <a:p>
+            <a:r>
+              <a:rPr lang="en-US" sz="1200" b="1" dirty="0">
+                <a:solidFill>
+                  <a:schemeClr val="tx1">
+                    <a:lumMod val="65000"/>
+                    <a:lumOff val="35000"/>
+                  </a:schemeClr>
+                </a:solidFill>
+              </a:rPr>
+              <a:t>Prototyping</a:t>
+            </a:r>
+            <a:endParaRPr lang="en-US" sz="1200" dirty="0">
+              <a:solidFill>
+                <a:schemeClr val="tx1">
+                  <a:lumMod val="65000"/>
+                  <a:lumOff val="35000"/>
+                </a:schemeClr>
+              </a:solidFill>
+            </a:endParaRPr>
+          </a:p>
+          <a:p>
+            <a:pPr marL="628650" lvl="1" indent="-171450">
+              <a:buFont typeface="Arial" panose="020B0604020202020204" pitchFamily="34" charset="0"/>
+              <a:buChar char="•"/>
+            </a:pPr>
+            <a:r>
+              <a:rPr lang="en-US" sz="1200" dirty="0">
+                <a:solidFill>
+                  <a:schemeClr val="tx1">
+                    <a:lumMod val="65000"/>
+                    <a:lumOff val="35000"/>
+                  </a:schemeClr>
+                </a:solidFill>
+              </a:rPr>
+              <a:t>complete build and test</a:t>
+            </a:r>
+          </a:p>
+          <a:p>
+            <a:pPr marL="628650" lvl="1" indent="-171450">
+              <a:buFont typeface="Arial" panose="020B0604020202020204" pitchFamily="34" charset="0"/>
+              <a:buChar char="•"/>
+            </a:pPr>
+            <a:r>
+              <a:rPr lang="en-US" sz="1200" dirty="0">
+                <a:solidFill>
+                  <a:schemeClr val="tx1">
+                    <a:lumMod val="65000"/>
+                    <a:lumOff val="35000"/>
+                  </a:schemeClr>
+                </a:solidFill>
+              </a:rPr>
+              <a:t>3D printed FDM prototypes</a:t>
+            </a:r>
+          </a:p>
+          <a:p>
+            <a:pPr marL="628650" lvl="1" indent="-171450">
+              <a:buFont typeface="Arial" panose="020B0604020202020204" pitchFamily="34" charset="0"/>
+              <a:buChar char="•"/>
+            </a:pPr>
+            <a:r>
+              <a:rPr lang="en-US" sz="1200" dirty="0">
+                <a:solidFill>
+                  <a:schemeClr val="tx1">
+                    <a:lumMod val="65000"/>
+                    <a:lumOff val="35000"/>
+                  </a:schemeClr>
+                </a:solidFill>
+              </a:rPr>
+              <a:t>3D printed SLA prototypes</a:t>
+            </a:r>
+          </a:p>
+          <a:p>
+            <a:pPr marL="628650" lvl="1" indent="-171450">
+              <a:buFont typeface="Arial" panose="020B0604020202020204" pitchFamily="34" charset="0"/>
+              <a:buChar char="•"/>
+            </a:pPr>
+            <a:r>
+              <a:rPr lang="en-US" sz="1200" dirty="0">
+                <a:solidFill>
+                  <a:schemeClr val="tx1">
+                    <a:lumMod val="65000"/>
+                    <a:lumOff val="35000"/>
+                  </a:schemeClr>
+                </a:solidFill>
+              </a:rPr>
+              <a:t>Complete inspection</a:t>
+            </a:r>
+          </a:p>
+          <a:p>
+            <a:pPr marL="0" marR="0" lvl="0" indent="0" algn="l" defTabSz="914400" rtl="0" eaLnBrk="1" fontAlgn="base" latinLnBrk="0" hangingPunct="1">
+              <a:spcBef>
+                <a:spcPct val="0"/>
+              </a:spcBef>
+              <a:spcAft>
+                <a:spcPts val="400"/>
+              </a:spcAft>
+              <a:buClrTx/>
+              <a:buSzTx/>
+              <a:buFontTx/>
+              <a:buNone/>
+              <a:tabLst/>
+            </a:pPr>
+            <a:endParaRPr kumimoji="0" lang="en-US" sz="1800" b="0" i="0" u="none" strike="noStrike" cap="none" normalizeH="0" baseline="0" dirty="0">
+              <a:ln>
+                <a:noFill/>
+              </a:ln>
+              <a:solidFill>
+                <a:schemeClr val="tx1"/>
+              </a:solidFill>
+              <a:effectLst/>
+              <a:latin typeface="Arial" pitchFamily="34" charset="0"/>
+              <a:cs typeface="Arial" pitchFamily="34" charset="0"/>
+            </a:endParaRPr>
+          </a:p>
+        </p:txBody>
+      </p:sp>
+      <p:grpSp>
+        <p:nvGrpSpPr>
+          <p:cNvPr id="32" name="Group 31"/>
+          <p:cNvGrpSpPr/>
+          <p:nvPr/>
+        </p:nvGrpSpPr>
+        <p:grpSpPr>
+          <a:xfrm>
+            <a:off x="5486400" y="381000"/>
+            <a:ext cx="1066800" cy="276999"/>
+            <a:chOff x="685800" y="6705600"/>
+            <a:chExt cx="1143000" cy="276999"/>
+          </a:xfrm>
+        </p:grpSpPr>
+        <p:sp>
+          <p:nvSpPr>
+            <p:cNvPr id="33" name="TextBox 32"/>
+            <p:cNvSpPr txBox="1"/>
+            <p:nvPr/>
+          </p:nvSpPr>
+          <p:spPr>
+            <a:xfrm>
+              <a:off x="685800" y="6705600"/>
+              <a:ext cx="1143000" cy="276999"/>
+            </a:xfrm>
+            <a:prstGeom prst="rect">
+              <a:avLst/>
+            </a:prstGeom>
+            <a:noFill/>
+            <a:ln>
+              <a:solidFill>
+                <a:schemeClr val="accent6">
+                  <a:lumMod val="50000"/>
+                </a:schemeClr>
+              </a:solidFill>
+            </a:ln>
+          </p:spPr>
+          <p:txBody>
+            <a:bodyPr wrap="square" rtlCol="0">
+              <a:spAutoFit/>
+            </a:bodyPr>
+            <a:lstStyle/>
+            <a:p>
+              <a:r>
+                <a:rPr lang="en-US" sz="1200" b="1" dirty="0">
+                  <a:solidFill>
+                    <a:schemeClr val="accent6">
+                      <a:lumMod val="50000"/>
+                    </a:schemeClr>
+                  </a:solidFill>
+                </a:rPr>
+                <a:t>Contact us</a:t>
+              </a:r>
+            </a:p>
+          </p:txBody>
+        </p:sp>
+        <p:sp>
+          <p:nvSpPr>
+            <p:cNvPr id="34" name="Right Arrow 33"/>
+            <p:cNvSpPr/>
+            <p:nvPr/>
+          </p:nvSpPr>
+          <p:spPr>
+            <a:xfrm>
+              <a:off x="1573772" y="6818359"/>
+              <a:ext cx="102628" cy="45719"/>
+            </a:xfrm>
+            <a:prstGeom prst="rightArrow">
+              <a:avLst/>
+            </a:prstGeom>
+            <a:solidFill>
+              <a:schemeClr val="accent6">
+                <a:lumMod val="50000"/>
+              </a:schemeClr>
+            </a:solidFill>
+            <a:ln>
+              <a:noFill/>
+            </a:ln>
+          </p:spPr>
+          <p:style>
+            <a:lnRef idx="2">
+              <a:schemeClr val="accent1">
+                <a:shade val="50000"/>
+              </a:schemeClr>
+            </a:lnRef>
+            <a:fillRef idx="1">
+              <a:schemeClr val="accent1"/>
+            </a:fillRef>
+            <a:effectRef idx="0">
+              <a:schemeClr val="accent1"/>
+            </a:effectRef>
+            <a:fontRef idx="minor">
+              <a:schemeClr val="lt1"/>
+            </a:fontRef>
+          </p:style>
+          <p:txBody>
+            <a:bodyPr rtlCol="0" anchor="ctr"/>
+            <a:lstStyle/>
+            <a:p>
+              <a:pPr algn="ctr"/>
+              <a:endParaRPr lang="en-US"/>
+            </a:p>
+          </p:txBody>
+        </p:sp>
+      </p:grpSp>
+      <p:pic>
+        <p:nvPicPr>
+          <p:cNvPr id="26" name="Picture 25" descr="C:\Documents and Settings\Administrator\Desktop\marketing images\product design\braking.JPG">
+            <a:extLst>
+              <a:ext uri="{FF2B5EF4-FFF2-40B4-BE49-F238E27FC236}">
+                <a16:creationId xmlns:a16="http://schemas.microsoft.com/office/drawing/2014/main" id="{5A31FD70-E088-4C55-90ED-FDC435259E93}"/>
+              </a:ext>
+            </a:extLst>
+          </p:cNvPr>
+          <p:cNvPicPr/>
+          <p:nvPr/>
+        </p:nvPicPr>
+        <p:blipFill>
+          <a:blip r:embed="rId4" cstate="print">
+            <a:extLst>
+              <a:ext uri="{28A0092B-C50C-407E-A947-70E740481C1C}">
+                <a14:useLocalDpi xmlns:a14="http://schemas.microsoft.com/office/drawing/2010/main" val="0"/>
+              </a:ext>
+            </a:extLst>
+          </a:blip>
+          <a:srcRect/>
+          <a:stretch>
+            <a:fillRect/>
+          </a:stretch>
+        </p:blipFill>
+        <p:spPr bwMode="auto">
+          <a:xfrm>
+            <a:off x="3436497" y="5449866"/>
+            <a:ext cx="1311395" cy="1060268"/>
+          </a:xfrm>
+          <a:prstGeom prst="roundRect">
+            <a:avLst>
+              <a:gd name="adj" fmla="val 0"/>
+            </a:avLst>
+          </a:prstGeom>
+          <a:ln w="12700" cap="sq">
+            <a:solidFill>
+              <a:srgbClr val="000000"/>
+            </a:solidFill>
+            <a:miter lim="800000"/>
+          </a:ln>
+          <a:effectLst>
+            <a:outerShdw blurRad="57150" dist="50800" dir="2700000" algn="tl" rotWithShape="0">
+              <a:srgbClr val="000000">
+                <a:alpha val="40000"/>
+              </a:srgbClr>
+            </a:outerShdw>
+          </a:effectLst>
+        </p:spPr>
+      </p:pic>
+      <p:pic>
+        <p:nvPicPr>
+          <p:cNvPr id="37" name="Picture 36" descr="C:\Documents and Settings\Administrator\Desktop\marketing images\product design\Product_Design_002.jpg">
+            <a:extLst>
+              <a:ext uri="{FF2B5EF4-FFF2-40B4-BE49-F238E27FC236}">
+                <a16:creationId xmlns:a16="http://schemas.microsoft.com/office/drawing/2014/main" id="{95EF30C3-0630-4898-BC69-B1DD752F9D0A}"/>
+              </a:ext>
+            </a:extLst>
+          </p:cNvPr>
+          <p:cNvPicPr/>
+          <p:nvPr/>
+        </p:nvPicPr>
+        <p:blipFill>
+          <a:blip r:embed="rId5">
+            <a:extLst>
+              <a:ext uri="{28A0092B-C50C-407E-A947-70E740481C1C}">
+                <a14:useLocalDpi xmlns:a14="http://schemas.microsoft.com/office/drawing/2010/main" val="0"/>
+              </a:ext>
+            </a:extLst>
+          </a:blip>
+          <a:srcRect l="10028" t="17827" r="3064" b="6407"/>
+          <a:stretch>
+            <a:fillRect/>
+          </a:stretch>
+        </p:blipFill>
+        <p:spPr bwMode="auto">
+          <a:xfrm>
+            <a:off x="7186950" y="4077664"/>
+            <a:ext cx="1350645" cy="909320"/>
+          </a:xfrm>
+          <a:prstGeom prst="rect">
+            <a:avLst/>
+          </a:prstGeom>
+          <a:ln w="12700" cap="sq">
+            <a:solidFill>
+              <a:srgbClr val="000000"/>
+            </a:solidFill>
+            <a:miter lim="800000"/>
+          </a:ln>
+          <a:effectLst>
+            <a:outerShdw blurRad="57150" dist="50800" dir="2700000" algn="tl" rotWithShape="0">
+              <a:srgbClr val="000000">
+                <a:alpha val="40000"/>
+              </a:srgbClr>
+            </a:outerShdw>
+          </a:effectLst>
+        </p:spPr>
+      </p:pic>
+      <p:pic>
+        <p:nvPicPr>
+          <p:cNvPr id="42" name="Picture 41" descr="C:\Documents and Settings\Administrator\Desktop\marketing images\product design\freespace.JPG">
+            <a:extLst>
+              <a:ext uri="{FF2B5EF4-FFF2-40B4-BE49-F238E27FC236}">
+                <a16:creationId xmlns:a16="http://schemas.microsoft.com/office/drawing/2014/main" id="{162193CD-85FB-4378-9685-B3E21317D985}"/>
+              </a:ext>
+            </a:extLst>
+          </p:cNvPr>
+          <p:cNvPicPr/>
+          <p:nvPr/>
+        </p:nvPicPr>
+        <p:blipFill>
+          <a:blip r:embed="rId6" cstate="print">
+            <a:extLst>
+              <a:ext uri="{28A0092B-C50C-407E-A947-70E740481C1C}">
+                <a14:useLocalDpi xmlns:a14="http://schemas.microsoft.com/office/drawing/2010/main" val="0"/>
+              </a:ext>
+            </a:extLst>
+          </a:blip>
+          <a:srcRect l="31528" t="9949" r="30694" b="2296"/>
+          <a:stretch>
+            <a:fillRect/>
+          </a:stretch>
+        </p:blipFill>
+        <p:spPr bwMode="auto">
+          <a:xfrm>
+            <a:off x="7443172" y="6481810"/>
+            <a:ext cx="1402080" cy="1826895"/>
+          </a:xfrm>
+          <a:prstGeom prst="snip2DiagRect">
+            <a:avLst>
+              <a:gd name="adj1" fmla="val 0"/>
+              <a:gd name="adj2" fmla="val 4377"/>
+            </a:avLst>
+          </a:prstGeom>
+          <a:ln w="12700" cap="sq">
+            <a:solidFill>
+              <a:srgbClr val="000000"/>
+            </a:solidFill>
+            <a:miter lim="800000"/>
+          </a:ln>
+          <a:effectLst>
+            <a:outerShdw blurRad="57150" dist="50800" dir="2700000" algn="tl" rotWithShape="0">
+              <a:srgbClr val="000000">
+                <a:alpha val="40000"/>
+              </a:srgbClr>
+            </a:outerShdw>
+          </a:effectLst>
+        </p:spPr>
+      </p:pic>
+      <p:pic>
+        <p:nvPicPr>
+          <p:cNvPr id="44" name="Picture 43" descr="C:\Users\dri\Desktop\DRI webpage renders\core1.JPG">
+            <a:extLst>
+              <a:ext uri="{FF2B5EF4-FFF2-40B4-BE49-F238E27FC236}">
+                <a16:creationId xmlns:a16="http://schemas.microsoft.com/office/drawing/2014/main" id="{99E9E955-EACF-4EFA-ABE3-6B3F413A0E0F}"/>
+              </a:ext>
+            </a:extLst>
+          </p:cNvPr>
+          <p:cNvPicPr/>
+          <p:nvPr/>
+        </p:nvPicPr>
+        <p:blipFill>
+          <a:blip r:embed="rId7" cstate="print">
+            <a:extLst>
+              <a:ext uri="{28A0092B-C50C-407E-A947-70E740481C1C}">
+                <a14:useLocalDpi xmlns:a14="http://schemas.microsoft.com/office/drawing/2010/main" val="0"/>
+              </a:ext>
+            </a:extLst>
+          </a:blip>
+          <a:srcRect/>
+          <a:stretch>
+            <a:fillRect/>
+          </a:stretch>
+        </p:blipFill>
+        <p:spPr bwMode="auto">
+          <a:xfrm>
+            <a:off x="3419475" y="6624322"/>
+            <a:ext cx="1426336" cy="968701"/>
+          </a:xfrm>
+          <a:prstGeom prst="rect">
+            <a:avLst/>
+          </a:prstGeom>
+          <a:noFill/>
+          <a:ln>
+            <a:noFill/>
+          </a:ln>
+        </p:spPr>
+      </p:pic>
+      <p:pic>
+        <p:nvPicPr>
+          <p:cNvPr id="45" name="Picture 44" descr="crank-2.JPG">
+            <a:extLst>
+              <a:ext uri="{FF2B5EF4-FFF2-40B4-BE49-F238E27FC236}">
+                <a16:creationId xmlns:a16="http://schemas.microsoft.com/office/drawing/2014/main" id="{8C63336D-86E7-4256-8A73-43136C6CD11E}"/>
+              </a:ext>
+            </a:extLst>
+          </p:cNvPr>
+          <p:cNvPicPr/>
+          <p:nvPr/>
+        </p:nvPicPr>
+        <p:blipFill>
+          <a:blip r:embed="rId8"/>
+          <a:srcRect l="23333" t="13265" r="17778" b="9184"/>
+          <a:stretch>
+            <a:fillRect/>
+          </a:stretch>
+        </p:blipFill>
+        <p:spPr>
+          <a:xfrm>
+            <a:off x="4967419" y="6623022"/>
+            <a:ext cx="1395240" cy="970002"/>
+          </a:xfrm>
+          <a:prstGeom prst="rect">
+            <a:avLst/>
+          </a:prstGeom>
+          <a:ln w="12700" cap="sq">
+            <a:solidFill>
+              <a:srgbClr val="000000"/>
+            </a:solidFill>
+            <a:miter lim="800000"/>
+          </a:ln>
+          <a:effectLst>
+            <a:outerShdw blurRad="57150" dist="50800" dir="2700000" algn="tl" rotWithShape="0">
+              <a:srgbClr val="000000">
+                <a:alpha val="40000"/>
+              </a:srgbClr>
+            </a:outerShdw>
+          </a:effectLst>
+        </p:spPr>
+      </p:pic>
+      <p:pic>
+        <p:nvPicPr>
+          <p:cNvPr id="46" name="Picture 45" descr="FEA.JPG">
+            <a:extLst>
+              <a:ext uri="{FF2B5EF4-FFF2-40B4-BE49-F238E27FC236}">
+                <a16:creationId xmlns:a16="http://schemas.microsoft.com/office/drawing/2014/main" id="{522EDFAB-5F98-445E-AE40-B5019F02AB49}"/>
+              </a:ext>
+            </a:extLst>
+          </p:cNvPr>
+          <p:cNvPicPr/>
+          <p:nvPr/>
+        </p:nvPicPr>
+        <p:blipFill>
+          <a:blip r:embed="rId9"/>
+          <a:stretch>
+            <a:fillRect/>
+          </a:stretch>
+        </p:blipFill>
+        <p:spPr>
+          <a:xfrm>
+            <a:off x="7443172" y="5291166"/>
+            <a:ext cx="838200" cy="842645"/>
+          </a:xfrm>
+          <a:prstGeom prst="rect">
+            <a:avLst/>
+          </a:prstGeom>
+          <a:ln w="12700" cap="sq">
+            <a:solidFill>
+              <a:srgbClr val="0070C0"/>
+            </a:solidFill>
+            <a:miter lim="800000"/>
+          </a:ln>
+          <a:effectLst>
+            <a:outerShdw blurRad="57150" dist="50800" dir="2700000" algn="tl" rotWithShape="0">
+              <a:srgbClr val="000000">
+                <a:alpha val="40000"/>
+              </a:srgbClr>
+            </a:outerShdw>
+          </a:effectLst>
+        </p:spPr>
+      </p:pic>
+      <p:pic>
+        <p:nvPicPr>
+          <p:cNvPr id="47" name="Picture 46" descr="C:\Documents and Settings\Administrator\Desktop\marketing images\Industrial Design\[Untitled]_1229201112582100.jpg">
+            <a:extLst>
+              <a:ext uri="{FF2B5EF4-FFF2-40B4-BE49-F238E27FC236}">
+                <a16:creationId xmlns:a16="http://schemas.microsoft.com/office/drawing/2014/main" id="{7EF6EEDC-A1A8-4429-B5BC-F3AA615B8203}"/>
+              </a:ext>
+            </a:extLst>
+          </p:cNvPr>
+          <p:cNvPicPr/>
+          <p:nvPr/>
+        </p:nvPicPr>
+        <p:blipFill>
+          <a:blip r:embed="rId10"/>
+          <a:srcRect/>
+          <a:stretch>
+            <a:fillRect/>
+          </a:stretch>
+        </p:blipFill>
+        <p:spPr bwMode="auto">
+          <a:xfrm rot="572808">
+            <a:off x="5227768" y="4327490"/>
+            <a:ext cx="650904" cy="883530"/>
+          </a:xfrm>
+          <a:prstGeom prst="rect">
+            <a:avLst/>
+          </a:prstGeom>
+          <a:ln w="12700" cap="sq">
+            <a:solidFill>
+              <a:srgbClr val="000000"/>
+            </a:solidFill>
+            <a:miter lim="800000"/>
+          </a:ln>
+          <a:effectLst>
+            <a:outerShdw blurRad="57150" dist="50800" dir="2700000" algn="tl" rotWithShape="0">
+              <a:srgbClr val="000000">
+                <a:alpha val="40000"/>
+              </a:srgbClr>
+            </a:outerShdw>
+          </a:effectLst>
+        </p:spPr>
+      </p:pic>
+      <p:pic>
+        <p:nvPicPr>
+          <p:cNvPr id="48" name="Picture 47" descr="C:\Documents and Settings\Administrator\Desktop\marketing images\Industrial Design\[Untitled].jpg">
+            <a:extLst>
+              <a:ext uri="{FF2B5EF4-FFF2-40B4-BE49-F238E27FC236}">
+                <a16:creationId xmlns:a16="http://schemas.microsoft.com/office/drawing/2014/main" id="{61EF662C-8386-43E7-A87D-3B4045705195}"/>
+              </a:ext>
+            </a:extLst>
+          </p:cNvPr>
+          <p:cNvPicPr/>
+          <p:nvPr/>
+        </p:nvPicPr>
+        <p:blipFill>
+          <a:blip r:embed="rId11"/>
+          <a:srcRect l="3831" t="2911" r="387" b="3942"/>
+          <a:stretch>
+            <a:fillRect/>
+          </a:stretch>
+        </p:blipFill>
+        <p:spPr bwMode="auto">
+          <a:xfrm rot="20536631">
+            <a:off x="3947857" y="3952301"/>
+            <a:ext cx="745050" cy="981304"/>
+          </a:xfrm>
+          <a:prstGeom prst="rect">
+            <a:avLst/>
+          </a:prstGeom>
+          <a:ln w="12700" cap="sq">
+            <a:solidFill>
+              <a:srgbClr val="000000"/>
+            </a:solidFill>
+            <a:miter lim="800000"/>
+          </a:ln>
+          <a:effectLst>
+            <a:outerShdw blurRad="57150" dist="50800" dir="2700000" algn="tl" rotWithShape="0">
+              <a:srgbClr val="000000">
+                <a:alpha val="40000"/>
+              </a:srgbClr>
+            </a:outerShdw>
+          </a:effectLst>
+        </p:spPr>
+      </p:pic>
+      <p:pic>
+        <p:nvPicPr>
+          <p:cNvPr id="49" name="Picture 48" descr="C:\Documents and Settings\Administrator\Desktop\marketing images\Industrial Design\finished1.JPG">
+            <a:extLst>
+              <a:ext uri="{FF2B5EF4-FFF2-40B4-BE49-F238E27FC236}">
+                <a16:creationId xmlns:a16="http://schemas.microsoft.com/office/drawing/2014/main" id="{F4CF2F19-D40F-4ABC-9B70-E97DE7A45CF3}"/>
+              </a:ext>
+            </a:extLst>
+          </p:cNvPr>
+          <p:cNvPicPr/>
+          <p:nvPr/>
+        </p:nvPicPr>
+        <p:blipFill>
+          <a:blip r:embed="rId12"/>
+          <a:srcRect/>
+          <a:stretch>
+            <a:fillRect/>
+          </a:stretch>
+        </p:blipFill>
+        <p:spPr bwMode="auto">
+          <a:xfrm>
+            <a:off x="4516296" y="4260184"/>
+            <a:ext cx="716666" cy="933634"/>
+          </a:xfrm>
+          <a:prstGeom prst="rect">
+            <a:avLst/>
+          </a:prstGeom>
+          <a:ln w="12700" cap="sq">
+            <a:solidFill>
+              <a:srgbClr val="000000"/>
+            </a:solidFill>
+            <a:miter lim="800000"/>
+          </a:ln>
+          <a:effectLst>
+            <a:outerShdw blurRad="57150" dist="50800" dir="2700000" algn="tl" rotWithShape="0">
+              <a:srgbClr val="000000">
+                <a:alpha val="40000"/>
+              </a:srgbClr>
+            </a:outerShdw>
+          </a:effectLst>
+        </p:spPr>
+      </p:pic>
+      <p:pic>
+        <p:nvPicPr>
+          <p:cNvPr id="50" name="Picture 49" descr="C:\Documents and Settings\Administrator\Desktop\marketing images\Industrial Design\[Untitled]_1229201112572700.jpg">
+            <a:extLst>
+              <a:ext uri="{FF2B5EF4-FFF2-40B4-BE49-F238E27FC236}">
+                <a16:creationId xmlns:a16="http://schemas.microsoft.com/office/drawing/2014/main" id="{CB1F8990-607B-48EE-8115-F1524FC53143}"/>
+              </a:ext>
+            </a:extLst>
+          </p:cNvPr>
+          <p:cNvPicPr/>
+          <p:nvPr/>
+        </p:nvPicPr>
+        <p:blipFill>
+          <a:blip r:embed="rId13"/>
+          <a:srcRect/>
+          <a:stretch>
+            <a:fillRect/>
+          </a:stretch>
+        </p:blipFill>
+        <p:spPr bwMode="auto">
+          <a:xfrm rot="16662400">
+            <a:off x="4525331" y="3612700"/>
+            <a:ext cx="574853" cy="735901"/>
+          </a:xfrm>
+          <a:prstGeom prst="rect">
+            <a:avLst/>
+          </a:prstGeom>
+          <a:ln w="12700" cap="sq">
+            <a:solidFill>
+              <a:srgbClr val="000000"/>
+            </a:solidFill>
+            <a:miter lim="800000"/>
+          </a:ln>
+          <a:effectLst>
+            <a:outerShdw blurRad="57150" dist="50800" dir="2700000" algn="tl" rotWithShape="0">
+              <a:srgbClr val="000000">
+                <a:alpha val="40000"/>
+              </a:srgbClr>
+            </a:outerShdw>
+          </a:effectLst>
+        </p:spPr>
+      </p:pic>
+      <p:pic>
+        <p:nvPicPr>
+          <p:cNvPr id="51" name="Picture 50" descr="C:\Documents and Settings\Administrator\Desktop\marketing images\Industrial Design\[Untitled]_1229201112580200.jpg">
+            <a:extLst>
+              <a:ext uri="{FF2B5EF4-FFF2-40B4-BE49-F238E27FC236}">
+                <a16:creationId xmlns:a16="http://schemas.microsoft.com/office/drawing/2014/main" id="{E3FBF1D5-AFB7-46BC-87E4-7837775D2E9D}"/>
+              </a:ext>
+            </a:extLst>
+          </p:cNvPr>
+          <p:cNvPicPr/>
+          <p:nvPr/>
+        </p:nvPicPr>
+        <p:blipFill>
+          <a:blip r:embed="rId14"/>
+          <a:srcRect/>
+          <a:stretch>
+            <a:fillRect/>
+          </a:stretch>
+        </p:blipFill>
+        <p:spPr bwMode="auto">
+          <a:xfrm rot="15583173">
+            <a:off x="5234303" y="3725648"/>
+            <a:ext cx="561433" cy="718008"/>
+          </a:xfrm>
+          <a:prstGeom prst="rect">
+            <a:avLst/>
+          </a:prstGeom>
+          <a:ln w="12700" cap="sq">
+            <a:solidFill>
+              <a:srgbClr val="000000"/>
+            </a:solidFill>
+            <a:miter lim="800000"/>
+          </a:ln>
+          <a:effectLst>
+            <a:outerShdw blurRad="57150" dist="50800" dir="2700000" algn="tl" rotWithShape="0">
+              <a:srgbClr val="000000">
+                <a:alpha val="40000"/>
+              </a:srgbClr>
+            </a:outerShdw>
+          </a:effectLst>
+        </p:spPr>
+      </p:pic>
+      <p:pic>
+        <p:nvPicPr>
+          <p:cNvPr id="4" name="Picture 3">
+            <a:extLst>
+              <a:ext uri="{FF2B5EF4-FFF2-40B4-BE49-F238E27FC236}">
+                <a16:creationId xmlns:a16="http://schemas.microsoft.com/office/drawing/2014/main" id="{66FFD729-5AF5-4393-8D60-B8D8630478FE}"/>
+              </a:ext>
+            </a:extLst>
+          </p:cNvPr>
+          <p:cNvPicPr>
+            <a:picLocks noChangeAspect="1"/>
+          </p:cNvPicPr>
+          <p:nvPr/>
+        </p:nvPicPr>
+        <p:blipFill rotWithShape="1">
+          <a:blip r:embed="rId15" cstate="print">
+            <a:extLst>
+              <a:ext uri="{28A0092B-C50C-407E-A947-70E740481C1C}">
+                <a14:useLocalDpi xmlns:a14="http://schemas.microsoft.com/office/drawing/2010/main" val="0"/>
+              </a:ext>
+            </a:extLst>
+          </a:blip>
+          <a:srcRect l="8656" t="1465" r="13737" b="7080"/>
+          <a:stretch/>
+        </p:blipFill>
+        <p:spPr>
+          <a:xfrm>
+            <a:off x="4863055" y="5458224"/>
+            <a:ext cx="1451711" cy="1043552"/>
+          </a:xfrm>
+          <a:prstGeom prst="rect">
+            <a:avLst/>
+          </a:prstGeom>
+        </p:spPr>
+      </p:pic>
+    </p:spTree>
+    <p:extLst>
+      <p:ext uri="{BB962C8B-B14F-4D97-AF65-F5344CB8AC3E}">
+        <p14:creationId xmlns:p14="http://schemas.microsoft.com/office/powerpoint/2010/main" val="4221806584"/>
+      </p:ext>
+    </p:extLst>
+  </p:cSld>
+  <p:clrMapOvr>
+    <a:masterClrMapping/>
+  </p:clrMapOvr>
+</p:sld>
+</file>
+
+<file path=ppt/slides/slide5.xml><?xml version="1.0" encoding="utf-8"?>
+<p:sld xmlns:a="http://schemas.openxmlformats.org/drawingml/2006/main" xmlns:r="http://schemas.openxmlformats.org/officeDocument/2006/relationships" xmlns:p="http://schemas.openxmlformats.org/presentationml/2006/main">
+  <p:cSld>
+    <p:spTree>
+      <p:nvGrpSpPr>
+        <p:cNvPr id="1" name=""/>
+        <p:cNvGrpSpPr/>
+        <p:nvPr/>
+      </p:nvGrpSpPr>
+      <p:grpSpPr>
+        <a:xfrm>
+          <a:off x="0" y="0"/>
+          <a:ext cx="0" cy="0"/>
+          <a:chOff x="0" y="0"/>
+          <a:chExt cx="0" cy="0"/>
+        </a:xfrm>
+      </p:grpSpPr>
+      <p:pic>
+        <p:nvPicPr>
+          <p:cNvPr id="7" name="Picture 6"/>
+          <p:cNvPicPr/>
+          <p:nvPr/>
+        </p:nvPicPr>
+        <p:blipFill>
+          <a:blip r:embed="rId2" cstate="print"/>
+          <a:srcRect/>
+          <a:stretch>
+            <a:fillRect/>
+          </a:stretch>
+        </p:blipFill>
+        <p:spPr bwMode="auto">
+          <a:xfrm>
+            <a:off x="0" y="0"/>
+            <a:ext cx="6858000" cy="4571999"/>
+          </a:xfrm>
+          <a:prstGeom prst="rect">
+            <a:avLst/>
+          </a:prstGeom>
+          <a:noFill/>
+          <a:ln w="9525">
+            <a:noFill/>
+            <a:miter lim="800000"/>
+            <a:headEnd/>
+            <a:tailEnd/>
+          </a:ln>
+        </p:spPr>
+      </p:pic>
+      <p:sp>
+        <p:nvSpPr>
+          <p:cNvPr id="1027" name="Text Box 3"/>
+          <p:cNvSpPr txBox="1">
+            <a:spLocks noChangeArrowheads="1"/>
+          </p:cNvSpPr>
+          <p:nvPr/>
+        </p:nvSpPr>
+        <p:spPr bwMode="auto">
+          <a:xfrm>
+            <a:off x="1066800" y="1066800"/>
+            <a:ext cx="5151437" cy="300037"/>
+          </a:xfrm>
+          <a:prstGeom prst="rect">
+            <a:avLst/>
+          </a:prstGeom>
+          <a:noFill/>
+          <a:ln w="9525">
+            <a:noFill/>
+            <a:miter lim="800000"/>
+            <a:headEnd/>
+            <a:tailEnd/>
+          </a:ln>
+        </p:spPr>
+        <p:txBody>
+          <a:bodyPr vert="horz" wrap="square" lIns="91440" tIns="45720" rIns="91440" bIns="45720" numCol="1" anchor="t" anchorCtr="0" compatLnSpc="1">
+            <a:prstTxWarp prst="textNoShape">
+              <a:avLst/>
+            </a:prstTxWarp>
+          </a:bodyPr>
+          <a:lstStyle/>
+          <a:p>
+            <a:pPr marL="0" marR="0" lvl="0" indent="0" algn="l" defTabSz="914400" rtl="0" eaLnBrk="1" fontAlgn="base" latinLnBrk="0" hangingPunct="1">
+              <a:lnSpc>
+                <a:spcPct val="100000"/>
+              </a:lnSpc>
+              <a:spcBef>
+                <a:spcPct val="0"/>
+              </a:spcBef>
+              <a:spcAft>
+                <a:spcPts val="1000"/>
+              </a:spcAft>
+              <a:buClrTx/>
+              <a:buSzTx/>
+              <a:buFontTx/>
+              <a:buNone/>
+              <a:tabLst/>
+            </a:pPr>
+            <a:r>
+              <a:rPr kumimoji="0" lang="en-US" altLang="ja-JP" sz="1100" b="1" i="0" u="none" strike="noStrike" cap="none" normalizeH="0" baseline="0" dirty="0">
+                <a:ln>
+                  <a:noFill/>
+                </a:ln>
+                <a:solidFill>
+                  <a:srgbClr val="FFFFFF"/>
+                </a:solidFill>
+                <a:effectLst/>
+                <a:latin typeface="Calibri" pitchFamily="34" charset="0"/>
+                <a:ea typeface="MS Mincho" pitchFamily="49" charset="-128"/>
+                <a:cs typeface="Arial" pitchFamily="34" charset="0"/>
+              </a:rPr>
+              <a:t>HOME        ENGINEERING   </a:t>
+            </a:r>
+            <a:r>
+              <a:rPr lang="en-US" altLang="ja-JP" sz="1100" b="1" dirty="0">
+                <a:solidFill>
+                  <a:srgbClr val="FFFFFF"/>
+                </a:solidFill>
+                <a:latin typeface="Times New Roman" pitchFamily="18" charset="0"/>
+                <a:ea typeface="MS Mincho" pitchFamily="49" charset="-128"/>
+                <a:cs typeface="Arial" pitchFamily="34" charset="0"/>
+              </a:rPr>
+              <a:t>    </a:t>
+            </a:r>
+            <a:r>
+              <a:rPr kumimoji="0" lang="en-US" altLang="ja-JP" sz="1100" b="1" i="0" u="none" strike="noStrike" cap="none" normalizeH="0" baseline="0" dirty="0">
+                <a:ln>
+                  <a:noFill/>
+                </a:ln>
+                <a:solidFill>
+                  <a:srgbClr val="FFFFFF"/>
+                </a:solidFill>
+                <a:effectLst/>
+                <a:latin typeface="Calibri" pitchFamily="34" charset="0"/>
+                <a:ea typeface="MS Mincho" pitchFamily="49" charset="-128"/>
+                <a:cs typeface="Arial" pitchFamily="34" charset="0"/>
+              </a:rPr>
+              <a:t>STAFFING</a:t>
+            </a:r>
+            <a:r>
+              <a:rPr lang="en-US" altLang="ja-JP" sz="1100" b="1" dirty="0">
+                <a:solidFill>
+                  <a:srgbClr val="FFFFFF"/>
+                </a:solidFill>
+                <a:latin typeface="Calibri" pitchFamily="34" charset="0"/>
+                <a:ea typeface="MS Mincho" pitchFamily="49" charset="-128"/>
+                <a:cs typeface="Arial" pitchFamily="34" charset="0"/>
+              </a:rPr>
+              <a:t>        </a:t>
+            </a:r>
+            <a:r>
+              <a:rPr kumimoji="0" lang="en-US" altLang="ja-JP" sz="1100" b="1" i="0" u="none" strike="noStrike" cap="none" normalizeH="0" baseline="0" dirty="0">
+                <a:ln>
+                  <a:noFill/>
+                </a:ln>
+                <a:solidFill>
+                  <a:srgbClr val="FFFFFF"/>
+                </a:solidFill>
+                <a:effectLst/>
+                <a:latin typeface="Calibri" pitchFamily="34" charset="0"/>
+                <a:ea typeface="MS Mincho" pitchFamily="49" charset="-128"/>
+                <a:cs typeface="Arial" pitchFamily="34" charset="0"/>
+              </a:rPr>
+              <a:t>COMPANY</a:t>
+            </a:r>
+            <a:r>
+              <a:rPr lang="en-US" altLang="ja-JP" sz="1100" b="1" dirty="0">
+                <a:solidFill>
+                  <a:srgbClr val="FFFFFF"/>
+                </a:solidFill>
+                <a:latin typeface="Calibri" pitchFamily="34" charset="0"/>
+                <a:ea typeface="MS Mincho" pitchFamily="49" charset="-128"/>
+                <a:cs typeface="Arial" pitchFamily="34" charset="0"/>
+              </a:rPr>
+              <a:t>         </a:t>
+            </a:r>
+            <a:r>
+              <a:rPr kumimoji="0" lang="en-US" altLang="ja-JP" sz="1100" b="1" i="0" u="none" strike="noStrike" cap="none" normalizeH="0" baseline="0" dirty="0">
+                <a:ln>
+                  <a:noFill/>
+                </a:ln>
+                <a:solidFill>
+                  <a:srgbClr val="FFFFFF"/>
+                </a:solidFill>
+                <a:effectLst/>
+                <a:latin typeface="Calibri" pitchFamily="34" charset="0"/>
+                <a:ea typeface="MS Mincho" pitchFamily="49" charset="-128"/>
+                <a:cs typeface="Arial" pitchFamily="34" charset="0"/>
+              </a:rPr>
+              <a:t>CONTACT</a:t>
+            </a:r>
+            <a:endParaRPr kumimoji="0" lang="en-US" sz="1800" b="0" i="0" u="none" strike="noStrike" cap="none" normalizeH="0" baseline="0" dirty="0">
+              <a:ln>
+                <a:noFill/>
+              </a:ln>
+              <a:solidFill>
+                <a:schemeClr val="tx1"/>
+              </a:solidFill>
+              <a:effectLst/>
+              <a:latin typeface="Arial" pitchFamily="34" charset="0"/>
+              <a:cs typeface="Arial" pitchFamily="34" charset="0"/>
+            </a:endParaRPr>
+          </a:p>
+        </p:txBody>
+      </p:sp>
+      <p:sp>
+        <p:nvSpPr>
+          <p:cNvPr id="10" name="Rectangle 9"/>
+          <p:cNvSpPr/>
+          <p:nvPr/>
+        </p:nvSpPr>
+        <p:spPr>
+          <a:xfrm>
+            <a:off x="533400" y="0"/>
+            <a:ext cx="1219200" cy="914400"/>
+          </a:xfrm>
+          <a:prstGeom prst="rect">
+            <a:avLst/>
+          </a:prstGeom>
+          <a:solidFill>
+            <a:schemeClr val="bg1"/>
+          </a:solidFill>
+          <a:ln>
+            <a:noFill/>
+          </a:ln>
+        </p:spPr>
+        <p:style>
+          <a:lnRef idx="2">
+            <a:schemeClr val="accent1">
+              <a:shade val="50000"/>
+            </a:schemeClr>
+          </a:lnRef>
+          <a:fillRef idx="1">
+            <a:schemeClr val="accent1"/>
+          </a:fillRef>
+          <a:effectRef idx="0">
+            <a:schemeClr val="accent1"/>
+          </a:effectRef>
+          <a:fontRef idx="minor">
+            <a:schemeClr val="lt1"/>
+          </a:fontRef>
+        </p:style>
+        <p:txBody>
+          <a:bodyPr rtlCol="0" anchor="ctr"/>
+          <a:lstStyle/>
+          <a:p>
+            <a:pPr algn="ctr"/>
+            <a:endParaRPr lang="en-US"/>
+          </a:p>
+        </p:txBody>
+      </p:sp>
+      <p:pic>
+        <p:nvPicPr>
+          <p:cNvPr id="5" name="Picture 4"/>
+          <p:cNvPicPr/>
+          <p:nvPr/>
+        </p:nvPicPr>
+        <p:blipFill>
+          <a:blip r:embed="rId3" cstate="print">
+            <a:extLst>
+              <a:ext uri="{28A0092B-C50C-407E-A947-70E740481C1C}">
+                <a14:useLocalDpi xmlns:a14="http://schemas.microsoft.com/office/drawing/2010/main" val="0"/>
+              </a:ext>
+            </a:extLst>
+          </a:blip>
+          <a:srcRect/>
+          <a:stretch>
+            <a:fillRect/>
+          </a:stretch>
+        </p:blipFill>
+        <p:spPr bwMode="auto">
+          <a:xfrm>
+            <a:off x="457200" y="0"/>
+            <a:ext cx="1364907" cy="889686"/>
+          </a:xfrm>
+          <a:prstGeom prst="rect">
+            <a:avLst/>
+          </a:prstGeom>
+          <a:noFill/>
+        </p:spPr>
+      </p:pic>
+      <p:sp>
+        <p:nvSpPr>
+          <p:cNvPr id="16" name="Rectangle 15"/>
+          <p:cNvSpPr/>
+          <p:nvPr/>
+        </p:nvSpPr>
+        <p:spPr>
+          <a:xfrm>
+            <a:off x="0" y="2362200"/>
+            <a:ext cx="6858000" cy="2590800"/>
+          </a:xfrm>
+          <a:prstGeom prst="rect">
+            <a:avLst/>
+          </a:prstGeom>
+          <a:solidFill>
+            <a:schemeClr val="bg1"/>
+          </a:solidFill>
+          <a:ln>
+            <a:noFill/>
+          </a:ln>
+        </p:spPr>
+        <p:style>
+          <a:lnRef idx="2">
+            <a:schemeClr val="accent1">
+              <a:shade val="50000"/>
+            </a:schemeClr>
+          </a:lnRef>
+          <a:fillRef idx="1">
+            <a:schemeClr val="accent1"/>
+          </a:fillRef>
+          <a:effectRef idx="0">
+            <a:schemeClr val="accent1"/>
+          </a:effectRef>
+          <a:fontRef idx="minor">
+            <a:schemeClr val="lt1"/>
+          </a:fontRef>
+        </p:style>
+        <p:txBody>
+          <a:bodyPr rtlCol="0" anchor="ctr"/>
+          <a:lstStyle/>
+          <a:p>
+            <a:pPr algn="ctr"/>
+            <a:endParaRPr lang="en-US"/>
+          </a:p>
+        </p:txBody>
+      </p:sp>
+      <p:sp>
+        <p:nvSpPr>
+          <p:cNvPr id="1032" name="Text Box 8"/>
+          <p:cNvSpPr txBox="1">
+            <a:spLocks noChangeArrowheads="1"/>
+          </p:cNvSpPr>
+          <p:nvPr/>
+        </p:nvSpPr>
+        <p:spPr bwMode="auto">
+          <a:xfrm>
+            <a:off x="838200" y="8305800"/>
+            <a:ext cx="5151437" cy="646112"/>
+          </a:xfrm>
+          <a:prstGeom prst="rect">
+            <a:avLst/>
+          </a:prstGeom>
+          <a:noFill/>
+          <a:ln w="9525">
+            <a:noFill/>
+            <a:miter lim="800000"/>
+            <a:headEnd/>
+            <a:tailEnd/>
+          </a:ln>
+        </p:spPr>
+        <p:txBody>
+          <a:bodyPr vert="horz" wrap="square" lIns="91440" tIns="45720" rIns="91440" bIns="45720" numCol="1" anchor="t" anchorCtr="0" compatLnSpc="1">
+            <a:prstTxWarp prst="textNoShape">
+              <a:avLst/>
+            </a:prstTxWarp>
+          </a:bodyPr>
+          <a:lstStyle/>
+          <a:p>
+            <a:pPr marL="0" marR="0" lvl="0" indent="0" algn="ctr" defTabSz="914400" rtl="0" eaLnBrk="1" fontAlgn="base" latinLnBrk="0" hangingPunct="1">
+              <a:lnSpc>
+                <a:spcPct val="100000"/>
+              </a:lnSpc>
+              <a:spcBef>
+                <a:spcPct val="0"/>
+              </a:spcBef>
+              <a:spcAft>
+                <a:spcPts val="1000"/>
+              </a:spcAft>
+              <a:buClrTx/>
+              <a:buSzTx/>
+              <a:buFontTx/>
+              <a:buNone/>
+              <a:tabLst/>
+            </a:pPr>
+            <a:r>
+              <a:rPr kumimoji="0" lang="en-US" altLang="ja-JP" sz="1100" b="1" i="0" u="none" strike="noStrike" cap="none" normalizeH="0" baseline="0" dirty="0">
+                <a:ln>
+                  <a:noFill/>
+                </a:ln>
+                <a:solidFill>
+                  <a:srgbClr val="595959"/>
+                </a:solidFill>
+                <a:effectLst/>
+                <a:latin typeface="Calibri" pitchFamily="34" charset="0"/>
+                <a:ea typeface="MS Mincho" pitchFamily="49" charset="-128"/>
+                <a:cs typeface="Arial" pitchFamily="34" charset="0"/>
+              </a:rPr>
+              <a:t>HOME | ENGINEERING | STAFFING | COMPANY | CONTACT</a:t>
+            </a:r>
+          </a:p>
+          <a:p>
+            <a:pPr marL="0" marR="0" lvl="0" indent="0" algn="ctr" defTabSz="914400" rtl="0" eaLnBrk="1" fontAlgn="base" latinLnBrk="0" hangingPunct="1">
+              <a:lnSpc>
+                <a:spcPct val="100000"/>
+              </a:lnSpc>
+              <a:spcBef>
+                <a:spcPct val="0"/>
+              </a:spcBef>
+              <a:spcAft>
+                <a:spcPts val="1000"/>
+              </a:spcAft>
+              <a:buClrTx/>
+              <a:buSzTx/>
+              <a:buFontTx/>
+              <a:buNone/>
+              <a:tabLst/>
+            </a:pPr>
+            <a:r>
+              <a:rPr kumimoji="0" lang="en-US" altLang="ja-JP" sz="1100" b="1" i="0" u="none" strike="noStrike" cap="none" normalizeH="0" baseline="0" dirty="0">
+                <a:ln>
+                  <a:noFill/>
+                </a:ln>
+                <a:solidFill>
+                  <a:srgbClr val="595959"/>
+                </a:solidFill>
+                <a:effectLst/>
+                <a:latin typeface="Calibri" pitchFamily="34" charset="0"/>
+                <a:ea typeface="MS Mincho" pitchFamily="49" charset="-128"/>
+                <a:cs typeface="Arial" pitchFamily="34" charset="0"/>
+              </a:rPr>
+              <a:t>© 2019 DESIGN RESOURCE, INC.</a:t>
+            </a:r>
+          </a:p>
+          <a:p>
+            <a:pPr marL="0" marR="0" lvl="0" indent="0" algn="l" defTabSz="914400" rtl="0" eaLnBrk="1" fontAlgn="base" latinLnBrk="0" hangingPunct="1">
+              <a:lnSpc>
+                <a:spcPct val="100000"/>
+              </a:lnSpc>
+              <a:spcBef>
+                <a:spcPct val="0"/>
+              </a:spcBef>
+              <a:spcAft>
+                <a:spcPts val="1000"/>
+              </a:spcAft>
+              <a:buClrTx/>
+              <a:buSzTx/>
+              <a:buFontTx/>
+              <a:buNone/>
+              <a:tabLst/>
+            </a:pPr>
+            <a:endParaRPr kumimoji="0" lang="en-US" altLang="ja-JP" sz="1100" b="1" i="0" u="none" strike="noStrike" cap="none" normalizeH="0" baseline="0" dirty="0">
+              <a:ln>
+                <a:noFill/>
+              </a:ln>
+              <a:solidFill>
+                <a:srgbClr val="595959"/>
+              </a:solidFill>
+              <a:effectLst/>
+              <a:latin typeface="Times New Roman" pitchFamily="18" charset="0"/>
+              <a:ea typeface="MS Mincho" pitchFamily="49" charset="-128"/>
+              <a:cs typeface="Arial" pitchFamily="34" charset="0"/>
+            </a:endParaRPr>
+          </a:p>
+          <a:p>
+            <a:pPr marL="0" marR="0" lvl="0" indent="0" algn="l" defTabSz="914400" rtl="0" eaLnBrk="1" fontAlgn="base" latinLnBrk="0" hangingPunct="1">
+              <a:lnSpc>
+                <a:spcPct val="100000"/>
+              </a:lnSpc>
+              <a:spcBef>
+                <a:spcPct val="0"/>
+              </a:spcBef>
+              <a:spcAft>
+                <a:spcPct val="0"/>
+              </a:spcAft>
+              <a:buClrTx/>
+              <a:buSzTx/>
+              <a:buFontTx/>
+              <a:buNone/>
+              <a:tabLst/>
+            </a:pPr>
+            <a:endParaRPr kumimoji="0" lang="en-US" sz="1800" b="0" i="0" u="none" strike="noStrike" cap="none" normalizeH="0" baseline="0" dirty="0">
+              <a:ln>
+                <a:noFill/>
+              </a:ln>
+              <a:solidFill>
+                <a:schemeClr val="tx1"/>
+              </a:solidFill>
+              <a:effectLst/>
+              <a:latin typeface="Arial" pitchFamily="34" charset="0"/>
+              <a:cs typeface="Arial" pitchFamily="34" charset="0"/>
+            </a:endParaRPr>
+          </a:p>
+        </p:txBody>
+      </p:sp>
+      <p:sp>
+        <p:nvSpPr>
+          <p:cNvPr id="41" name="Rectangle 40"/>
+          <p:cNvSpPr/>
+          <p:nvPr/>
+        </p:nvSpPr>
+        <p:spPr>
+          <a:xfrm>
+            <a:off x="2362200" y="304800"/>
+            <a:ext cx="3142592" cy="369332"/>
+          </a:xfrm>
+          <a:prstGeom prst="rect">
+            <a:avLst/>
+          </a:prstGeom>
+        </p:spPr>
+        <p:txBody>
+          <a:bodyPr wrap="none">
+            <a:spAutoFit/>
+          </a:bodyPr>
+          <a:lstStyle/>
+          <a:p>
+            <a:r>
+              <a:rPr lang="en-US" i="1" dirty="0">
+                <a:solidFill>
+                  <a:schemeClr val="tx1">
+                    <a:lumMod val="65000"/>
+                    <a:lumOff val="35000"/>
+                  </a:schemeClr>
+                </a:solidFill>
+              </a:rPr>
+              <a:t>Value driven. Quality sustained.</a:t>
+            </a:r>
+          </a:p>
+        </p:txBody>
+      </p:sp>
+      <p:sp>
+        <p:nvSpPr>
+          <p:cNvPr id="29" name="Rectangle 28"/>
+          <p:cNvSpPr/>
+          <p:nvPr/>
+        </p:nvSpPr>
+        <p:spPr>
+          <a:xfrm>
+            <a:off x="0" y="1447800"/>
+            <a:ext cx="6858000" cy="914400"/>
+          </a:xfrm>
+          <a:prstGeom prst="rect">
+            <a:avLst/>
+          </a:prstGeom>
+          <a:solidFill>
+            <a:schemeClr val="accent1">
+              <a:lumMod val="50000"/>
+            </a:schemeClr>
+          </a:solidFill>
+          <a:ln>
+            <a:noFill/>
+          </a:ln>
+        </p:spPr>
+        <p:style>
+          <a:lnRef idx="2">
+            <a:schemeClr val="accent1">
+              <a:shade val="50000"/>
+            </a:schemeClr>
+          </a:lnRef>
+          <a:fillRef idx="1">
+            <a:schemeClr val="accent1"/>
+          </a:fillRef>
+          <a:effectRef idx="0">
+            <a:schemeClr val="accent1"/>
+          </a:effectRef>
+          <a:fontRef idx="minor">
+            <a:schemeClr val="lt1"/>
+          </a:fontRef>
+        </p:style>
+        <p:txBody>
+          <a:bodyPr rtlCol="0" anchor="ctr"/>
+          <a:lstStyle/>
+          <a:p>
+            <a:pPr algn="ctr"/>
+            <a:endParaRPr lang="en-US"/>
+          </a:p>
+        </p:txBody>
+      </p:sp>
+      <p:sp>
+        <p:nvSpPr>
+          <p:cNvPr id="1026" name="Text Box 2"/>
+          <p:cNvSpPr txBox="1">
+            <a:spLocks noChangeArrowheads="1"/>
+          </p:cNvSpPr>
+          <p:nvPr/>
+        </p:nvSpPr>
+        <p:spPr bwMode="auto">
+          <a:xfrm>
+            <a:off x="457200" y="1600200"/>
+            <a:ext cx="5867400" cy="533400"/>
+          </a:xfrm>
+          <a:prstGeom prst="rect">
+            <a:avLst/>
+          </a:prstGeom>
+          <a:noFill/>
+          <a:ln w="9525">
+            <a:noFill/>
+            <a:miter lim="800000"/>
+            <a:headEnd/>
+            <a:tailEnd/>
+          </a:ln>
+        </p:spPr>
+        <p:txBody>
+          <a:bodyPr vert="horz" wrap="square" lIns="91440" tIns="45720" rIns="91440" bIns="45720" numCol="1" anchor="t" anchorCtr="0" compatLnSpc="1">
+            <a:prstTxWarp prst="textNoShape">
+              <a:avLst/>
+            </a:prstTxWarp>
+          </a:bodyPr>
+          <a:lstStyle/>
+          <a:p>
+            <a:pPr marL="0" marR="0" lvl="0" indent="0" algn="ctr" defTabSz="914400" rtl="0" eaLnBrk="1" fontAlgn="base" latinLnBrk="0" hangingPunct="1">
+              <a:lnSpc>
+                <a:spcPct val="100000"/>
+              </a:lnSpc>
+              <a:spcBef>
+                <a:spcPct val="0"/>
+              </a:spcBef>
+              <a:spcAft>
+                <a:spcPts val="1000"/>
+              </a:spcAft>
+              <a:buClrTx/>
+              <a:buSzTx/>
+              <a:buFontTx/>
+              <a:buNone/>
+              <a:tabLst/>
+            </a:pPr>
+            <a:r>
+              <a:rPr kumimoji="0" lang="en-US" altLang="ja-JP" sz="2800" b="1" i="0" u="none" strike="noStrike" cap="none" normalizeH="0" baseline="0" dirty="0">
+                <a:ln>
+                  <a:noFill/>
+                </a:ln>
+                <a:solidFill>
+                  <a:srgbClr val="FFFFFF"/>
+                </a:solidFill>
+                <a:effectLst/>
+                <a:latin typeface="Calibri" pitchFamily="34" charset="0"/>
+                <a:ea typeface="MS Mincho" pitchFamily="49" charset="-128"/>
+                <a:cs typeface="Arial" pitchFamily="34" charset="0"/>
+              </a:rPr>
+              <a:t>Controls and Safety</a:t>
+            </a:r>
+          </a:p>
+        </p:txBody>
+      </p:sp>
+      <p:sp>
+        <p:nvSpPr>
+          <p:cNvPr id="2050" name="Text Box 2"/>
+          <p:cNvSpPr txBox="1">
+            <a:spLocks noChangeArrowheads="1"/>
+          </p:cNvSpPr>
+          <p:nvPr/>
+        </p:nvSpPr>
+        <p:spPr bwMode="auto">
+          <a:xfrm>
+            <a:off x="685800" y="2514600"/>
+            <a:ext cx="5597996" cy="768350"/>
+          </a:xfrm>
+          <a:prstGeom prst="rect">
+            <a:avLst/>
+          </a:prstGeom>
+          <a:solidFill>
+            <a:srgbClr val="FFFFFF"/>
+          </a:solidFill>
+          <a:ln w="9525">
+            <a:noFill/>
+            <a:miter lim="800000"/>
+            <a:headEnd/>
+            <a:tailEnd/>
+          </a:ln>
+        </p:spPr>
+        <p:txBody>
+          <a:bodyPr vert="horz" wrap="square" lIns="91440" tIns="45720" rIns="91440" bIns="45720" numCol="1" anchor="t" anchorCtr="0" compatLnSpc="1">
+            <a:prstTxWarp prst="textNoShape">
+              <a:avLst/>
+            </a:prstTxWarp>
+          </a:bodyPr>
+          <a:lstStyle/>
+          <a:p>
+            <a:r>
+              <a:rPr lang="en-US" b="1" i="1" dirty="0">
+                <a:solidFill>
+                  <a:schemeClr val="accent6">
+                    <a:lumMod val="50000"/>
+                  </a:schemeClr>
+                </a:solidFill>
+              </a:rPr>
+              <a:t>Complete design and build of controls and safety barriers for manufacturing and automation.</a:t>
+            </a:r>
+            <a:endParaRPr lang="en-US" dirty="0">
+              <a:solidFill>
+                <a:schemeClr val="accent6">
+                  <a:lumMod val="50000"/>
+                </a:schemeClr>
+              </a:solidFill>
+            </a:endParaRPr>
+          </a:p>
+        </p:txBody>
+      </p:sp>
+      <p:sp>
+        <p:nvSpPr>
+          <p:cNvPr id="2051" name="Text Box 3"/>
+          <p:cNvSpPr txBox="1">
+            <a:spLocks noChangeArrowheads="1"/>
+          </p:cNvSpPr>
+          <p:nvPr/>
+        </p:nvSpPr>
+        <p:spPr bwMode="auto">
+          <a:xfrm>
+            <a:off x="391733" y="3695699"/>
+            <a:ext cx="2909888" cy="4648200"/>
+          </a:xfrm>
+          <a:prstGeom prst="rect">
+            <a:avLst/>
+          </a:prstGeom>
+          <a:solidFill>
+            <a:srgbClr val="FFFFFF"/>
+          </a:solidFill>
+          <a:ln w="9525">
+            <a:noFill/>
+            <a:miter lim="800000"/>
+            <a:headEnd/>
+            <a:tailEnd/>
+          </a:ln>
+        </p:spPr>
+        <p:txBody>
+          <a:bodyPr vert="horz" wrap="square" lIns="91440" tIns="45720" rIns="91440" bIns="45720" numCol="1" anchor="t" anchorCtr="0" compatLnSpc="1">
+            <a:prstTxWarp prst="textNoShape">
+              <a:avLst/>
+            </a:prstTxWarp>
+          </a:bodyPr>
+          <a:lstStyle/>
+          <a:p>
+            <a:r>
+              <a:rPr lang="en-US" sz="1200" b="1" dirty="0">
+                <a:solidFill>
+                  <a:schemeClr val="tx1">
+                    <a:lumMod val="65000"/>
+                    <a:lumOff val="35000"/>
+                  </a:schemeClr>
+                </a:solidFill>
+              </a:rPr>
+              <a:t>Safety Barriers</a:t>
+            </a:r>
+            <a:endParaRPr lang="en-US" sz="1200" dirty="0">
+              <a:solidFill>
+                <a:schemeClr val="tx1">
+                  <a:lumMod val="65000"/>
+                  <a:lumOff val="35000"/>
+                </a:schemeClr>
+              </a:solidFill>
+            </a:endParaRPr>
+          </a:p>
+          <a:p>
+            <a:pPr marL="628650" lvl="1" indent="-171450">
+              <a:buFont typeface="Arial" panose="020B0604020202020204" pitchFamily="34" charset="0"/>
+              <a:buChar char="•"/>
+            </a:pPr>
+            <a:r>
+              <a:rPr lang="en-US" sz="1200" dirty="0">
+                <a:solidFill>
+                  <a:schemeClr val="tx1">
+                    <a:lumMod val="65000"/>
+                    <a:lumOff val="35000"/>
+                  </a:schemeClr>
+                </a:solidFill>
+              </a:rPr>
+              <a:t>Enclosures</a:t>
+            </a:r>
+          </a:p>
+          <a:p>
+            <a:pPr marL="628650" lvl="1" indent="-171450">
+              <a:buFont typeface="Arial" panose="020B0604020202020204" pitchFamily="34" charset="0"/>
+              <a:buChar char="•"/>
+            </a:pPr>
+            <a:r>
+              <a:rPr lang="en-US" sz="1200" dirty="0">
+                <a:solidFill>
+                  <a:schemeClr val="tx1">
+                    <a:lumMod val="65000"/>
+                    <a:lumOff val="35000"/>
+                  </a:schemeClr>
+                </a:solidFill>
+              </a:rPr>
+              <a:t>RABs</a:t>
+            </a:r>
+          </a:p>
+          <a:p>
+            <a:pPr marL="628650" lvl="1" indent="-171450">
+              <a:buFont typeface="Arial" panose="020B0604020202020204" pitchFamily="34" charset="0"/>
+              <a:buChar char="•"/>
+            </a:pPr>
+            <a:r>
+              <a:rPr lang="en-US" sz="1200" dirty="0">
+                <a:solidFill>
+                  <a:schemeClr val="tx1">
+                    <a:lumMod val="65000"/>
+                    <a:lumOff val="35000"/>
+                  </a:schemeClr>
+                </a:solidFill>
+              </a:rPr>
+              <a:t>Light curtains</a:t>
+            </a:r>
+          </a:p>
+          <a:p>
+            <a:r>
+              <a:rPr lang="en-US" sz="1200" b="1" dirty="0">
+                <a:solidFill>
+                  <a:schemeClr val="tx1">
+                    <a:lumMod val="65000"/>
+                    <a:lumOff val="35000"/>
+                  </a:schemeClr>
+                </a:solidFill>
+              </a:rPr>
+              <a:t> </a:t>
+            </a:r>
+            <a:endParaRPr lang="en-US" sz="1200" dirty="0">
+              <a:solidFill>
+                <a:schemeClr val="tx1">
+                  <a:lumMod val="65000"/>
+                  <a:lumOff val="35000"/>
+                </a:schemeClr>
+              </a:solidFill>
+            </a:endParaRPr>
+          </a:p>
+          <a:p>
+            <a:r>
+              <a:rPr lang="en-US" sz="1200" b="1" dirty="0">
+                <a:solidFill>
+                  <a:schemeClr val="tx1">
+                    <a:lumMod val="65000"/>
+                    <a:lumOff val="35000"/>
+                  </a:schemeClr>
+                </a:solidFill>
+              </a:rPr>
+              <a:t> </a:t>
+            </a:r>
+            <a:endParaRPr lang="en-US" sz="1200" dirty="0">
+              <a:solidFill>
+                <a:schemeClr val="tx1">
+                  <a:lumMod val="65000"/>
+                  <a:lumOff val="35000"/>
+                </a:schemeClr>
+              </a:solidFill>
+            </a:endParaRPr>
+          </a:p>
+          <a:p>
+            <a:r>
+              <a:rPr lang="en-US" sz="1200" b="1" dirty="0">
+                <a:solidFill>
+                  <a:schemeClr val="tx1">
+                    <a:lumMod val="65000"/>
+                    <a:lumOff val="35000"/>
+                  </a:schemeClr>
+                </a:solidFill>
+              </a:rPr>
+              <a:t> </a:t>
+            </a:r>
+            <a:endParaRPr lang="en-US" sz="1200" dirty="0">
+              <a:solidFill>
+                <a:schemeClr val="tx1">
+                  <a:lumMod val="65000"/>
+                  <a:lumOff val="35000"/>
+                </a:schemeClr>
+              </a:solidFill>
+            </a:endParaRPr>
+          </a:p>
+          <a:p>
+            <a:r>
+              <a:rPr lang="en-US" sz="1200" b="1" dirty="0">
+                <a:solidFill>
+                  <a:schemeClr val="tx1">
+                    <a:lumMod val="65000"/>
+                    <a:lumOff val="35000"/>
+                  </a:schemeClr>
+                </a:solidFill>
+              </a:rPr>
+              <a:t>Controls design</a:t>
+            </a:r>
+            <a:endParaRPr lang="en-US" sz="1200" dirty="0">
+              <a:solidFill>
+                <a:schemeClr val="tx1">
+                  <a:lumMod val="65000"/>
+                  <a:lumOff val="35000"/>
+                </a:schemeClr>
+              </a:solidFill>
+            </a:endParaRPr>
+          </a:p>
+          <a:p>
+            <a:pPr marL="628650" lvl="1" indent="-171450">
+              <a:buFont typeface="Arial" panose="020B0604020202020204" pitchFamily="34" charset="0"/>
+              <a:buChar char="•"/>
+            </a:pPr>
+            <a:r>
+              <a:rPr lang="en-US" sz="1200" dirty="0">
+                <a:solidFill>
+                  <a:schemeClr val="tx1">
+                    <a:lumMod val="65000"/>
+                    <a:lumOff val="35000"/>
+                  </a:schemeClr>
+                </a:solidFill>
+              </a:rPr>
+              <a:t>Automation controls</a:t>
+            </a:r>
+          </a:p>
+          <a:p>
+            <a:pPr marL="628650" lvl="1" indent="-171450">
+              <a:buFont typeface="Arial" panose="020B0604020202020204" pitchFamily="34" charset="0"/>
+              <a:buChar char="•"/>
+            </a:pPr>
+            <a:r>
+              <a:rPr lang="en-US" sz="1200" dirty="0">
+                <a:solidFill>
+                  <a:schemeClr val="tx1">
+                    <a:lumMod val="65000"/>
+                    <a:lumOff val="35000"/>
+                  </a:schemeClr>
+                </a:solidFill>
+              </a:rPr>
+              <a:t>PLC programming</a:t>
+            </a:r>
+          </a:p>
+          <a:p>
+            <a:pPr marL="628650" lvl="1" indent="-171450">
+              <a:buFont typeface="Arial" panose="020B0604020202020204" pitchFamily="34" charset="0"/>
+              <a:buChar char="•"/>
+            </a:pPr>
+            <a:r>
+              <a:rPr lang="en-US" sz="1200" dirty="0">
+                <a:solidFill>
+                  <a:schemeClr val="tx1">
+                    <a:lumMod val="65000"/>
+                    <a:lumOff val="35000"/>
+                  </a:schemeClr>
+                </a:solidFill>
+              </a:rPr>
+              <a:t>HMIs</a:t>
+            </a:r>
+          </a:p>
+          <a:p>
+            <a:pPr marL="0" marR="0" lvl="0" indent="0" algn="l" defTabSz="914400" rtl="0" eaLnBrk="1" fontAlgn="base" latinLnBrk="0" hangingPunct="1">
+              <a:spcBef>
+                <a:spcPct val="0"/>
+              </a:spcBef>
+              <a:spcAft>
+                <a:spcPts val="400"/>
+              </a:spcAft>
+              <a:buClrTx/>
+              <a:buSzTx/>
+              <a:buFontTx/>
+              <a:buNone/>
+              <a:tabLst/>
+            </a:pPr>
+            <a:endParaRPr kumimoji="0" lang="en-US" sz="1800" b="0" i="0" u="none" strike="noStrike" cap="none" normalizeH="0" baseline="0" dirty="0">
+              <a:ln>
+                <a:noFill/>
+              </a:ln>
+              <a:solidFill>
+                <a:schemeClr val="tx1"/>
+              </a:solidFill>
+              <a:effectLst/>
+              <a:latin typeface="Arial" pitchFamily="34" charset="0"/>
+              <a:cs typeface="Arial" pitchFamily="34" charset="0"/>
+            </a:endParaRPr>
+          </a:p>
+        </p:txBody>
+      </p:sp>
+      <p:grpSp>
+        <p:nvGrpSpPr>
+          <p:cNvPr id="32" name="Group 31"/>
+          <p:cNvGrpSpPr/>
+          <p:nvPr/>
+        </p:nvGrpSpPr>
+        <p:grpSpPr>
+          <a:xfrm>
+            <a:off x="5486400" y="381000"/>
+            <a:ext cx="1066800" cy="276999"/>
+            <a:chOff x="685800" y="6705600"/>
+            <a:chExt cx="1143000" cy="276999"/>
+          </a:xfrm>
+        </p:grpSpPr>
+        <p:sp>
+          <p:nvSpPr>
+            <p:cNvPr id="33" name="TextBox 32"/>
+            <p:cNvSpPr txBox="1"/>
+            <p:nvPr/>
+          </p:nvSpPr>
+          <p:spPr>
+            <a:xfrm>
+              <a:off x="685800" y="6705600"/>
+              <a:ext cx="1143000" cy="276999"/>
+            </a:xfrm>
+            <a:prstGeom prst="rect">
+              <a:avLst/>
+            </a:prstGeom>
+            <a:noFill/>
+            <a:ln>
+              <a:solidFill>
+                <a:schemeClr val="accent6">
+                  <a:lumMod val="50000"/>
+                </a:schemeClr>
+              </a:solidFill>
+            </a:ln>
+          </p:spPr>
+          <p:txBody>
+            <a:bodyPr wrap="square" rtlCol="0">
+              <a:spAutoFit/>
+            </a:bodyPr>
+            <a:lstStyle/>
+            <a:p>
+              <a:r>
+                <a:rPr lang="en-US" sz="1200" b="1" dirty="0">
+                  <a:solidFill>
+                    <a:schemeClr val="accent6">
+                      <a:lumMod val="50000"/>
+                    </a:schemeClr>
+                  </a:solidFill>
+                </a:rPr>
+                <a:t>Contact us</a:t>
+              </a:r>
+            </a:p>
+          </p:txBody>
+        </p:sp>
+        <p:sp>
+          <p:nvSpPr>
+            <p:cNvPr id="34" name="Right Arrow 33"/>
+            <p:cNvSpPr/>
+            <p:nvPr/>
+          </p:nvSpPr>
+          <p:spPr>
+            <a:xfrm>
+              <a:off x="1573772" y="6818359"/>
+              <a:ext cx="102628" cy="45719"/>
+            </a:xfrm>
+            <a:prstGeom prst="rightArrow">
+              <a:avLst/>
+            </a:prstGeom>
+            <a:solidFill>
+              <a:schemeClr val="accent6">
+                <a:lumMod val="50000"/>
+              </a:schemeClr>
+            </a:solidFill>
+            <a:ln>
+              <a:noFill/>
+            </a:ln>
+          </p:spPr>
+          <p:style>
+            <a:lnRef idx="2">
+              <a:schemeClr val="accent1">
+                <a:shade val="50000"/>
+              </a:schemeClr>
+            </a:lnRef>
+            <a:fillRef idx="1">
+              <a:schemeClr val="accent1"/>
+            </a:fillRef>
+            <a:effectRef idx="0">
+              <a:schemeClr val="accent1"/>
+            </a:effectRef>
+            <a:fontRef idx="minor">
+              <a:schemeClr val="lt1"/>
+            </a:fontRef>
+          </p:style>
+          <p:txBody>
+            <a:bodyPr rtlCol="0" anchor="ctr"/>
+            <a:lstStyle/>
+            <a:p>
+              <a:pPr algn="ctr"/>
+              <a:endParaRPr lang="en-US"/>
+            </a:p>
+          </p:txBody>
+        </p:sp>
+      </p:grpSp>
+      <p:pic>
+        <p:nvPicPr>
+          <p:cNvPr id="28" name="Picture 27">
+            <a:extLst>
+              <a:ext uri="{FF2B5EF4-FFF2-40B4-BE49-F238E27FC236}">
+                <a16:creationId xmlns:a16="http://schemas.microsoft.com/office/drawing/2014/main" id="{D0DA4C26-CCA0-4CFC-9E2F-11A7D6353E0B}"/>
+              </a:ext>
+            </a:extLst>
+          </p:cNvPr>
+          <p:cNvPicPr/>
+          <p:nvPr/>
+        </p:nvPicPr>
+        <p:blipFill>
+          <a:blip r:embed="rId4" cstate="print"/>
+          <a:srcRect/>
+          <a:stretch>
+            <a:fillRect/>
+          </a:stretch>
+        </p:blipFill>
+        <p:spPr bwMode="auto">
+          <a:xfrm>
+            <a:off x="2655128" y="3710247"/>
+            <a:ext cx="3126740" cy="1981360"/>
+          </a:xfrm>
+          <a:prstGeom prst="rect">
+            <a:avLst/>
+          </a:prstGeom>
+          <a:noFill/>
+          <a:ln w="9525">
+            <a:noFill/>
+            <a:miter lim="800000"/>
+            <a:headEnd/>
+            <a:tailEnd/>
+          </a:ln>
+        </p:spPr>
+      </p:pic>
+      <p:pic>
+        <p:nvPicPr>
+          <p:cNvPr id="30" name="Picture 29" descr="Image result for control box">
+            <a:extLst>
+              <a:ext uri="{FF2B5EF4-FFF2-40B4-BE49-F238E27FC236}">
+                <a16:creationId xmlns:a16="http://schemas.microsoft.com/office/drawing/2014/main" id="{BA614869-1D5D-493B-886F-282CFCB591BA}"/>
+              </a:ext>
+            </a:extLst>
+          </p:cNvPr>
+          <p:cNvPicPr/>
+          <p:nvPr/>
+        </p:nvPicPr>
+        <p:blipFill>
+          <a:blip r:embed="rId5" cstate="print"/>
+          <a:srcRect/>
+          <a:stretch>
+            <a:fillRect/>
+          </a:stretch>
+        </p:blipFill>
+        <p:spPr bwMode="auto">
+          <a:xfrm>
+            <a:off x="4629150" y="5943474"/>
+            <a:ext cx="1389062" cy="1389375"/>
+          </a:xfrm>
+          <a:prstGeom prst="rect">
+            <a:avLst/>
+          </a:prstGeom>
+          <a:noFill/>
+          <a:ln w="9525">
+            <a:noFill/>
+            <a:miter lim="800000"/>
+            <a:headEnd/>
+            <a:tailEnd/>
+          </a:ln>
+        </p:spPr>
+      </p:pic>
+      <p:pic>
+        <p:nvPicPr>
+          <p:cNvPr id="35" name="Picture 34" descr="C:\Documents and Settings\Administrator\Desktop\marketing images\special machines-manufacturing\cleaning system.JPG">
+            <a:extLst>
+              <a:ext uri="{FF2B5EF4-FFF2-40B4-BE49-F238E27FC236}">
+                <a16:creationId xmlns:a16="http://schemas.microsoft.com/office/drawing/2014/main" id="{6E3ED270-F860-4B20-B359-6E9F0EF20591}"/>
+              </a:ext>
+            </a:extLst>
+          </p:cNvPr>
+          <p:cNvPicPr/>
+          <p:nvPr/>
+        </p:nvPicPr>
+        <p:blipFill>
+          <a:blip r:embed="rId6" cstate="print"/>
+          <a:srcRect/>
+          <a:stretch>
+            <a:fillRect/>
+          </a:stretch>
+        </p:blipFill>
+        <p:spPr bwMode="auto">
+          <a:xfrm>
+            <a:off x="2677223" y="5871035"/>
+            <a:ext cx="1758315" cy="1529430"/>
+          </a:xfrm>
+          <a:prstGeom prst="snip2SameRect">
+            <a:avLst>
+              <a:gd name="adj1" fmla="val 0"/>
+              <a:gd name="adj2" fmla="val 0"/>
+            </a:avLst>
+          </a:prstGeom>
+          <a:ln w="12700" cap="sq">
+            <a:solidFill>
+              <a:srgbClr val="000000"/>
+            </a:solidFill>
+            <a:miter lim="800000"/>
+          </a:ln>
+          <a:effectLst>
+            <a:outerShdw blurRad="57150" dist="50800" dir="2700000" algn="tl" rotWithShape="0">
+              <a:srgbClr val="000000">
+                <a:alpha val="40000"/>
+              </a:srgbClr>
+            </a:outerShdw>
+          </a:effectLst>
+        </p:spPr>
+      </p:pic>
+    </p:spTree>
+    <p:extLst>
+      <p:ext uri="{BB962C8B-B14F-4D97-AF65-F5344CB8AC3E}">
+        <p14:creationId xmlns:p14="http://schemas.microsoft.com/office/powerpoint/2010/main" val="3620204505"/>
+      </p:ext>
+    </p:extLst>
+  </p:cSld>
+  <p:clrMapOvr>
+    <a:masterClrMapping/>
+  </p:clrMapOvr>
+</p:sld>
+</file>
+
+<file path=ppt/slides/slide6.xml><?xml version="1.0" encoding="utf-8"?>
+<p:sld xmlns:a="http://schemas.openxmlformats.org/drawingml/2006/main" xmlns:r="http://schemas.openxmlformats.org/officeDocument/2006/relationships" xmlns:p="http://schemas.openxmlformats.org/presentationml/2006/main">
+  <p:cSld>
+    <p:spTree>
+      <p:nvGrpSpPr>
+        <p:cNvPr id="1" name=""/>
+        <p:cNvGrpSpPr/>
+        <p:nvPr/>
+      </p:nvGrpSpPr>
+      <p:grpSpPr>
+        <a:xfrm>
+          <a:off x="0" y="0"/>
+          <a:ext cx="0" cy="0"/>
+          <a:chOff x="0" y="0"/>
+          <a:chExt cx="0" cy="0"/>
+        </a:xfrm>
+      </p:grpSpPr>
+      <p:pic>
+        <p:nvPicPr>
+          <p:cNvPr id="7" name="Picture 6"/>
+          <p:cNvPicPr/>
+          <p:nvPr/>
+        </p:nvPicPr>
+        <p:blipFill>
+          <a:blip r:embed="rId2" cstate="print"/>
+          <a:srcRect/>
+          <a:stretch>
+            <a:fillRect/>
+          </a:stretch>
+        </p:blipFill>
+        <p:spPr bwMode="auto">
+          <a:xfrm>
+            <a:off x="0" y="0"/>
+            <a:ext cx="6858000" cy="4571999"/>
+          </a:xfrm>
+          <a:prstGeom prst="rect">
+            <a:avLst/>
+          </a:prstGeom>
+          <a:noFill/>
+          <a:ln w="9525">
+            <a:noFill/>
+            <a:miter lim="800000"/>
+            <a:headEnd/>
+            <a:tailEnd/>
+          </a:ln>
+        </p:spPr>
+      </p:pic>
+      <p:sp>
+        <p:nvSpPr>
+          <p:cNvPr id="1027" name="Text Box 3"/>
+          <p:cNvSpPr txBox="1">
+            <a:spLocks noChangeArrowheads="1"/>
+          </p:cNvSpPr>
+          <p:nvPr/>
+        </p:nvSpPr>
+        <p:spPr bwMode="auto">
+          <a:xfrm>
+            <a:off x="1066800" y="1066800"/>
+            <a:ext cx="5151437" cy="300037"/>
+          </a:xfrm>
+          <a:prstGeom prst="rect">
+            <a:avLst/>
+          </a:prstGeom>
+          <a:noFill/>
+          <a:ln w="9525">
+            <a:noFill/>
+            <a:miter lim="800000"/>
+            <a:headEnd/>
+            <a:tailEnd/>
+          </a:ln>
+        </p:spPr>
+        <p:txBody>
+          <a:bodyPr vert="horz" wrap="square" lIns="91440" tIns="45720" rIns="91440" bIns="45720" numCol="1" anchor="t" anchorCtr="0" compatLnSpc="1">
+            <a:prstTxWarp prst="textNoShape">
+              <a:avLst/>
+            </a:prstTxWarp>
+          </a:bodyPr>
+          <a:lstStyle/>
+          <a:p>
+            <a:pPr marL="0" marR="0" lvl="0" indent="0" algn="l" defTabSz="914400" rtl="0" eaLnBrk="1" fontAlgn="base" latinLnBrk="0" hangingPunct="1">
+              <a:lnSpc>
+                <a:spcPct val="100000"/>
+              </a:lnSpc>
+              <a:spcBef>
+                <a:spcPct val="0"/>
+              </a:spcBef>
+              <a:spcAft>
+                <a:spcPts val="1000"/>
+              </a:spcAft>
+              <a:buClrTx/>
+              <a:buSzTx/>
+              <a:buFontTx/>
+              <a:buNone/>
+              <a:tabLst/>
+            </a:pPr>
+            <a:r>
+              <a:rPr kumimoji="0" lang="en-US" altLang="ja-JP" sz="1100" b="1" i="0" u="none" strike="noStrike" cap="none" normalizeH="0" baseline="0" dirty="0">
+                <a:ln>
+                  <a:noFill/>
+                </a:ln>
+                <a:solidFill>
+                  <a:srgbClr val="FFFFFF"/>
+                </a:solidFill>
+                <a:effectLst/>
+                <a:latin typeface="Calibri" pitchFamily="34" charset="0"/>
+                <a:ea typeface="MS Mincho" pitchFamily="49" charset="-128"/>
+                <a:cs typeface="Arial" pitchFamily="34" charset="0"/>
+              </a:rPr>
+              <a:t>HOME        ENGINEERING   </a:t>
+            </a:r>
+            <a:r>
+              <a:rPr lang="en-US" altLang="ja-JP" sz="1100" b="1" dirty="0">
+                <a:solidFill>
+                  <a:srgbClr val="FFFFFF"/>
+                </a:solidFill>
+                <a:latin typeface="Times New Roman" pitchFamily="18" charset="0"/>
+                <a:ea typeface="MS Mincho" pitchFamily="49" charset="-128"/>
+                <a:cs typeface="Arial" pitchFamily="34" charset="0"/>
+              </a:rPr>
+              <a:t>    </a:t>
+            </a:r>
+            <a:r>
+              <a:rPr kumimoji="0" lang="en-US" altLang="ja-JP" sz="1100" b="1" i="0" u="none" strike="noStrike" cap="none" normalizeH="0" baseline="0" dirty="0">
+                <a:ln>
+                  <a:noFill/>
+                </a:ln>
+                <a:solidFill>
+                  <a:srgbClr val="FFFFFF"/>
+                </a:solidFill>
+                <a:effectLst/>
+                <a:latin typeface="Calibri" pitchFamily="34" charset="0"/>
+                <a:ea typeface="MS Mincho" pitchFamily="49" charset="-128"/>
+                <a:cs typeface="Arial" pitchFamily="34" charset="0"/>
+              </a:rPr>
+              <a:t>STAFFING</a:t>
+            </a:r>
+            <a:r>
+              <a:rPr lang="en-US" altLang="ja-JP" sz="1100" b="1" dirty="0">
+                <a:solidFill>
+                  <a:srgbClr val="FFFFFF"/>
+                </a:solidFill>
+                <a:latin typeface="Calibri" pitchFamily="34" charset="0"/>
+                <a:ea typeface="MS Mincho" pitchFamily="49" charset="-128"/>
+                <a:cs typeface="Arial" pitchFamily="34" charset="0"/>
+              </a:rPr>
+              <a:t>        </a:t>
+            </a:r>
+            <a:r>
+              <a:rPr kumimoji="0" lang="en-US" altLang="ja-JP" sz="1100" b="1" i="0" u="none" strike="noStrike" cap="none" normalizeH="0" baseline="0" dirty="0">
+                <a:ln>
+                  <a:noFill/>
+                </a:ln>
+                <a:solidFill>
+                  <a:srgbClr val="FFFFFF"/>
+                </a:solidFill>
+                <a:effectLst/>
+                <a:latin typeface="Calibri" pitchFamily="34" charset="0"/>
+                <a:ea typeface="MS Mincho" pitchFamily="49" charset="-128"/>
+                <a:cs typeface="Arial" pitchFamily="34" charset="0"/>
+              </a:rPr>
+              <a:t>COMPANY</a:t>
+            </a:r>
+            <a:r>
+              <a:rPr lang="en-US" altLang="ja-JP" sz="1100" b="1" dirty="0">
+                <a:solidFill>
+                  <a:srgbClr val="FFFFFF"/>
+                </a:solidFill>
+                <a:latin typeface="Calibri" pitchFamily="34" charset="0"/>
+                <a:ea typeface="MS Mincho" pitchFamily="49" charset="-128"/>
+                <a:cs typeface="Arial" pitchFamily="34" charset="0"/>
+              </a:rPr>
+              <a:t>         </a:t>
+            </a:r>
+            <a:r>
+              <a:rPr kumimoji="0" lang="en-US" altLang="ja-JP" sz="1100" b="1" i="0" u="none" strike="noStrike" cap="none" normalizeH="0" baseline="0" dirty="0">
+                <a:ln>
+                  <a:noFill/>
+                </a:ln>
+                <a:solidFill>
+                  <a:srgbClr val="FFFFFF"/>
+                </a:solidFill>
+                <a:effectLst/>
+                <a:latin typeface="Calibri" pitchFamily="34" charset="0"/>
+                <a:ea typeface="MS Mincho" pitchFamily="49" charset="-128"/>
+                <a:cs typeface="Arial" pitchFamily="34" charset="0"/>
+              </a:rPr>
+              <a:t>CONTACT</a:t>
+            </a:r>
+            <a:endParaRPr kumimoji="0" lang="en-US" sz="1800" b="0" i="0" u="none" strike="noStrike" cap="none" normalizeH="0" baseline="0" dirty="0">
+              <a:ln>
+                <a:noFill/>
+              </a:ln>
+              <a:solidFill>
+                <a:schemeClr val="tx1"/>
+              </a:solidFill>
+              <a:effectLst/>
+              <a:latin typeface="Arial" pitchFamily="34" charset="0"/>
+              <a:cs typeface="Arial" pitchFamily="34" charset="0"/>
+            </a:endParaRPr>
+          </a:p>
+        </p:txBody>
+      </p:sp>
+      <p:sp>
+        <p:nvSpPr>
+          <p:cNvPr id="10" name="Rectangle 9"/>
+          <p:cNvSpPr/>
+          <p:nvPr/>
+        </p:nvSpPr>
+        <p:spPr>
+          <a:xfrm>
+            <a:off x="533400" y="0"/>
+            <a:ext cx="1219200" cy="914400"/>
+          </a:xfrm>
+          <a:prstGeom prst="rect">
+            <a:avLst/>
+          </a:prstGeom>
+          <a:solidFill>
+            <a:schemeClr val="bg1"/>
+          </a:solidFill>
+          <a:ln>
+            <a:noFill/>
+          </a:ln>
+        </p:spPr>
+        <p:style>
+          <a:lnRef idx="2">
+            <a:schemeClr val="accent1">
+              <a:shade val="50000"/>
+            </a:schemeClr>
+          </a:lnRef>
+          <a:fillRef idx="1">
+            <a:schemeClr val="accent1"/>
+          </a:fillRef>
+          <a:effectRef idx="0">
+            <a:schemeClr val="accent1"/>
+          </a:effectRef>
+          <a:fontRef idx="minor">
+            <a:schemeClr val="lt1"/>
+          </a:fontRef>
+        </p:style>
+        <p:txBody>
+          <a:bodyPr rtlCol="0" anchor="ctr"/>
+          <a:lstStyle/>
+          <a:p>
+            <a:pPr algn="ctr"/>
+            <a:endParaRPr lang="en-US"/>
+          </a:p>
+        </p:txBody>
+      </p:sp>
+      <p:pic>
+        <p:nvPicPr>
+          <p:cNvPr id="5" name="Picture 4"/>
+          <p:cNvPicPr/>
+          <p:nvPr/>
+        </p:nvPicPr>
+        <p:blipFill>
+          <a:blip r:embed="rId3" cstate="print">
+            <a:extLst>
+              <a:ext uri="{28A0092B-C50C-407E-A947-70E740481C1C}">
+                <a14:useLocalDpi xmlns:a14="http://schemas.microsoft.com/office/drawing/2010/main" val="0"/>
+              </a:ext>
+            </a:extLst>
+          </a:blip>
+          <a:srcRect/>
+          <a:stretch>
+            <a:fillRect/>
+          </a:stretch>
+        </p:blipFill>
+        <p:spPr bwMode="auto">
+          <a:xfrm>
+            <a:off x="457200" y="0"/>
+            <a:ext cx="1364907" cy="889686"/>
+          </a:xfrm>
+          <a:prstGeom prst="rect">
+            <a:avLst/>
+          </a:prstGeom>
+          <a:noFill/>
+        </p:spPr>
+      </p:pic>
+      <p:sp>
+        <p:nvSpPr>
+          <p:cNvPr id="16" name="Rectangle 15"/>
+          <p:cNvSpPr/>
+          <p:nvPr/>
+        </p:nvSpPr>
+        <p:spPr>
+          <a:xfrm>
+            <a:off x="0" y="2362200"/>
+            <a:ext cx="6858000" cy="2590800"/>
+          </a:xfrm>
+          <a:prstGeom prst="rect">
+            <a:avLst/>
+          </a:prstGeom>
+          <a:solidFill>
+            <a:schemeClr val="bg1"/>
+          </a:solidFill>
+          <a:ln>
+            <a:noFill/>
+          </a:ln>
+        </p:spPr>
+        <p:style>
+          <a:lnRef idx="2">
+            <a:schemeClr val="accent1">
+              <a:shade val="50000"/>
+            </a:schemeClr>
+          </a:lnRef>
+          <a:fillRef idx="1">
+            <a:schemeClr val="accent1"/>
+          </a:fillRef>
+          <a:effectRef idx="0">
+            <a:schemeClr val="accent1"/>
+          </a:effectRef>
+          <a:fontRef idx="minor">
+            <a:schemeClr val="lt1"/>
+          </a:fontRef>
+        </p:style>
+        <p:txBody>
+          <a:bodyPr rtlCol="0" anchor="ctr"/>
+          <a:lstStyle/>
+          <a:p>
+            <a:pPr algn="ctr"/>
+            <a:endParaRPr lang="en-US"/>
+          </a:p>
+        </p:txBody>
+      </p:sp>
+      <p:sp>
+        <p:nvSpPr>
+          <p:cNvPr id="1032" name="Text Box 8"/>
+          <p:cNvSpPr txBox="1">
+            <a:spLocks noChangeArrowheads="1"/>
+          </p:cNvSpPr>
+          <p:nvPr/>
+        </p:nvSpPr>
+        <p:spPr bwMode="auto">
+          <a:xfrm>
+            <a:off x="838200" y="8305800"/>
+            <a:ext cx="5151437" cy="646112"/>
+          </a:xfrm>
+          <a:prstGeom prst="rect">
+            <a:avLst/>
+          </a:prstGeom>
+          <a:noFill/>
+          <a:ln w="9525">
+            <a:noFill/>
+            <a:miter lim="800000"/>
+            <a:headEnd/>
+            <a:tailEnd/>
+          </a:ln>
+        </p:spPr>
+        <p:txBody>
+          <a:bodyPr vert="horz" wrap="square" lIns="91440" tIns="45720" rIns="91440" bIns="45720" numCol="1" anchor="t" anchorCtr="0" compatLnSpc="1">
+            <a:prstTxWarp prst="textNoShape">
+              <a:avLst/>
+            </a:prstTxWarp>
+          </a:bodyPr>
+          <a:lstStyle/>
+          <a:p>
+            <a:pPr marL="0" marR="0" lvl="0" indent="0" algn="ctr" defTabSz="914400" rtl="0" eaLnBrk="1" fontAlgn="base" latinLnBrk="0" hangingPunct="1">
+              <a:lnSpc>
+                <a:spcPct val="100000"/>
+              </a:lnSpc>
+              <a:spcBef>
+                <a:spcPct val="0"/>
+              </a:spcBef>
+              <a:spcAft>
+                <a:spcPts val="1000"/>
+              </a:spcAft>
+              <a:buClrTx/>
+              <a:buSzTx/>
+              <a:buFontTx/>
+              <a:buNone/>
+              <a:tabLst/>
+            </a:pPr>
+            <a:r>
+              <a:rPr kumimoji="0" lang="en-US" altLang="ja-JP" sz="1100" b="1" i="0" u="none" strike="noStrike" cap="none" normalizeH="0" baseline="0" dirty="0">
+                <a:ln>
+                  <a:noFill/>
+                </a:ln>
+                <a:solidFill>
+                  <a:srgbClr val="595959"/>
+                </a:solidFill>
+                <a:effectLst/>
+                <a:latin typeface="Calibri" pitchFamily="34" charset="0"/>
+                <a:ea typeface="MS Mincho" pitchFamily="49" charset="-128"/>
+                <a:cs typeface="Arial" pitchFamily="34" charset="0"/>
+              </a:rPr>
+              <a:t>HOME | ENGINEERING | STAFFING | COMPANY | CONTACT</a:t>
+            </a:r>
+          </a:p>
+          <a:p>
+            <a:pPr marL="0" marR="0" lvl="0" indent="0" algn="ctr" defTabSz="914400" rtl="0" eaLnBrk="1" fontAlgn="base" latinLnBrk="0" hangingPunct="1">
+              <a:lnSpc>
+                <a:spcPct val="100000"/>
+              </a:lnSpc>
+              <a:spcBef>
+                <a:spcPct val="0"/>
+              </a:spcBef>
+              <a:spcAft>
+                <a:spcPts val="1000"/>
+              </a:spcAft>
+              <a:buClrTx/>
+              <a:buSzTx/>
+              <a:buFontTx/>
+              <a:buNone/>
+              <a:tabLst/>
+            </a:pPr>
+            <a:r>
+              <a:rPr kumimoji="0" lang="en-US" altLang="ja-JP" sz="1100" b="1" i="0" u="none" strike="noStrike" cap="none" normalizeH="0" baseline="0" dirty="0">
+                <a:ln>
+                  <a:noFill/>
+                </a:ln>
+                <a:solidFill>
+                  <a:srgbClr val="595959"/>
+                </a:solidFill>
+                <a:effectLst/>
+                <a:latin typeface="Calibri" pitchFamily="34" charset="0"/>
+                <a:ea typeface="MS Mincho" pitchFamily="49" charset="-128"/>
+                <a:cs typeface="Arial" pitchFamily="34" charset="0"/>
+              </a:rPr>
+              <a:t>© 2019 DESIGN RESOURCE, INC.</a:t>
+            </a:r>
+          </a:p>
+          <a:p>
+            <a:pPr marL="0" marR="0" lvl="0" indent="0" algn="l" defTabSz="914400" rtl="0" eaLnBrk="1" fontAlgn="base" latinLnBrk="0" hangingPunct="1">
+              <a:lnSpc>
+                <a:spcPct val="100000"/>
+              </a:lnSpc>
+              <a:spcBef>
+                <a:spcPct val="0"/>
+              </a:spcBef>
+              <a:spcAft>
+                <a:spcPts val="1000"/>
+              </a:spcAft>
+              <a:buClrTx/>
+              <a:buSzTx/>
+              <a:buFontTx/>
+              <a:buNone/>
+              <a:tabLst/>
+            </a:pPr>
+            <a:endParaRPr kumimoji="0" lang="en-US" altLang="ja-JP" sz="1100" b="1" i="0" u="none" strike="noStrike" cap="none" normalizeH="0" baseline="0" dirty="0">
+              <a:ln>
+                <a:noFill/>
+              </a:ln>
+              <a:solidFill>
+                <a:srgbClr val="595959"/>
+              </a:solidFill>
+              <a:effectLst/>
+              <a:latin typeface="Times New Roman" pitchFamily="18" charset="0"/>
+              <a:ea typeface="MS Mincho" pitchFamily="49" charset="-128"/>
+              <a:cs typeface="Arial" pitchFamily="34" charset="0"/>
+            </a:endParaRPr>
+          </a:p>
+          <a:p>
+            <a:pPr marL="0" marR="0" lvl="0" indent="0" algn="l" defTabSz="914400" rtl="0" eaLnBrk="1" fontAlgn="base" latinLnBrk="0" hangingPunct="1">
+              <a:lnSpc>
+                <a:spcPct val="100000"/>
+              </a:lnSpc>
+              <a:spcBef>
+                <a:spcPct val="0"/>
+              </a:spcBef>
+              <a:spcAft>
+                <a:spcPct val="0"/>
+              </a:spcAft>
+              <a:buClrTx/>
+              <a:buSzTx/>
+              <a:buFontTx/>
+              <a:buNone/>
+              <a:tabLst/>
+            </a:pPr>
+            <a:endParaRPr kumimoji="0" lang="en-US" sz="1800" b="0" i="0" u="none" strike="noStrike" cap="none" normalizeH="0" baseline="0" dirty="0">
+              <a:ln>
+                <a:noFill/>
+              </a:ln>
+              <a:solidFill>
+                <a:schemeClr val="tx1"/>
+              </a:solidFill>
+              <a:effectLst/>
+              <a:latin typeface="Arial" pitchFamily="34" charset="0"/>
+              <a:cs typeface="Arial" pitchFamily="34" charset="0"/>
+            </a:endParaRPr>
+          </a:p>
+        </p:txBody>
+      </p:sp>
+      <p:sp>
+        <p:nvSpPr>
+          <p:cNvPr id="41" name="Rectangle 40"/>
+          <p:cNvSpPr/>
+          <p:nvPr/>
+        </p:nvSpPr>
+        <p:spPr>
+          <a:xfrm>
+            <a:off x="2362200" y="304800"/>
+            <a:ext cx="3142592" cy="369332"/>
+          </a:xfrm>
+          <a:prstGeom prst="rect">
+            <a:avLst/>
+          </a:prstGeom>
+        </p:spPr>
+        <p:txBody>
+          <a:bodyPr wrap="none">
+            <a:spAutoFit/>
+          </a:bodyPr>
+          <a:lstStyle/>
+          <a:p>
+            <a:r>
+              <a:rPr lang="en-US" i="1" dirty="0">
+                <a:solidFill>
+                  <a:schemeClr val="tx1">
+                    <a:lumMod val="65000"/>
+                    <a:lumOff val="35000"/>
+                  </a:schemeClr>
+                </a:solidFill>
+              </a:rPr>
+              <a:t>Value driven. Quality sustained.</a:t>
+            </a:r>
+          </a:p>
+        </p:txBody>
+      </p:sp>
+      <p:sp>
+        <p:nvSpPr>
+          <p:cNvPr id="29" name="Rectangle 28"/>
+          <p:cNvSpPr/>
+          <p:nvPr/>
+        </p:nvSpPr>
+        <p:spPr>
+          <a:xfrm>
+            <a:off x="0" y="1447800"/>
+            <a:ext cx="6858000" cy="914400"/>
+          </a:xfrm>
+          <a:prstGeom prst="rect">
+            <a:avLst/>
+          </a:prstGeom>
+          <a:solidFill>
+            <a:schemeClr val="accent1">
+              <a:lumMod val="50000"/>
+            </a:schemeClr>
+          </a:solidFill>
+          <a:ln>
+            <a:noFill/>
+          </a:ln>
+        </p:spPr>
+        <p:style>
+          <a:lnRef idx="2">
+            <a:schemeClr val="accent1">
+              <a:shade val="50000"/>
+            </a:schemeClr>
+          </a:lnRef>
+          <a:fillRef idx="1">
+            <a:schemeClr val="accent1"/>
+          </a:fillRef>
+          <a:effectRef idx="0">
+            <a:schemeClr val="accent1"/>
+          </a:effectRef>
+          <a:fontRef idx="minor">
+            <a:schemeClr val="lt1"/>
+          </a:fontRef>
+        </p:style>
+        <p:txBody>
+          <a:bodyPr rtlCol="0" anchor="ctr"/>
+          <a:lstStyle/>
+          <a:p>
+            <a:pPr algn="ctr"/>
+            <a:endParaRPr lang="en-US"/>
+          </a:p>
+        </p:txBody>
+      </p:sp>
+      <p:sp>
+        <p:nvSpPr>
+          <p:cNvPr id="1026" name="Text Box 2"/>
+          <p:cNvSpPr txBox="1">
+            <a:spLocks noChangeArrowheads="1"/>
+          </p:cNvSpPr>
+          <p:nvPr/>
+        </p:nvSpPr>
+        <p:spPr bwMode="auto">
+          <a:xfrm>
+            <a:off x="457200" y="1600200"/>
+            <a:ext cx="5867400" cy="533400"/>
+          </a:xfrm>
+          <a:prstGeom prst="rect">
+            <a:avLst/>
+          </a:prstGeom>
+          <a:noFill/>
+          <a:ln w="9525">
+            <a:noFill/>
+            <a:miter lim="800000"/>
+            <a:headEnd/>
+            <a:tailEnd/>
+          </a:ln>
+        </p:spPr>
+        <p:txBody>
+          <a:bodyPr vert="horz" wrap="square" lIns="91440" tIns="45720" rIns="91440" bIns="45720" numCol="1" anchor="t" anchorCtr="0" compatLnSpc="1">
+            <a:prstTxWarp prst="textNoShape">
+              <a:avLst/>
+            </a:prstTxWarp>
+          </a:bodyPr>
+          <a:lstStyle/>
+          <a:p>
+            <a:pPr marL="0" marR="0" lvl="0" indent="0" algn="ctr" defTabSz="914400" rtl="0" eaLnBrk="1" fontAlgn="base" latinLnBrk="0" hangingPunct="1">
+              <a:lnSpc>
+                <a:spcPct val="100000"/>
+              </a:lnSpc>
+              <a:spcBef>
+                <a:spcPct val="0"/>
+              </a:spcBef>
+              <a:spcAft>
+                <a:spcPts val="1000"/>
+              </a:spcAft>
+              <a:buClrTx/>
+              <a:buSzTx/>
+              <a:buFontTx/>
+              <a:buNone/>
+              <a:tabLst/>
+            </a:pPr>
+            <a:r>
+              <a:rPr kumimoji="0" lang="en-US" altLang="ja-JP" sz="2800" b="1" i="0" u="none" strike="noStrike" cap="none" normalizeH="0" baseline="0" dirty="0">
+                <a:ln>
+                  <a:noFill/>
+                </a:ln>
+                <a:solidFill>
+                  <a:srgbClr val="FFFFFF"/>
+                </a:solidFill>
+                <a:effectLst/>
+                <a:latin typeface="Calibri" pitchFamily="34" charset="0"/>
+                <a:ea typeface="MS Mincho" pitchFamily="49" charset="-128"/>
+                <a:cs typeface="Arial" pitchFamily="34" charset="0"/>
+              </a:rPr>
+              <a:t>Electrical and Software</a:t>
+            </a:r>
+          </a:p>
+        </p:txBody>
+      </p:sp>
+      <p:sp>
+        <p:nvSpPr>
+          <p:cNvPr id="2050" name="Text Box 2"/>
+          <p:cNvSpPr txBox="1">
+            <a:spLocks noChangeArrowheads="1"/>
+          </p:cNvSpPr>
+          <p:nvPr/>
+        </p:nvSpPr>
+        <p:spPr bwMode="auto">
+          <a:xfrm>
+            <a:off x="630002" y="2584324"/>
+            <a:ext cx="5597996" cy="768350"/>
+          </a:xfrm>
+          <a:prstGeom prst="rect">
+            <a:avLst/>
+          </a:prstGeom>
+          <a:solidFill>
+            <a:srgbClr val="FFFFFF"/>
+          </a:solidFill>
+          <a:ln w="9525">
+            <a:noFill/>
+            <a:miter lim="800000"/>
+            <a:headEnd/>
+            <a:tailEnd/>
+          </a:ln>
+        </p:spPr>
+        <p:txBody>
+          <a:bodyPr vert="horz" wrap="square" lIns="91440" tIns="45720" rIns="91440" bIns="45720" numCol="1" anchor="t" anchorCtr="0" compatLnSpc="1">
+            <a:prstTxWarp prst="textNoShape">
+              <a:avLst/>
+            </a:prstTxWarp>
+          </a:bodyPr>
+          <a:lstStyle/>
+          <a:p>
+            <a:r>
+              <a:rPr lang="en-US" b="1" i="1" dirty="0">
+                <a:solidFill>
+                  <a:schemeClr val="accent6">
+                    <a:lumMod val="50000"/>
+                  </a:schemeClr>
+                </a:solidFill>
+              </a:rPr>
+              <a:t>Electrical design/build and software development</a:t>
+            </a:r>
+            <a:endParaRPr lang="en-US" dirty="0">
+              <a:solidFill>
+                <a:schemeClr val="accent6">
+                  <a:lumMod val="50000"/>
+                </a:schemeClr>
+              </a:solidFill>
+            </a:endParaRPr>
+          </a:p>
+        </p:txBody>
+      </p:sp>
+      <p:sp>
+        <p:nvSpPr>
+          <p:cNvPr id="2051" name="Text Box 3"/>
+          <p:cNvSpPr txBox="1">
+            <a:spLocks noChangeArrowheads="1"/>
+          </p:cNvSpPr>
+          <p:nvPr/>
+        </p:nvSpPr>
+        <p:spPr bwMode="auto">
+          <a:xfrm>
+            <a:off x="374545" y="3105149"/>
+            <a:ext cx="3740255" cy="4610101"/>
+          </a:xfrm>
+          <a:prstGeom prst="rect">
+            <a:avLst/>
+          </a:prstGeom>
+          <a:solidFill>
+            <a:srgbClr val="FFFFFF"/>
+          </a:solidFill>
+          <a:ln w="9525">
+            <a:noFill/>
+            <a:miter lim="800000"/>
+            <a:headEnd/>
+            <a:tailEnd/>
+          </a:ln>
+        </p:spPr>
+        <p:txBody>
+          <a:bodyPr vert="horz" wrap="square" lIns="91440" tIns="45720" rIns="91440" bIns="45720" numCol="1" anchor="t" anchorCtr="0" compatLnSpc="1">
+            <a:prstTxWarp prst="textNoShape">
+              <a:avLst/>
+            </a:prstTxWarp>
+          </a:bodyPr>
+          <a:lstStyle/>
+          <a:p>
+            <a:r>
+              <a:rPr lang="en-US" sz="1200" b="1" dirty="0">
+                <a:solidFill>
+                  <a:schemeClr val="tx1">
+                    <a:lumMod val="65000"/>
+                    <a:lumOff val="35000"/>
+                  </a:schemeClr>
+                </a:solidFill>
+              </a:rPr>
+              <a:t>Electrical</a:t>
+            </a:r>
+          </a:p>
+          <a:p>
+            <a:pPr lvl="1"/>
+            <a:r>
+              <a:rPr lang="en-US" sz="1200" dirty="0"/>
+              <a:t>Circuit Design</a:t>
+            </a:r>
+          </a:p>
+          <a:p>
+            <a:pPr lvl="1"/>
+            <a:r>
+              <a:rPr lang="en-US" sz="1200" dirty="0"/>
+              <a:t>Optical Design</a:t>
+            </a:r>
+          </a:p>
+          <a:p>
+            <a:pPr lvl="1"/>
+            <a:r>
+              <a:rPr lang="en-US" sz="1200" dirty="0"/>
+              <a:t>Printed Circuit Layout &amp; Documentation (PCAD)</a:t>
+            </a:r>
+          </a:p>
+          <a:p>
+            <a:pPr lvl="1"/>
+            <a:r>
+              <a:rPr lang="en-US" sz="1200" dirty="0"/>
+              <a:t>Prototyping</a:t>
+            </a:r>
+          </a:p>
+          <a:p>
+            <a:pPr lvl="1"/>
+            <a:r>
+              <a:rPr lang="en-US" sz="1200" dirty="0"/>
+              <a:t>Real Time Systems</a:t>
+            </a:r>
+          </a:p>
+          <a:p>
+            <a:pPr lvl="1"/>
+            <a:r>
+              <a:rPr lang="en-US" sz="1200" dirty="0"/>
+              <a:t>Printed Circuit Board (PCB) CAD</a:t>
+            </a:r>
+          </a:p>
+          <a:p>
+            <a:pPr lvl="1"/>
+            <a:r>
+              <a:rPr lang="en-US" sz="1200" dirty="0"/>
+              <a:t>FPGA/ASIC Design </a:t>
+            </a:r>
+            <a:r>
+              <a:rPr lang="en-US" sz="1200" dirty="0" err="1"/>
+              <a:t>Feasability</a:t>
+            </a:r>
+            <a:r>
+              <a:rPr lang="en-US" sz="1200" dirty="0"/>
+              <a:t> Studies</a:t>
+            </a:r>
+          </a:p>
+          <a:p>
+            <a:pPr lvl="1"/>
+            <a:r>
+              <a:rPr lang="en-US" sz="1200" dirty="0"/>
+              <a:t>Logic Design</a:t>
+            </a:r>
+          </a:p>
+          <a:p>
+            <a:pPr lvl="1"/>
+            <a:r>
+              <a:rPr lang="en-US" sz="1200" dirty="0"/>
+              <a:t>Data Communication</a:t>
+            </a:r>
+          </a:p>
+          <a:p>
+            <a:pPr lvl="1"/>
+            <a:r>
+              <a:rPr lang="en-US" sz="1200" dirty="0"/>
+              <a:t>Control Systems</a:t>
+            </a:r>
+          </a:p>
+          <a:p>
+            <a:pPr lvl="1"/>
+            <a:r>
+              <a:rPr lang="en-US" sz="1200" dirty="0"/>
+              <a:t>RS422, RS232, RS485 Communications</a:t>
+            </a:r>
+          </a:p>
+          <a:p>
+            <a:endParaRPr lang="en-US" sz="1200" b="1" dirty="0">
+              <a:solidFill>
+                <a:schemeClr val="tx1">
+                  <a:lumMod val="65000"/>
+                  <a:lumOff val="35000"/>
+                </a:schemeClr>
+              </a:solidFill>
+            </a:endParaRPr>
+          </a:p>
+          <a:p>
+            <a:r>
+              <a:rPr lang="en-US" sz="1200" b="1" dirty="0">
+                <a:solidFill>
+                  <a:schemeClr val="tx1">
+                    <a:lumMod val="65000"/>
+                    <a:lumOff val="35000"/>
+                  </a:schemeClr>
+                </a:solidFill>
+              </a:rPr>
+              <a:t>Software Development</a:t>
+            </a:r>
+            <a:endParaRPr lang="en-US" sz="1200" dirty="0">
+              <a:solidFill>
+                <a:schemeClr val="tx1">
+                  <a:lumMod val="65000"/>
+                  <a:lumOff val="35000"/>
+                </a:schemeClr>
+              </a:solidFill>
+            </a:endParaRPr>
+          </a:p>
+          <a:p>
+            <a:pPr lvl="1"/>
+            <a:r>
+              <a:rPr lang="en-US" sz="1200" dirty="0"/>
+              <a:t>Systems Design and Specification</a:t>
+            </a:r>
+          </a:p>
+          <a:p>
+            <a:pPr lvl="1"/>
+            <a:r>
+              <a:rPr lang="en-US" sz="1200" dirty="0"/>
+              <a:t>Software Programming</a:t>
+            </a:r>
+          </a:p>
+          <a:p>
+            <a:pPr lvl="1"/>
+            <a:r>
+              <a:rPr lang="en-US" sz="1200" dirty="0"/>
+              <a:t>Real Time Applications</a:t>
+            </a:r>
+          </a:p>
+          <a:p>
+            <a:pPr lvl="1"/>
+            <a:r>
+              <a:rPr lang="en-US" sz="1200" dirty="0"/>
+              <a:t>Process Control</a:t>
+            </a:r>
+          </a:p>
+          <a:p>
+            <a:pPr lvl="1"/>
+            <a:r>
+              <a:rPr lang="en-US" sz="1200" dirty="0"/>
+              <a:t>Data Communications</a:t>
+            </a:r>
+          </a:p>
+          <a:p>
+            <a:pPr lvl="1"/>
+            <a:r>
+              <a:rPr lang="en-US" sz="1200" dirty="0"/>
+              <a:t>Automated Test Equipment</a:t>
+            </a:r>
+          </a:p>
+          <a:p>
+            <a:pPr lvl="1"/>
+            <a:r>
+              <a:rPr lang="en-US" sz="1200" dirty="0"/>
+              <a:t>Verification &amp; Validation</a:t>
+            </a:r>
+          </a:p>
+          <a:p>
+            <a:pPr lvl="1"/>
+            <a:r>
+              <a:rPr lang="en-US" sz="1200" dirty="0"/>
+              <a:t>Process Automation</a:t>
+            </a:r>
+          </a:p>
+          <a:p>
+            <a:pPr lvl="1"/>
+            <a:r>
+              <a:rPr lang="en-US" sz="1200" dirty="0"/>
+              <a:t>Real Time Systems</a:t>
+            </a:r>
+          </a:p>
+          <a:p>
+            <a:pPr lvl="1"/>
+            <a:r>
+              <a:rPr lang="en-US" sz="1200" dirty="0"/>
+              <a:t>Test Plans</a:t>
+            </a:r>
+          </a:p>
+          <a:p>
+            <a:pPr marL="0" marR="0" lvl="0" indent="0" algn="l" defTabSz="914400" rtl="0" eaLnBrk="1" fontAlgn="base" latinLnBrk="0" hangingPunct="1">
+              <a:spcBef>
+                <a:spcPct val="0"/>
+              </a:spcBef>
+              <a:spcAft>
+                <a:spcPts val="400"/>
+              </a:spcAft>
+              <a:buClrTx/>
+              <a:buSzTx/>
+              <a:buFontTx/>
+              <a:buNone/>
+              <a:tabLst/>
+            </a:pPr>
+            <a:endParaRPr kumimoji="0" lang="en-US" sz="1800" b="0" i="0" u="none" strike="noStrike" cap="none" normalizeH="0" baseline="0" dirty="0">
+              <a:ln>
+                <a:noFill/>
+              </a:ln>
+              <a:solidFill>
+                <a:schemeClr val="tx1"/>
+              </a:solidFill>
+              <a:effectLst/>
+              <a:latin typeface="Arial" pitchFamily="34" charset="0"/>
+              <a:cs typeface="Arial" pitchFamily="34" charset="0"/>
+            </a:endParaRPr>
+          </a:p>
+        </p:txBody>
+      </p:sp>
+      <p:grpSp>
+        <p:nvGrpSpPr>
+          <p:cNvPr id="32" name="Group 31"/>
+          <p:cNvGrpSpPr/>
+          <p:nvPr/>
+        </p:nvGrpSpPr>
+        <p:grpSpPr>
+          <a:xfrm>
+            <a:off x="5486400" y="381000"/>
+            <a:ext cx="1066800" cy="276999"/>
+            <a:chOff x="685800" y="6705600"/>
+            <a:chExt cx="1143000" cy="276999"/>
+          </a:xfrm>
+        </p:grpSpPr>
+        <p:sp>
+          <p:nvSpPr>
+            <p:cNvPr id="33" name="TextBox 32"/>
+            <p:cNvSpPr txBox="1"/>
+            <p:nvPr/>
+          </p:nvSpPr>
+          <p:spPr>
+            <a:xfrm>
+              <a:off x="685800" y="6705600"/>
+              <a:ext cx="1143000" cy="276999"/>
+            </a:xfrm>
+            <a:prstGeom prst="rect">
+              <a:avLst/>
+            </a:prstGeom>
+            <a:noFill/>
+            <a:ln>
+              <a:solidFill>
+                <a:schemeClr val="accent6">
+                  <a:lumMod val="50000"/>
+                </a:schemeClr>
+              </a:solidFill>
+            </a:ln>
+          </p:spPr>
+          <p:txBody>
+            <a:bodyPr wrap="square" rtlCol="0">
+              <a:spAutoFit/>
+            </a:bodyPr>
+            <a:lstStyle/>
+            <a:p>
+              <a:r>
+                <a:rPr lang="en-US" sz="1200" b="1" dirty="0">
+                  <a:solidFill>
+                    <a:schemeClr val="accent6">
+                      <a:lumMod val="50000"/>
+                    </a:schemeClr>
+                  </a:solidFill>
+                </a:rPr>
+                <a:t>Contact us</a:t>
+              </a:r>
+            </a:p>
+          </p:txBody>
+        </p:sp>
+        <p:sp>
+          <p:nvSpPr>
+            <p:cNvPr id="34" name="Right Arrow 33"/>
+            <p:cNvSpPr/>
+            <p:nvPr/>
+          </p:nvSpPr>
+          <p:spPr>
+            <a:xfrm>
+              <a:off x="1573772" y="6818359"/>
+              <a:ext cx="102628" cy="45719"/>
+            </a:xfrm>
+            <a:prstGeom prst="rightArrow">
+              <a:avLst/>
+            </a:prstGeom>
+            <a:solidFill>
+              <a:schemeClr val="accent6">
+                <a:lumMod val="50000"/>
+              </a:schemeClr>
+            </a:solidFill>
+            <a:ln>
+              <a:noFill/>
+            </a:ln>
+          </p:spPr>
+          <p:style>
+            <a:lnRef idx="2">
+              <a:schemeClr val="accent1">
+                <a:shade val="50000"/>
+              </a:schemeClr>
+            </a:lnRef>
+            <a:fillRef idx="1">
+              <a:schemeClr val="accent1"/>
+            </a:fillRef>
+            <a:effectRef idx="0">
+              <a:schemeClr val="accent1"/>
+            </a:effectRef>
+            <a:fontRef idx="minor">
+              <a:schemeClr val="lt1"/>
+            </a:fontRef>
+          </p:style>
+          <p:txBody>
+            <a:bodyPr rtlCol="0" anchor="ctr"/>
+            <a:lstStyle/>
+            <a:p>
+              <a:pPr algn="ctr"/>
+              <a:endParaRPr lang="en-US"/>
+            </a:p>
+          </p:txBody>
+        </p:sp>
+      </p:grpSp>
+      <p:pic>
+        <p:nvPicPr>
+          <p:cNvPr id="19" name="Picture 18">
+            <a:extLst>
+              <a:ext uri="{FF2B5EF4-FFF2-40B4-BE49-F238E27FC236}">
+                <a16:creationId xmlns:a16="http://schemas.microsoft.com/office/drawing/2014/main" id="{B2CB04F8-7759-4493-97D5-40FF56D568FC}"/>
+              </a:ext>
+            </a:extLst>
+          </p:cNvPr>
+          <p:cNvPicPr/>
+          <p:nvPr/>
+        </p:nvPicPr>
+        <p:blipFill>
+          <a:blip r:embed="rId4" cstate="print"/>
+          <a:srcRect/>
+          <a:stretch>
+            <a:fillRect/>
+          </a:stretch>
+        </p:blipFill>
+        <p:spPr bwMode="auto">
+          <a:xfrm>
+            <a:off x="4114800" y="3232781"/>
+            <a:ext cx="2324735" cy="1386840"/>
+          </a:xfrm>
+          <a:prstGeom prst="rect">
+            <a:avLst/>
+          </a:prstGeom>
+          <a:noFill/>
+          <a:ln w="9525">
+            <a:noFill/>
+            <a:miter lim="800000"/>
+            <a:headEnd/>
+            <a:tailEnd/>
+          </a:ln>
+        </p:spPr>
+      </p:pic>
+      <p:pic>
+        <p:nvPicPr>
+          <p:cNvPr id="20" name="Picture 19" descr="http://www.avid-tech.com/wp-content/uploads/2016/12/pcb-design-page-banner.jpg">
+            <a:extLst>
+              <a:ext uri="{FF2B5EF4-FFF2-40B4-BE49-F238E27FC236}">
+                <a16:creationId xmlns:a16="http://schemas.microsoft.com/office/drawing/2014/main" id="{219290DE-EC36-4E9A-BA8F-08EB3EDE1865}"/>
+              </a:ext>
+            </a:extLst>
+          </p:cNvPr>
+          <p:cNvPicPr/>
+          <p:nvPr/>
+        </p:nvPicPr>
+        <p:blipFill>
+          <a:blip r:embed="rId5" cstate="print"/>
+          <a:srcRect/>
+          <a:stretch>
+            <a:fillRect/>
+          </a:stretch>
+        </p:blipFill>
+        <p:spPr bwMode="auto">
+          <a:xfrm>
+            <a:off x="3933496" y="4900611"/>
+            <a:ext cx="2411730" cy="1019175"/>
+          </a:xfrm>
+          <a:prstGeom prst="rect">
+            <a:avLst/>
+          </a:prstGeom>
+          <a:noFill/>
+          <a:ln w="9525">
+            <a:noFill/>
+            <a:miter lim="800000"/>
+            <a:headEnd/>
+            <a:tailEnd/>
+          </a:ln>
+        </p:spPr>
+      </p:pic>
+      <p:sp>
+        <p:nvSpPr>
+          <p:cNvPr id="2" name="TextBox 1">
+            <a:extLst>
+              <a:ext uri="{FF2B5EF4-FFF2-40B4-BE49-F238E27FC236}">
+                <a16:creationId xmlns:a16="http://schemas.microsoft.com/office/drawing/2014/main" id="{BAA4A2F3-DDC3-4E57-B88B-5412809CC902}"/>
+              </a:ext>
+            </a:extLst>
+          </p:cNvPr>
+          <p:cNvSpPr txBox="1"/>
+          <p:nvPr/>
+        </p:nvSpPr>
+        <p:spPr>
+          <a:xfrm>
+            <a:off x="3604418" y="6473276"/>
+            <a:ext cx="2181237" cy="1738938"/>
+          </a:xfrm>
+          <a:prstGeom prst="rect">
+            <a:avLst/>
+          </a:prstGeom>
+          <a:noFill/>
+        </p:spPr>
+        <p:txBody>
+          <a:bodyPr wrap="square" numCol="1" rtlCol="0">
+            <a:spAutoFit/>
+          </a:bodyPr>
+          <a:lstStyle/>
+          <a:p>
+            <a:pPr lvl="1"/>
+            <a:r>
+              <a:rPr lang="en-US" sz="900" b="1" dirty="0">
+                <a:solidFill>
+                  <a:schemeClr val="accent1">
+                    <a:lumMod val="50000"/>
+                  </a:schemeClr>
+                </a:solidFill>
+              </a:rPr>
+              <a:t>Language and Tools Available</a:t>
+            </a:r>
+            <a:endParaRPr lang="en-US" sz="900" dirty="0">
+              <a:solidFill>
+                <a:schemeClr val="accent1">
+                  <a:lumMod val="50000"/>
+                </a:schemeClr>
+              </a:solidFill>
+            </a:endParaRPr>
+          </a:p>
+          <a:p>
+            <a:r>
+              <a:rPr lang="en-US" sz="800" dirty="0">
+                <a:solidFill>
+                  <a:schemeClr val="accent1">
+                    <a:lumMod val="50000"/>
+                  </a:schemeClr>
+                </a:solidFill>
+              </a:rPr>
+              <a:t>Active X</a:t>
+            </a:r>
+          </a:p>
+          <a:p>
+            <a:r>
+              <a:rPr lang="en-US" sz="800" dirty="0">
+                <a:solidFill>
+                  <a:schemeClr val="accent1">
+                    <a:lumMod val="50000"/>
+                  </a:schemeClr>
+                </a:solidFill>
+              </a:rPr>
+              <a:t>Various Assembly Languages</a:t>
+            </a:r>
+          </a:p>
+          <a:p>
+            <a:r>
+              <a:rPr lang="en-US" sz="800" dirty="0">
+                <a:solidFill>
+                  <a:schemeClr val="accent1">
+                    <a:lumMod val="50000"/>
+                  </a:schemeClr>
+                </a:solidFill>
+              </a:rPr>
+              <a:t>Visual Basic ™</a:t>
+            </a:r>
+          </a:p>
+          <a:p>
+            <a:r>
+              <a:rPr lang="en-US" sz="800" dirty="0">
+                <a:solidFill>
+                  <a:schemeClr val="accent1">
+                    <a:lumMod val="50000"/>
+                  </a:schemeClr>
+                </a:solidFill>
+              </a:rPr>
+              <a:t>Basic Programming</a:t>
+            </a:r>
+          </a:p>
+          <a:p>
+            <a:r>
+              <a:rPr lang="en-US" sz="800" dirty="0">
+                <a:solidFill>
+                  <a:schemeClr val="accent1">
+                    <a:lumMod val="50000"/>
+                  </a:schemeClr>
+                </a:solidFill>
+              </a:rPr>
+              <a:t>COM/DCOM</a:t>
+            </a:r>
+          </a:p>
+          <a:p>
+            <a:r>
+              <a:rPr lang="en-US" sz="800" dirty="0">
+                <a:solidFill>
+                  <a:schemeClr val="accent1">
+                    <a:lumMod val="50000"/>
+                  </a:schemeClr>
+                </a:solidFill>
+              </a:rPr>
+              <a:t>C++ Programming</a:t>
+            </a:r>
+          </a:p>
+          <a:p>
+            <a:r>
+              <a:rPr lang="en-US" sz="800" dirty="0">
+                <a:solidFill>
+                  <a:schemeClr val="accent1">
+                    <a:lumMod val="50000"/>
+                  </a:schemeClr>
+                </a:solidFill>
+              </a:rPr>
+              <a:t>Ethernet Tools</a:t>
+            </a:r>
+          </a:p>
+          <a:p>
+            <a:r>
+              <a:rPr lang="en-US" sz="800" dirty="0">
+                <a:solidFill>
+                  <a:schemeClr val="accent1">
+                    <a:lumMod val="50000"/>
+                  </a:schemeClr>
+                </a:solidFill>
+              </a:rPr>
+              <a:t>Java/J++</a:t>
+            </a:r>
+          </a:p>
+          <a:p>
+            <a:r>
+              <a:rPr lang="en-US" sz="800" dirty="0" err="1">
+                <a:solidFill>
+                  <a:schemeClr val="accent1">
+                    <a:lumMod val="50000"/>
+                  </a:schemeClr>
+                </a:solidFill>
+              </a:rPr>
+              <a:t>Labview</a:t>
+            </a:r>
+            <a:r>
+              <a:rPr lang="en-US" sz="800" dirty="0">
+                <a:solidFill>
+                  <a:schemeClr val="accent1">
+                    <a:lumMod val="50000"/>
+                  </a:schemeClr>
+                </a:solidFill>
+              </a:rPr>
+              <a:t>/</a:t>
+            </a:r>
+            <a:r>
+              <a:rPr lang="en-US" sz="800" dirty="0" err="1">
+                <a:solidFill>
+                  <a:schemeClr val="accent1">
+                    <a:lumMod val="50000"/>
+                  </a:schemeClr>
+                </a:solidFill>
+              </a:rPr>
+              <a:t>LabWindows</a:t>
+            </a:r>
+            <a:endParaRPr lang="en-US" sz="800" dirty="0">
+              <a:solidFill>
+                <a:schemeClr val="accent1">
+                  <a:lumMod val="50000"/>
+                </a:schemeClr>
+              </a:solidFill>
+            </a:endParaRPr>
+          </a:p>
+          <a:p>
+            <a:endParaRPr lang="en-US" sz="800" dirty="0">
+              <a:solidFill>
+                <a:schemeClr val="accent1">
+                  <a:lumMod val="50000"/>
+                </a:schemeClr>
+              </a:solidFill>
+            </a:endParaRPr>
+          </a:p>
+          <a:p>
+            <a:endParaRPr lang="en-US" dirty="0"/>
+          </a:p>
+        </p:txBody>
+      </p:sp>
+      <p:sp>
+        <p:nvSpPr>
+          <p:cNvPr id="23" name="TextBox 22">
+            <a:extLst>
+              <a:ext uri="{FF2B5EF4-FFF2-40B4-BE49-F238E27FC236}">
+                <a16:creationId xmlns:a16="http://schemas.microsoft.com/office/drawing/2014/main" id="{17A93CF1-14D5-4A42-8179-14595C506627}"/>
+              </a:ext>
+            </a:extLst>
+          </p:cNvPr>
+          <p:cNvSpPr txBox="1"/>
+          <p:nvPr/>
+        </p:nvSpPr>
+        <p:spPr>
+          <a:xfrm>
+            <a:off x="5029200" y="6639843"/>
+            <a:ext cx="1781504" cy="1354217"/>
+          </a:xfrm>
+          <a:prstGeom prst="rect">
+            <a:avLst/>
+          </a:prstGeom>
+          <a:noFill/>
+        </p:spPr>
+        <p:txBody>
+          <a:bodyPr wrap="square" numCol="1" rtlCol="0">
+            <a:spAutoFit/>
+          </a:bodyPr>
+          <a:lstStyle/>
+          <a:p>
+            <a:r>
+              <a:rPr lang="en-US" sz="800" dirty="0">
+                <a:solidFill>
+                  <a:schemeClr val="accent1">
+                    <a:lumMod val="50000"/>
+                  </a:schemeClr>
+                </a:solidFill>
+              </a:rPr>
+              <a:t>Linux Software/Tools</a:t>
+            </a:r>
+          </a:p>
+          <a:p>
+            <a:r>
+              <a:rPr lang="en-US" sz="800" dirty="0">
+                <a:solidFill>
+                  <a:schemeClr val="accent1">
+                    <a:lumMod val="50000"/>
+                  </a:schemeClr>
+                </a:solidFill>
+              </a:rPr>
+              <a:t>Microchip PIC Tools</a:t>
+            </a:r>
+          </a:p>
+          <a:p>
+            <a:r>
+              <a:rPr lang="en-US" sz="800" dirty="0">
+                <a:solidFill>
+                  <a:schemeClr val="accent1">
+                    <a:lumMod val="50000"/>
+                  </a:schemeClr>
+                </a:solidFill>
+              </a:rPr>
+              <a:t>MFC</a:t>
+            </a:r>
+          </a:p>
+          <a:p>
+            <a:r>
+              <a:rPr lang="en-US" sz="800" dirty="0">
+                <a:solidFill>
+                  <a:schemeClr val="accent1">
+                    <a:lumMod val="50000"/>
+                  </a:schemeClr>
+                </a:solidFill>
+              </a:rPr>
+              <a:t>Microsoft Windows ™ Tools</a:t>
+            </a:r>
+          </a:p>
+          <a:p>
+            <a:r>
+              <a:rPr lang="en-US" sz="800" dirty="0">
+                <a:solidFill>
+                  <a:schemeClr val="accent1">
+                    <a:lumMod val="50000"/>
+                  </a:schemeClr>
+                </a:solidFill>
+              </a:rPr>
+              <a:t>Perl</a:t>
+            </a:r>
+          </a:p>
+          <a:p>
+            <a:r>
+              <a:rPr lang="en-US" sz="800" dirty="0">
+                <a:solidFill>
+                  <a:schemeClr val="accent1">
+                    <a:lumMod val="50000"/>
+                  </a:schemeClr>
+                </a:solidFill>
+              </a:rPr>
+              <a:t>RTOS</a:t>
+            </a:r>
+          </a:p>
+          <a:p>
+            <a:r>
+              <a:rPr lang="en-US" sz="800" dirty="0">
+                <a:solidFill>
+                  <a:schemeClr val="accent1">
+                    <a:lumMod val="50000"/>
+                  </a:schemeClr>
+                </a:solidFill>
+              </a:rPr>
+              <a:t>TCP/IP Software</a:t>
+            </a:r>
+          </a:p>
+          <a:p>
+            <a:r>
+              <a:rPr lang="en-US" sz="800" dirty="0">
+                <a:solidFill>
+                  <a:schemeClr val="accent1">
+                    <a:lumMod val="50000"/>
+                  </a:schemeClr>
+                </a:solidFill>
+              </a:rPr>
+              <a:t>Unix/Software Tools</a:t>
+            </a:r>
+          </a:p>
+          <a:p>
+            <a:endParaRPr lang="en-US" dirty="0"/>
+          </a:p>
+        </p:txBody>
+      </p:sp>
+    </p:spTree>
+    <p:extLst>
+      <p:ext uri="{BB962C8B-B14F-4D97-AF65-F5344CB8AC3E}">
+        <p14:creationId xmlns:p14="http://schemas.microsoft.com/office/powerpoint/2010/main" val="2530131003"/>
+      </p:ext>
+    </p:extLst>
+  </p:cSld>
+  <p:clrMapOvr>
+    <a:masterClrMapping/>
+  </p:clrMapOvr>
+</p:sld>
+</file>
+
+<file path=ppt/slides/slide7.xml><?xml version="1.0" encoding="utf-8"?>
+<p:sld xmlns:a="http://schemas.openxmlformats.org/drawingml/2006/main" xmlns:r="http://schemas.openxmlformats.org/officeDocument/2006/relationships" xmlns:p="http://schemas.openxmlformats.org/presentationml/2006/main">
+  <p:cSld>
+    <p:spTree>
+      <p:nvGrpSpPr>
+        <p:cNvPr id="1" name=""/>
+        <p:cNvGrpSpPr/>
+        <p:nvPr/>
+      </p:nvGrpSpPr>
+      <p:grpSpPr>
+        <a:xfrm>
+          <a:off x="0" y="0"/>
+          <a:ext cx="0" cy="0"/>
+          <a:chOff x="0" y="0"/>
+          <a:chExt cx="0" cy="0"/>
+        </a:xfrm>
+      </p:grpSpPr>
+      <p:pic>
+        <p:nvPicPr>
+          <p:cNvPr id="7" name="Picture 6"/>
+          <p:cNvPicPr/>
+          <p:nvPr/>
+        </p:nvPicPr>
+        <p:blipFill>
+          <a:blip r:embed="rId2" cstate="print"/>
+          <a:srcRect/>
+          <a:stretch>
+            <a:fillRect/>
+          </a:stretch>
+        </p:blipFill>
+        <p:spPr bwMode="auto">
+          <a:xfrm>
+            <a:off x="0" y="0"/>
+            <a:ext cx="6858000" cy="4571999"/>
+          </a:xfrm>
+          <a:prstGeom prst="rect">
+            <a:avLst/>
+          </a:prstGeom>
+          <a:noFill/>
+          <a:ln w="9525">
+            <a:noFill/>
+            <a:miter lim="800000"/>
+            <a:headEnd/>
+            <a:tailEnd/>
+          </a:ln>
+        </p:spPr>
+      </p:pic>
+      <p:sp>
+        <p:nvSpPr>
+          <p:cNvPr id="1027" name="Text Box 3"/>
+          <p:cNvSpPr txBox="1">
+            <a:spLocks noChangeArrowheads="1"/>
+          </p:cNvSpPr>
+          <p:nvPr/>
+        </p:nvSpPr>
+        <p:spPr bwMode="auto">
+          <a:xfrm>
+            <a:off x="1066800" y="1066800"/>
+            <a:ext cx="5151437" cy="300037"/>
+          </a:xfrm>
+          <a:prstGeom prst="rect">
+            <a:avLst/>
+          </a:prstGeom>
+          <a:noFill/>
+          <a:ln w="9525">
+            <a:noFill/>
+            <a:miter lim="800000"/>
+            <a:headEnd/>
+            <a:tailEnd/>
+          </a:ln>
+        </p:spPr>
+        <p:txBody>
+          <a:bodyPr vert="horz" wrap="square" lIns="91440" tIns="45720" rIns="91440" bIns="45720" numCol="1" anchor="t" anchorCtr="0" compatLnSpc="1">
+            <a:prstTxWarp prst="textNoShape">
+              <a:avLst/>
+            </a:prstTxWarp>
+          </a:bodyPr>
+          <a:lstStyle/>
+          <a:p>
+            <a:pPr marL="0" marR="0" lvl="0" indent="0" algn="l" defTabSz="914400" rtl="0" eaLnBrk="1" fontAlgn="base" latinLnBrk="0" hangingPunct="1">
+              <a:lnSpc>
+                <a:spcPct val="100000"/>
+              </a:lnSpc>
+              <a:spcBef>
+                <a:spcPct val="0"/>
+              </a:spcBef>
+              <a:spcAft>
+                <a:spcPts val="1000"/>
+              </a:spcAft>
+              <a:buClrTx/>
+              <a:buSzTx/>
+              <a:buFontTx/>
+              <a:buNone/>
+              <a:tabLst/>
+            </a:pPr>
+            <a:r>
+              <a:rPr kumimoji="0" lang="en-US" altLang="ja-JP" sz="1100" b="1" i="0" u="none" strike="noStrike" cap="none" normalizeH="0" baseline="0" dirty="0">
+                <a:ln>
+                  <a:noFill/>
+                </a:ln>
+                <a:solidFill>
+                  <a:srgbClr val="FFFFFF"/>
+                </a:solidFill>
+                <a:effectLst/>
+                <a:latin typeface="Calibri" pitchFamily="34" charset="0"/>
+                <a:ea typeface="MS Mincho" pitchFamily="49" charset="-128"/>
+                <a:cs typeface="Arial" pitchFamily="34" charset="0"/>
+              </a:rPr>
+              <a:t>HOME        ENGINEERING   </a:t>
+            </a:r>
+            <a:r>
+              <a:rPr lang="en-US" altLang="ja-JP" sz="1100" b="1" dirty="0">
+                <a:solidFill>
+                  <a:srgbClr val="FFFFFF"/>
+                </a:solidFill>
+                <a:latin typeface="Times New Roman" pitchFamily="18" charset="0"/>
+                <a:ea typeface="MS Mincho" pitchFamily="49" charset="-128"/>
+                <a:cs typeface="Arial" pitchFamily="34" charset="0"/>
+              </a:rPr>
+              <a:t>    </a:t>
+            </a:r>
+            <a:r>
+              <a:rPr kumimoji="0" lang="en-US" altLang="ja-JP" sz="1100" b="1" i="0" u="none" strike="noStrike" cap="none" normalizeH="0" baseline="0" dirty="0">
+                <a:ln>
+                  <a:noFill/>
+                </a:ln>
+                <a:solidFill>
+                  <a:srgbClr val="FFFFFF"/>
+                </a:solidFill>
+                <a:effectLst/>
+                <a:latin typeface="Calibri" pitchFamily="34" charset="0"/>
+                <a:ea typeface="MS Mincho" pitchFamily="49" charset="-128"/>
+                <a:cs typeface="Arial" pitchFamily="34" charset="0"/>
+              </a:rPr>
+              <a:t>STAFFING</a:t>
+            </a:r>
+            <a:r>
+              <a:rPr lang="en-US" altLang="ja-JP" sz="1100" b="1" dirty="0">
+                <a:solidFill>
+                  <a:srgbClr val="FFFFFF"/>
+                </a:solidFill>
+                <a:latin typeface="Calibri" pitchFamily="34" charset="0"/>
+                <a:ea typeface="MS Mincho" pitchFamily="49" charset="-128"/>
+                <a:cs typeface="Arial" pitchFamily="34" charset="0"/>
+              </a:rPr>
+              <a:t>        </a:t>
+            </a:r>
+            <a:r>
+              <a:rPr kumimoji="0" lang="en-US" altLang="ja-JP" sz="1100" b="1" i="0" u="none" strike="noStrike" cap="none" normalizeH="0" baseline="0" dirty="0">
+                <a:ln>
+                  <a:noFill/>
+                </a:ln>
+                <a:solidFill>
+                  <a:srgbClr val="FFFFFF"/>
+                </a:solidFill>
+                <a:effectLst/>
+                <a:latin typeface="Calibri" pitchFamily="34" charset="0"/>
+                <a:ea typeface="MS Mincho" pitchFamily="49" charset="-128"/>
+                <a:cs typeface="Arial" pitchFamily="34" charset="0"/>
+              </a:rPr>
+              <a:t>COMPANY</a:t>
+            </a:r>
+            <a:r>
+              <a:rPr lang="en-US" altLang="ja-JP" sz="1100" b="1" dirty="0">
+                <a:solidFill>
+                  <a:srgbClr val="FFFFFF"/>
+                </a:solidFill>
+                <a:latin typeface="Calibri" pitchFamily="34" charset="0"/>
+                <a:ea typeface="MS Mincho" pitchFamily="49" charset="-128"/>
+                <a:cs typeface="Arial" pitchFamily="34" charset="0"/>
+              </a:rPr>
+              <a:t>         </a:t>
+            </a:r>
+            <a:r>
+              <a:rPr kumimoji="0" lang="en-US" altLang="ja-JP" sz="1100" b="1" i="0" u="none" strike="noStrike" cap="none" normalizeH="0" baseline="0" dirty="0">
+                <a:ln>
+                  <a:noFill/>
+                </a:ln>
+                <a:solidFill>
+                  <a:srgbClr val="FFFFFF"/>
+                </a:solidFill>
+                <a:effectLst/>
+                <a:latin typeface="Calibri" pitchFamily="34" charset="0"/>
+                <a:ea typeface="MS Mincho" pitchFamily="49" charset="-128"/>
+                <a:cs typeface="Arial" pitchFamily="34" charset="0"/>
+              </a:rPr>
+              <a:t>CONTACT</a:t>
+            </a:r>
+            <a:endParaRPr kumimoji="0" lang="en-US" sz="1800" b="0" i="0" u="none" strike="noStrike" cap="none" normalizeH="0" baseline="0" dirty="0">
+              <a:ln>
+                <a:noFill/>
+              </a:ln>
+              <a:solidFill>
+                <a:schemeClr val="tx1"/>
+              </a:solidFill>
+              <a:effectLst/>
+              <a:latin typeface="Arial" pitchFamily="34" charset="0"/>
+              <a:cs typeface="Arial" pitchFamily="34" charset="0"/>
+            </a:endParaRPr>
+          </a:p>
+        </p:txBody>
+      </p:sp>
+      <p:sp>
+        <p:nvSpPr>
+          <p:cNvPr id="10" name="Rectangle 9"/>
+          <p:cNvSpPr/>
+          <p:nvPr/>
+        </p:nvSpPr>
+        <p:spPr>
+          <a:xfrm>
+            <a:off x="533400" y="0"/>
+            <a:ext cx="1219200" cy="914400"/>
+          </a:xfrm>
+          <a:prstGeom prst="rect">
+            <a:avLst/>
+          </a:prstGeom>
+          <a:solidFill>
+            <a:schemeClr val="bg1"/>
+          </a:solidFill>
+          <a:ln>
+            <a:noFill/>
+          </a:ln>
+        </p:spPr>
+        <p:style>
+          <a:lnRef idx="2">
+            <a:schemeClr val="accent1">
+              <a:shade val="50000"/>
+            </a:schemeClr>
+          </a:lnRef>
+          <a:fillRef idx="1">
+            <a:schemeClr val="accent1"/>
+          </a:fillRef>
+          <a:effectRef idx="0">
+            <a:schemeClr val="accent1"/>
+          </a:effectRef>
+          <a:fontRef idx="minor">
+            <a:schemeClr val="lt1"/>
+          </a:fontRef>
+        </p:style>
+        <p:txBody>
+          <a:bodyPr rtlCol="0" anchor="ctr"/>
+          <a:lstStyle/>
+          <a:p>
+            <a:pPr algn="ctr"/>
+            <a:endParaRPr lang="en-US"/>
+          </a:p>
+        </p:txBody>
+      </p:sp>
+      <p:pic>
+        <p:nvPicPr>
+          <p:cNvPr id="5" name="Picture 4"/>
+          <p:cNvPicPr/>
+          <p:nvPr/>
+        </p:nvPicPr>
+        <p:blipFill>
+          <a:blip r:embed="rId3" cstate="print">
+            <a:extLst>
+              <a:ext uri="{28A0092B-C50C-407E-A947-70E740481C1C}">
+                <a14:useLocalDpi xmlns:a14="http://schemas.microsoft.com/office/drawing/2010/main" val="0"/>
+              </a:ext>
+            </a:extLst>
+          </a:blip>
+          <a:srcRect/>
+          <a:stretch>
+            <a:fillRect/>
+          </a:stretch>
+        </p:blipFill>
+        <p:spPr bwMode="auto">
+          <a:xfrm>
+            <a:off x="457200" y="0"/>
+            <a:ext cx="1364907" cy="889686"/>
+          </a:xfrm>
+          <a:prstGeom prst="rect">
+            <a:avLst/>
+          </a:prstGeom>
+          <a:noFill/>
+        </p:spPr>
+      </p:pic>
+      <p:sp>
+        <p:nvSpPr>
+          <p:cNvPr id="16" name="Rectangle 15"/>
+          <p:cNvSpPr/>
+          <p:nvPr/>
+        </p:nvSpPr>
+        <p:spPr>
+          <a:xfrm>
+            <a:off x="0" y="2362200"/>
+            <a:ext cx="6858000" cy="2590800"/>
+          </a:xfrm>
+          <a:prstGeom prst="rect">
+            <a:avLst/>
+          </a:prstGeom>
+          <a:solidFill>
+            <a:schemeClr val="bg1"/>
+          </a:solidFill>
+          <a:ln>
+            <a:noFill/>
+          </a:ln>
+        </p:spPr>
+        <p:style>
+          <a:lnRef idx="2">
+            <a:schemeClr val="accent1">
+              <a:shade val="50000"/>
+            </a:schemeClr>
+          </a:lnRef>
+          <a:fillRef idx="1">
+            <a:schemeClr val="accent1"/>
+          </a:fillRef>
+          <a:effectRef idx="0">
+            <a:schemeClr val="accent1"/>
+          </a:effectRef>
+          <a:fontRef idx="minor">
+            <a:schemeClr val="lt1"/>
+          </a:fontRef>
+        </p:style>
+        <p:txBody>
+          <a:bodyPr rtlCol="0" anchor="ctr"/>
+          <a:lstStyle/>
+          <a:p>
+            <a:pPr algn="ctr"/>
+            <a:endParaRPr lang="en-US"/>
+          </a:p>
+        </p:txBody>
+      </p:sp>
+      <p:sp>
+        <p:nvSpPr>
+          <p:cNvPr id="1032" name="Text Box 8"/>
+          <p:cNvSpPr txBox="1">
+            <a:spLocks noChangeArrowheads="1"/>
+          </p:cNvSpPr>
+          <p:nvPr/>
+        </p:nvSpPr>
+        <p:spPr bwMode="auto">
+          <a:xfrm>
+            <a:off x="838200" y="8305800"/>
+            <a:ext cx="5151437" cy="646112"/>
+          </a:xfrm>
+          <a:prstGeom prst="rect">
+            <a:avLst/>
+          </a:prstGeom>
+          <a:noFill/>
+          <a:ln w="9525">
+            <a:noFill/>
+            <a:miter lim="800000"/>
+            <a:headEnd/>
+            <a:tailEnd/>
+          </a:ln>
+        </p:spPr>
+        <p:txBody>
+          <a:bodyPr vert="horz" wrap="square" lIns="91440" tIns="45720" rIns="91440" bIns="45720" numCol="1" anchor="t" anchorCtr="0" compatLnSpc="1">
+            <a:prstTxWarp prst="textNoShape">
+              <a:avLst/>
+            </a:prstTxWarp>
+          </a:bodyPr>
+          <a:lstStyle/>
+          <a:p>
+            <a:pPr marL="0" marR="0" lvl="0" indent="0" algn="ctr" defTabSz="914400" rtl="0" eaLnBrk="1" fontAlgn="base" latinLnBrk="0" hangingPunct="1">
+              <a:lnSpc>
+                <a:spcPct val="100000"/>
+              </a:lnSpc>
+              <a:spcBef>
+                <a:spcPct val="0"/>
+              </a:spcBef>
+              <a:spcAft>
+                <a:spcPts val="1000"/>
+              </a:spcAft>
+              <a:buClrTx/>
+              <a:buSzTx/>
+              <a:buFontTx/>
+              <a:buNone/>
+              <a:tabLst/>
+            </a:pPr>
+            <a:r>
+              <a:rPr kumimoji="0" lang="en-US" altLang="ja-JP" sz="1100" b="1" i="0" u="none" strike="noStrike" cap="none" normalizeH="0" baseline="0" dirty="0">
+                <a:ln>
+                  <a:noFill/>
+                </a:ln>
+                <a:solidFill>
+                  <a:srgbClr val="595959"/>
+                </a:solidFill>
+                <a:effectLst/>
+                <a:latin typeface="Calibri" pitchFamily="34" charset="0"/>
+                <a:ea typeface="MS Mincho" pitchFamily="49" charset="-128"/>
+                <a:cs typeface="Arial" pitchFamily="34" charset="0"/>
+              </a:rPr>
+              <a:t>HOME | ENGINEERING | STAFFING | COMPANY | CONTACT</a:t>
+            </a:r>
+          </a:p>
+          <a:p>
+            <a:pPr marL="0" marR="0" lvl="0" indent="0" algn="ctr" defTabSz="914400" rtl="0" eaLnBrk="1" fontAlgn="base" latinLnBrk="0" hangingPunct="1">
+              <a:lnSpc>
+                <a:spcPct val="100000"/>
+              </a:lnSpc>
+              <a:spcBef>
+                <a:spcPct val="0"/>
+              </a:spcBef>
+              <a:spcAft>
+                <a:spcPts val="1000"/>
+              </a:spcAft>
+              <a:buClrTx/>
+              <a:buSzTx/>
+              <a:buFontTx/>
+              <a:buNone/>
+              <a:tabLst/>
+            </a:pPr>
+            <a:r>
+              <a:rPr kumimoji="0" lang="en-US" altLang="ja-JP" sz="1100" b="1" i="0" u="none" strike="noStrike" cap="none" normalizeH="0" baseline="0" dirty="0">
+                <a:ln>
+                  <a:noFill/>
+                </a:ln>
+                <a:solidFill>
+                  <a:srgbClr val="595959"/>
+                </a:solidFill>
+                <a:effectLst/>
+                <a:latin typeface="Calibri" pitchFamily="34" charset="0"/>
+                <a:ea typeface="MS Mincho" pitchFamily="49" charset="-128"/>
+                <a:cs typeface="Arial" pitchFamily="34" charset="0"/>
+              </a:rPr>
+              <a:t>© 2019 DESIGN RESOURCE, INC.</a:t>
+            </a:r>
+          </a:p>
+          <a:p>
+            <a:pPr marL="0" marR="0" lvl="0" indent="0" algn="l" defTabSz="914400" rtl="0" eaLnBrk="1" fontAlgn="base" latinLnBrk="0" hangingPunct="1">
+              <a:lnSpc>
+                <a:spcPct val="100000"/>
+              </a:lnSpc>
+              <a:spcBef>
+                <a:spcPct val="0"/>
+              </a:spcBef>
+              <a:spcAft>
+                <a:spcPts val="1000"/>
+              </a:spcAft>
+              <a:buClrTx/>
+              <a:buSzTx/>
+              <a:buFontTx/>
+              <a:buNone/>
+              <a:tabLst/>
+            </a:pPr>
+            <a:endParaRPr kumimoji="0" lang="en-US" altLang="ja-JP" sz="1100" b="1" i="0" u="none" strike="noStrike" cap="none" normalizeH="0" baseline="0" dirty="0">
+              <a:ln>
+                <a:noFill/>
+              </a:ln>
+              <a:solidFill>
+                <a:srgbClr val="595959"/>
+              </a:solidFill>
+              <a:effectLst/>
+              <a:latin typeface="Times New Roman" pitchFamily="18" charset="0"/>
+              <a:ea typeface="MS Mincho" pitchFamily="49" charset="-128"/>
+              <a:cs typeface="Arial" pitchFamily="34" charset="0"/>
+            </a:endParaRPr>
+          </a:p>
+          <a:p>
+            <a:pPr marL="0" marR="0" lvl="0" indent="0" algn="l" defTabSz="914400" rtl="0" eaLnBrk="1" fontAlgn="base" latinLnBrk="0" hangingPunct="1">
+              <a:lnSpc>
+                <a:spcPct val="100000"/>
+              </a:lnSpc>
+              <a:spcBef>
+                <a:spcPct val="0"/>
+              </a:spcBef>
+              <a:spcAft>
+                <a:spcPct val="0"/>
+              </a:spcAft>
+              <a:buClrTx/>
+              <a:buSzTx/>
+              <a:buFontTx/>
+              <a:buNone/>
+              <a:tabLst/>
+            </a:pPr>
+            <a:endParaRPr kumimoji="0" lang="en-US" sz="1800" b="0" i="0" u="none" strike="noStrike" cap="none" normalizeH="0" baseline="0" dirty="0">
+              <a:ln>
+                <a:noFill/>
+              </a:ln>
+              <a:solidFill>
+                <a:schemeClr val="tx1"/>
+              </a:solidFill>
+              <a:effectLst/>
+              <a:latin typeface="Arial" pitchFamily="34" charset="0"/>
+              <a:cs typeface="Arial" pitchFamily="34" charset="0"/>
+            </a:endParaRPr>
+          </a:p>
+        </p:txBody>
+      </p:sp>
+      <p:sp>
+        <p:nvSpPr>
+          <p:cNvPr id="41" name="Rectangle 40"/>
+          <p:cNvSpPr/>
+          <p:nvPr/>
+        </p:nvSpPr>
+        <p:spPr>
+          <a:xfrm>
+            <a:off x="2362200" y="304800"/>
+            <a:ext cx="3142592" cy="369332"/>
+          </a:xfrm>
+          <a:prstGeom prst="rect">
+            <a:avLst/>
+          </a:prstGeom>
+        </p:spPr>
+        <p:txBody>
+          <a:bodyPr wrap="none">
+            <a:spAutoFit/>
+          </a:bodyPr>
+          <a:lstStyle/>
+          <a:p>
+            <a:r>
+              <a:rPr lang="en-US" i="1" dirty="0">
+                <a:solidFill>
+                  <a:schemeClr val="tx1">
+                    <a:lumMod val="65000"/>
+                    <a:lumOff val="35000"/>
+                  </a:schemeClr>
+                </a:solidFill>
+              </a:rPr>
+              <a:t>Value driven. Quality sustained.</a:t>
+            </a:r>
+          </a:p>
+        </p:txBody>
+      </p:sp>
+      <p:sp>
+        <p:nvSpPr>
+          <p:cNvPr id="29" name="Rectangle 28"/>
+          <p:cNvSpPr/>
+          <p:nvPr/>
+        </p:nvSpPr>
+        <p:spPr>
+          <a:xfrm>
+            <a:off x="0" y="1447800"/>
+            <a:ext cx="6858000" cy="914400"/>
+          </a:xfrm>
+          <a:prstGeom prst="rect">
+            <a:avLst/>
+          </a:prstGeom>
+          <a:solidFill>
+            <a:schemeClr val="accent1">
+              <a:lumMod val="50000"/>
+            </a:schemeClr>
+          </a:solidFill>
+          <a:ln>
+            <a:noFill/>
+          </a:ln>
+        </p:spPr>
+        <p:style>
+          <a:lnRef idx="2">
+            <a:schemeClr val="accent1">
+              <a:shade val="50000"/>
+            </a:schemeClr>
+          </a:lnRef>
+          <a:fillRef idx="1">
+            <a:schemeClr val="accent1"/>
+          </a:fillRef>
+          <a:effectRef idx="0">
+            <a:schemeClr val="accent1"/>
+          </a:effectRef>
+          <a:fontRef idx="minor">
+            <a:schemeClr val="lt1"/>
+          </a:fontRef>
+        </p:style>
+        <p:txBody>
+          <a:bodyPr rtlCol="0" anchor="ctr"/>
+          <a:lstStyle/>
+          <a:p>
+            <a:pPr algn="ctr"/>
+            <a:endParaRPr lang="en-US"/>
+          </a:p>
+        </p:txBody>
+      </p:sp>
+      <p:sp>
+        <p:nvSpPr>
+          <p:cNvPr id="1026" name="Text Box 2"/>
+          <p:cNvSpPr txBox="1">
+            <a:spLocks noChangeArrowheads="1"/>
+          </p:cNvSpPr>
+          <p:nvPr/>
+        </p:nvSpPr>
+        <p:spPr bwMode="auto">
+          <a:xfrm>
+            <a:off x="457200" y="1600200"/>
+            <a:ext cx="5867400" cy="533400"/>
+          </a:xfrm>
+          <a:prstGeom prst="rect">
+            <a:avLst/>
+          </a:prstGeom>
+          <a:noFill/>
+          <a:ln w="9525">
+            <a:noFill/>
+            <a:miter lim="800000"/>
+            <a:headEnd/>
+            <a:tailEnd/>
+          </a:ln>
+        </p:spPr>
+        <p:txBody>
+          <a:bodyPr vert="horz" wrap="square" lIns="91440" tIns="45720" rIns="91440" bIns="45720" numCol="1" anchor="t" anchorCtr="0" compatLnSpc="1">
+            <a:prstTxWarp prst="textNoShape">
+              <a:avLst/>
+            </a:prstTxWarp>
+          </a:bodyPr>
+          <a:lstStyle/>
+          <a:p>
+            <a:pPr marL="0" marR="0" lvl="0" indent="0" algn="ctr" defTabSz="914400" rtl="0" eaLnBrk="1" fontAlgn="base" latinLnBrk="0" hangingPunct="1">
+              <a:lnSpc>
+                <a:spcPct val="100000"/>
+              </a:lnSpc>
+              <a:spcBef>
+                <a:spcPct val="0"/>
+              </a:spcBef>
+              <a:spcAft>
+                <a:spcPts val="1000"/>
+              </a:spcAft>
+              <a:buClrTx/>
+              <a:buSzTx/>
+              <a:buFontTx/>
+              <a:buNone/>
+              <a:tabLst/>
+            </a:pPr>
+            <a:r>
+              <a:rPr kumimoji="0" lang="en-US" altLang="ja-JP" sz="2800" b="1" i="0" u="none" strike="noStrike" cap="none" normalizeH="0" baseline="0" dirty="0">
+                <a:ln>
+                  <a:noFill/>
+                </a:ln>
+                <a:solidFill>
+                  <a:srgbClr val="FFFFFF"/>
+                </a:solidFill>
+                <a:effectLst/>
+                <a:latin typeface="Calibri" pitchFamily="34" charset="0"/>
+                <a:ea typeface="MS Mincho" pitchFamily="49" charset="-128"/>
+                <a:cs typeface="Arial" pitchFamily="34" charset="0"/>
+              </a:rPr>
+              <a:t>About DRI</a:t>
+            </a:r>
+          </a:p>
+        </p:txBody>
+      </p:sp>
+      <p:sp>
+        <p:nvSpPr>
+          <p:cNvPr id="2050" name="Text Box 2"/>
+          <p:cNvSpPr txBox="1">
+            <a:spLocks noChangeArrowheads="1"/>
+          </p:cNvSpPr>
+          <p:nvPr/>
+        </p:nvSpPr>
+        <p:spPr bwMode="auto">
+          <a:xfrm>
+            <a:off x="630002" y="2584324"/>
+            <a:ext cx="5597996" cy="768350"/>
+          </a:xfrm>
+          <a:prstGeom prst="rect">
+            <a:avLst/>
+          </a:prstGeom>
+          <a:solidFill>
+            <a:srgbClr val="FFFFFF"/>
+          </a:solidFill>
+          <a:ln w="9525">
+            <a:noFill/>
+            <a:miter lim="800000"/>
+            <a:headEnd/>
+            <a:tailEnd/>
+          </a:ln>
+        </p:spPr>
+        <p:txBody>
+          <a:bodyPr vert="horz" wrap="square" lIns="91440" tIns="45720" rIns="91440" bIns="45720" numCol="1" anchor="t" anchorCtr="0" compatLnSpc="1">
+            <a:prstTxWarp prst="textNoShape">
+              <a:avLst/>
+            </a:prstTxWarp>
+          </a:bodyPr>
+          <a:lstStyle/>
+          <a:p>
+            <a:r>
+              <a:rPr lang="en-US" b="1" i="1" dirty="0">
+                <a:solidFill>
+                  <a:schemeClr val="accent6">
+                    <a:lumMod val="50000"/>
+                  </a:schemeClr>
+                </a:solidFill>
+              </a:rPr>
+              <a:t>Design Resource provides custom solutions for manufacturing and product design. We work with your team from concept through final build.</a:t>
+            </a:r>
+            <a:endParaRPr lang="en-US" dirty="0">
+              <a:solidFill>
+                <a:schemeClr val="accent6">
+                  <a:lumMod val="50000"/>
+                </a:schemeClr>
+              </a:solidFill>
+            </a:endParaRPr>
+          </a:p>
+        </p:txBody>
+      </p:sp>
+      <p:sp>
+        <p:nvSpPr>
+          <p:cNvPr id="2051" name="Text Box 3"/>
+          <p:cNvSpPr txBox="1">
+            <a:spLocks noChangeArrowheads="1"/>
+          </p:cNvSpPr>
+          <p:nvPr/>
+        </p:nvSpPr>
+        <p:spPr bwMode="auto">
+          <a:xfrm>
+            <a:off x="546120" y="3848097"/>
+            <a:ext cx="5836265" cy="1333503"/>
+          </a:xfrm>
+          <a:prstGeom prst="rect">
+            <a:avLst/>
+          </a:prstGeom>
+          <a:solidFill>
+            <a:srgbClr val="FFFFFF"/>
+          </a:solidFill>
+          <a:ln w="9525">
+            <a:noFill/>
+            <a:miter lim="800000"/>
+            <a:headEnd/>
+            <a:tailEnd/>
+          </a:ln>
+        </p:spPr>
+        <p:txBody>
+          <a:bodyPr vert="horz" wrap="square" lIns="91440" tIns="45720" rIns="91440" bIns="45720" numCol="1" anchor="t" anchorCtr="0" compatLnSpc="1">
+            <a:prstTxWarp prst="textNoShape">
+              <a:avLst/>
+            </a:prstTxWarp>
+          </a:bodyPr>
+          <a:lstStyle/>
+          <a:p>
+            <a:r>
+              <a:rPr lang="en-US" sz="1200" b="1" dirty="0">
+                <a:solidFill>
+                  <a:schemeClr val="tx1">
+                    <a:lumMod val="65000"/>
+                    <a:lumOff val="35000"/>
+                  </a:schemeClr>
+                </a:solidFill>
+              </a:rPr>
+              <a:t>Founded in 1993, Design Resource has been committed to helping customers improve manufacturing quality and products output while reducing time to market.</a:t>
+            </a:r>
+            <a:endParaRPr lang="en-US" sz="1200" dirty="0">
+              <a:solidFill>
+                <a:schemeClr val="tx1">
+                  <a:lumMod val="65000"/>
+                  <a:lumOff val="35000"/>
+                </a:schemeClr>
+              </a:solidFill>
+            </a:endParaRPr>
+          </a:p>
+          <a:p>
+            <a:r>
+              <a:rPr lang="en-US" sz="1200" b="1" dirty="0">
+                <a:solidFill>
+                  <a:schemeClr val="tx1">
+                    <a:lumMod val="65000"/>
+                    <a:lumOff val="35000"/>
+                  </a:schemeClr>
+                </a:solidFill>
+              </a:rPr>
+              <a:t>Our focus on long-term customer relationships, quality, and meeting project deadlines has positioned DRI as a main resource supplemental engineering services.</a:t>
+            </a:r>
+            <a:endParaRPr lang="en-US" sz="1200" dirty="0">
+              <a:solidFill>
+                <a:schemeClr val="tx1">
+                  <a:lumMod val="65000"/>
+                  <a:lumOff val="35000"/>
+                </a:schemeClr>
+              </a:solidFill>
+            </a:endParaRPr>
+          </a:p>
+          <a:p>
+            <a:r>
+              <a:rPr lang="en-US" sz="1200" b="1" dirty="0">
+                <a:solidFill>
+                  <a:schemeClr val="tx1">
+                    <a:lumMod val="65000"/>
+                    <a:lumOff val="35000"/>
+                  </a:schemeClr>
+                </a:solidFill>
+              </a:rPr>
+              <a:t>Contact us today to discuss how we can help you achieve your engineering goals. </a:t>
+            </a:r>
+            <a:endParaRPr lang="en-US" sz="1200" dirty="0">
+              <a:solidFill>
+                <a:schemeClr val="tx1">
+                  <a:lumMod val="65000"/>
+                  <a:lumOff val="35000"/>
+                </a:schemeClr>
+              </a:solidFill>
+            </a:endParaRPr>
+          </a:p>
+        </p:txBody>
+      </p:sp>
+      <p:grpSp>
+        <p:nvGrpSpPr>
+          <p:cNvPr id="32" name="Group 31"/>
+          <p:cNvGrpSpPr/>
+          <p:nvPr/>
+        </p:nvGrpSpPr>
+        <p:grpSpPr>
+          <a:xfrm>
+            <a:off x="5486400" y="381000"/>
+            <a:ext cx="1066800" cy="276999"/>
+            <a:chOff x="685800" y="6705600"/>
+            <a:chExt cx="1143000" cy="276999"/>
+          </a:xfrm>
+        </p:grpSpPr>
+        <p:sp>
+          <p:nvSpPr>
+            <p:cNvPr id="33" name="TextBox 32"/>
+            <p:cNvSpPr txBox="1"/>
+            <p:nvPr/>
+          </p:nvSpPr>
+          <p:spPr>
+            <a:xfrm>
+              <a:off x="685800" y="6705600"/>
+              <a:ext cx="1143000" cy="276999"/>
+            </a:xfrm>
+            <a:prstGeom prst="rect">
+              <a:avLst/>
+            </a:prstGeom>
+            <a:noFill/>
+            <a:ln>
+              <a:solidFill>
+                <a:schemeClr val="accent6">
+                  <a:lumMod val="50000"/>
+                </a:schemeClr>
+              </a:solidFill>
+            </a:ln>
+          </p:spPr>
+          <p:txBody>
+            <a:bodyPr wrap="square" rtlCol="0">
+              <a:spAutoFit/>
+            </a:bodyPr>
+            <a:lstStyle/>
+            <a:p>
+              <a:r>
+                <a:rPr lang="en-US" sz="1200" b="1" dirty="0">
+                  <a:solidFill>
+                    <a:schemeClr val="accent6">
+                      <a:lumMod val="50000"/>
+                    </a:schemeClr>
+                  </a:solidFill>
+                </a:rPr>
+                <a:t>Contact us</a:t>
+              </a:r>
+            </a:p>
+          </p:txBody>
+        </p:sp>
+        <p:sp>
+          <p:nvSpPr>
+            <p:cNvPr id="34" name="Right Arrow 33"/>
+            <p:cNvSpPr/>
+            <p:nvPr/>
+          </p:nvSpPr>
+          <p:spPr>
+            <a:xfrm>
+              <a:off x="1573772" y="6818359"/>
+              <a:ext cx="102628" cy="45719"/>
+            </a:xfrm>
+            <a:prstGeom prst="rightArrow">
+              <a:avLst/>
+            </a:prstGeom>
+            <a:solidFill>
+              <a:schemeClr val="accent6">
+                <a:lumMod val="50000"/>
+              </a:schemeClr>
+            </a:solidFill>
+            <a:ln>
+              <a:noFill/>
+            </a:ln>
+          </p:spPr>
+          <p:style>
+            <a:lnRef idx="2">
+              <a:schemeClr val="accent1">
+                <a:shade val="50000"/>
+              </a:schemeClr>
+            </a:lnRef>
+            <a:fillRef idx="1">
+              <a:schemeClr val="accent1"/>
+            </a:fillRef>
+            <a:effectRef idx="0">
+              <a:schemeClr val="accent1"/>
+            </a:effectRef>
+            <a:fontRef idx="minor">
+              <a:schemeClr val="lt1"/>
+            </a:fontRef>
+          </p:style>
+          <p:txBody>
+            <a:bodyPr rtlCol="0" anchor="ctr"/>
+            <a:lstStyle/>
+            <a:p>
+              <a:pPr algn="ctr"/>
+              <a:endParaRPr lang="en-US"/>
+            </a:p>
+          </p:txBody>
+        </p:sp>
+      </p:grpSp>
+      <p:pic>
+        <p:nvPicPr>
+          <p:cNvPr id="18" name="Picture 17">
+            <a:extLst>
+              <a:ext uri="{FF2B5EF4-FFF2-40B4-BE49-F238E27FC236}">
+                <a16:creationId xmlns:a16="http://schemas.microsoft.com/office/drawing/2014/main" id="{7B2E7B55-F6EC-43B6-A990-CACB9803E58C}"/>
+              </a:ext>
+            </a:extLst>
+          </p:cNvPr>
+          <p:cNvPicPr/>
+          <p:nvPr/>
+        </p:nvPicPr>
+        <p:blipFill>
+          <a:blip r:embed="rId4" cstate="print"/>
+          <a:srcRect/>
+          <a:stretch>
+            <a:fillRect/>
+          </a:stretch>
+        </p:blipFill>
+        <p:spPr bwMode="auto">
+          <a:xfrm>
+            <a:off x="7696200" y="4041615"/>
+            <a:ext cx="1673686" cy="1060767"/>
+          </a:xfrm>
+          <a:prstGeom prst="rect">
+            <a:avLst/>
+          </a:prstGeom>
+          <a:noFill/>
+          <a:ln w="9525">
+            <a:noFill/>
+            <a:miter lim="800000"/>
+            <a:headEnd/>
+            <a:tailEnd/>
+          </a:ln>
+        </p:spPr>
+      </p:pic>
+      <p:pic>
+        <p:nvPicPr>
+          <p:cNvPr id="21" name="Picture 20" descr="Z:\Employees\bob\pics for tom\c31-512-602.JPG">
+            <a:extLst>
+              <a:ext uri="{FF2B5EF4-FFF2-40B4-BE49-F238E27FC236}">
+                <a16:creationId xmlns:a16="http://schemas.microsoft.com/office/drawing/2014/main" id="{2F0838E2-77F7-4EFF-8A66-DC504751976D}"/>
+              </a:ext>
+            </a:extLst>
+          </p:cNvPr>
+          <p:cNvPicPr/>
+          <p:nvPr/>
+        </p:nvPicPr>
+        <p:blipFill>
+          <a:blip r:embed="rId5"/>
+          <a:srcRect/>
+          <a:stretch>
+            <a:fillRect/>
+          </a:stretch>
+        </p:blipFill>
+        <p:spPr bwMode="auto">
+          <a:xfrm>
+            <a:off x="2713326" y="5554535"/>
+            <a:ext cx="1582855" cy="1256568"/>
+          </a:xfrm>
+          <a:prstGeom prst="rect">
+            <a:avLst/>
+          </a:prstGeom>
+          <a:ln w="12700" cap="sq">
+            <a:solidFill>
+              <a:schemeClr val="tx1">
+                <a:lumMod val="50000"/>
+              </a:schemeClr>
+            </a:solidFill>
+            <a:miter lim="800000"/>
+          </a:ln>
+          <a:effectLst>
+            <a:outerShdw blurRad="57150" dist="50800" dir="2700000" algn="tl" rotWithShape="0">
+              <a:srgbClr val="000000">
+                <a:alpha val="40000"/>
+              </a:srgbClr>
+            </a:outerShdw>
+          </a:effectLst>
+        </p:spPr>
+      </p:pic>
+      <p:pic>
+        <p:nvPicPr>
+          <p:cNvPr id="22" name="Picture 21" descr="C:\Documents and Settings\Administrator\Desktop\marketing images\special machines-manufacturing\donaldson.JPG">
+            <a:extLst>
+              <a:ext uri="{FF2B5EF4-FFF2-40B4-BE49-F238E27FC236}">
+                <a16:creationId xmlns:a16="http://schemas.microsoft.com/office/drawing/2014/main" id="{C41A62E5-25F9-4D06-817F-61ED55697CAB}"/>
+              </a:ext>
+            </a:extLst>
+          </p:cNvPr>
+          <p:cNvPicPr/>
+          <p:nvPr/>
+        </p:nvPicPr>
+        <p:blipFill>
+          <a:blip r:embed="rId6">
+            <a:clrChange>
+              <a:clrFrom>
+                <a:srgbClr val="FFFFFF"/>
+              </a:clrFrom>
+              <a:clrTo>
+                <a:srgbClr val="FFFFFF">
+                  <a:alpha val="0"/>
+                </a:srgbClr>
+              </a:clrTo>
+            </a:clrChange>
+          </a:blip>
+          <a:srcRect/>
+          <a:stretch>
+            <a:fillRect/>
+          </a:stretch>
+        </p:blipFill>
+        <p:spPr bwMode="auto">
+          <a:xfrm>
+            <a:off x="1240427" y="5457095"/>
+            <a:ext cx="2365781" cy="1981200"/>
+          </a:xfrm>
+          <a:prstGeom prst="rect">
+            <a:avLst/>
+          </a:prstGeom>
+          <a:ln w="12700" cap="sq">
+            <a:noFill/>
+            <a:miter lim="800000"/>
+          </a:ln>
+          <a:effectLst>
+            <a:outerShdw blurRad="57150" dist="50800" dir="2700000" algn="tl" rotWithShape="0">
+              <a:srgbClr val="000000">
+                <a:alpha val="40000"/>
+              </a:srgbClr>
+            </a:outerShdw>
+          </a:effectLst>
+        </p:spPr>
+      </p:pic>
+      <p:pic>
+        <p:nvPicPr>
+          <p:cNvPr id="23" name="Picture 22" descr="Z:\Employees\bob\pics for tom\graco1.JPG">
+            <a:extLst>
+              <a:ext uri="{FF2B5EF4-FFF2-40B4-BE49-F238E27FC236}">
+                <a16:creationId xmlns:a16="http://schemas.microsoft.com/office/drawing/2014/main" id="{71E2F605-AD00-4093-B5D7-5890A20AC447}"/>
+              </a:ext>
+            </a:extLst>
+          </p:cNvPr>
+          <p:cNvPicPr/>
+          <p:nvPr/>
+        </p:nvPicPr>
+        <p:blipFill>
+          <a:blip r:embed="rId7">
+            <a:clrChange>
+              <a:clrFrom>
+                <a:srgbClr val="FFFFFF"/>
+              </a:clrFrom>
+              <a:clrTo>
+                <a:srgbClr val="FFFFFF">
+                  <a:alpha val="0"/>
+                </a:srgbClr>
+              </a:clrTo>
+            </a:clrChange>
+            <a:extLst>
+              <a:ext uri="{28A0092B-C50C-407E-A947-70E740481C1C}">
+                <a14:useLocalDpi xmlns:a14="http://schemas.microsoft.com/office/drawing/2010/main" val="0"/>
+              </a:ext>
+            </a:extLst>
+          </a:blip>
+          <a:srcRect/>
+          <a:stretch>
+            <a:fillRect/>
+          </a:stretch>
+        </p:blipFill>
+        <p:spPr bwMode="auto">
+          <a:xfrm rot="18678249">
+            <a:off x="3489550" y="5833580"/>
+            <a:ext cx="2009538" cy="1228231"/>
+          </a:xfrm>
+          <a:prstGeom prst="rect">
+            <a:avLst/>
+          </a:prstGeom>
+          <a:noFill/>
+          <a:ln>
+            <a:noFill/>
+          </a:ln>
+          <a:extLst>
+            <a:ext uri="{909E8E84-426E-40DD-AFC4-6F175D3DCCD1}">
+              <a14:hiddenFill xmlns:a14="http://schemas.microsoft.com/office/drawing/2010/main">
+                <a:solidFill>
+                  <a:srgbClr val="FFFFFF"/>
+                </a:solidFill>
+              </a14:hiddenFill>
+            </a:ext>
+            <a:ext uri="{91240B29-F687-4F45-9708-019B960494DF}">
+              <a14:hiddenLine xmlns:a14="http://schemas.microsoft.com/office/drawing/2010/main" w="9525">
+                <a:solidFill>
+                  <a:srgbClr val="000000"/>
+                </a:solidFill>
+                <a:miter lim="800000"/>
+                <a:headEnd/>
+                <a:tailEnd/>
+              </a14:hiddenLine>
+            </a:ext>
+          </a:extLst>
+        </p:spPr>
+      </p:pic>
+    </p:spTree>
+    <p:extLst>
+      <p:ext uri="{BB962C8B-B14F-4D97-AF65-F5344CB8AC3E}">
+        <p14:creationId xmlns:p14="http://schemas.microsoft.com/office/powerpoint/2010/main" val="1331100796"/>
+      </p:ext>
+    </p:extLst>
   </p:cSld>
   <p:clrMapOvr>
     <a:masterClrMapping/>
